--- a/Material pedagógico/Modulo 3/Clase 1/Clase 1 - Modulo 3.pptx
+++ b/Material pedagógico/Modulo 3/Clase 1/Clase 1 - Modulo 3.pptx
@@ -374,7 +374,7 @@
             <a:pPr indent="0" algn="r">
               <a:buNone/>
             </a:pPr>
-            <a:fld id="{B77A425E-505C-4F42-A9C8-5BEC21F2BC20}" type="slidenum">
+            <a:fld id="{9D313898-D3AC-4299-BF49-BCE85D3A11A9}" type="slidenum">
               <a:rPr b="0" lang="es-CO" sz="1400" spc="-1" strike="noStrike">
                 <a:solidFill>
                   <a:srgbClr val="000000"/>
@@ -417,7 +417,7 @@
       </p:grpSpPr>
       <p:sp>
         <p:nvSpPr>
-          <p:cNvPr id="337" name="PlaceHolder 1"/>
+          <p:cNvPr id="340" name="PlaceHolder 1"/>
           <p:cNvSpPr>
             <a:spLocks noGrp="1"/>
           </p:cNvSpPr>
@@ -428,19 +428,19 @@
         <p:spPr>
           <a:xfrm>
             <a:off x="685800" y="1143000"/>
-            <a:ext cx="5484600" cy="3084480"/>
-          </a:xfrm>
-          <a:prstGeom prst="rect">
-            <a:avLst/>
-          </a:prstGeom>
-          <a:ln w="0">
-            <a:noFill/>
-          </a:ln>
-        </p:spPr>
-      </p:sp>
-      <p:sp>
-        <p:nvSpPr>
-          <p:cNvPr id="338" name="PlaceHolder 2"/>
+            <a:ext cx="5484240" cy="3084120"/>
+          </a:xfrm>
+          <a:prstGeom prst="rect">
+            <a:avLst/>
+          </a:prstGeom>
+          <a:ln w="0">
+            <a:noFill/>
+          </a:ln>
+        </p:spPr>
+      </p:sp>
+      <p:sp>
+        <p:nvSpPr>
+          <p:cNvPr id="341" name="PlaceHolder 2"/>
           <p:cNvSpPr>
             <a:spLocks noGrp="1"/>
           </p:cNvSpPr>
@@ -451,7 +451,7 @@
         <p:spPr>
           <a:xfrm>
             <a:off x="685800" y="4400640"/>
-            <a:ext cx="5484600" cy="3598920"/>
+            <a:ext cx="5484240" cy="3598560"/>
           </a:xfrm>
           <a:prstGeom prst="rect">
             <a:avLst/>
@@ -480,7 +480,7 @@
       </p:sp>
       <p:sp>
         <p:nvSpPr>
-          <p:cNvPr id="339" name="PlaceHolder 3"/>
+          <p:cNvPr id="342" name="PlaceHolder 3"/>
           <p:cNvSpPr>
             <a:spLocks noGrp="1"/>
           </p:cNvSpPr>
@@ -491,7 +491,7 @@
         <p:spPr>
           <a:xfrm>
             <a:off x="3884760" y="8685360"/>
-            <a:ext cx="2970000" cy="456840"/>
+            <a:ext cx="2969640" cy="456480"/>
           </a:xfrm>
           <a:prstGeom prst="rect">
             <a:avLst/>
@@ -532,7 +532,7 @@
                 <a:tab algn="l" pos="0"/>
               </a:tabLst>
             </a:pPr>
-            <a:fld id="{68E93E79-E770-4772-9CD1-5DA1348032C1}" type="slidenum">
+            <a:fld id="{A8BA8429-4A08-4CB4-966E-85E951F35AE7}" type="slidenum">
               <a:rPr b="0" lang="es-CO" sz="1400" spc="-1" strike="noStrike">
                 <a:solidFill>
                   <a:srgbClr val="000000"/>
@@ -574,7 +574,7 @@
       </p:grpSpPr>
       <p:sp>
         <p:nvSpPr>
-          <p:cNvPr id="364" name="PlaceHolder 1"/>
+          <p:cNvPr id="367" name="PlaceHolder 1"/>
           <p:cNvSpPr>
             <a:spLocks noGrp="1"/>
           </p:cNvSpPr>
@@ -585,19 +585,19 @@
         <p:spPr>
           <a:xfrm>
             <a:off x="685800" y="1143000"/>
-            <a:ext cx="5484600" cy="3084480"/>
-          </a:xfrm>
-          <a:prstGeom prst="rect">
-            <a:avLst/>
-          </a:prstGeom>
-          <a:ln w="0">
-            <a:noFill/>
-          </a:ln>
-        </p:spPr>
-      </p:sp>
-      <p:sp>
-        <p:nvSpPr>
-          <p:cNvPr id="365" name="PlaceHolder 2"/>
+            <a:ext cx="5484240" cy="3084120"/>
+          </a:xfrm>
+          <a:prstGeom prst="rect">
+            <a:avLst/>
+          </a:prstGeom>
+          <a:ln w="0">
+            <a:noFill/>
+          </a:ln>
+        </p:spPr>
+      </p:sp>
+      <p:sp>
+        <p:nvSpPr>
+          <p:cNvPr id="368" name="PlaceHolder 2"/>
           <p:cNvSpPr>
             <a:spLocks noGrp="1"/>
           </p:cNvSpPr>
@@ -608,7 +608,7 @@
         <p:spPr>
           <a:xfrm>
             <a:off x="685800" y="4400640"/>
-            <a:ext cx="5484600" cy="3598920"/>
+            <a:ext cx="5484240" cy="3598560"/>
           </a:xfrm>
           <a:prstGeom prst="rect">
             <a:avLst/>
@@ -637,7 +637,7 @@
       </p:sp>
       <p:sp>
         <p:nvSpPr>
-          <p:cNvPr id="366" name="PlaceHolder 3"/>
+          <p:cNvPr id="369" name="PlaceHolder 3"/>
           <p:cNvSpPr>
             <a:spLocks noGrp="1"/>
           </p:cNvSpPr>
@@ -648,7 +648,7 @@
         <p:spPr>
           <a:xfrm>
             <a:off x="3884760" y="8685360"/>
-            <a:ext cx="2970000" cy="456840"/>
+            <a:ext cx="2969640" cy="456480"/>
           </a:xfrm>
           <a:prstGeom prst="rect">
             <a:avLst/>
@@ -689,7 +689,7 @@
                 <a:tab algn="l" pos="0"/>
               </a:tabLst>
             </a:pPr>
-            <a:fld id="{3981DBAB-0DEC-4387-A927-D047D105F08E}" type="slidenum">
+            <a:fld id="{9EE7C53B-8924-4BB9-80DA-51745B36F2D2}" type="slidenum">
               <a:rPr b="0" lang="es-CO" sz="1400" spc="-1" strike="noStrike">
                 <a:solidFill>
                   <a:srgbClr val="000000"/>
@@ -731,7 +731,7 @@
       </p:grpSpPr>
       <p:sp>
         <p:nvSpPr>
-          <p:cNvPr id="367" name="PlaceHolder 1"/>
+          <p:cNvPr id="370" name="PlaceHolder 1"/>
           <p:cNvSpPr>
             <a:spLocks noGrp="1"/>
           </p:cNvSpPr>
@@ -742,19 +742,19 @@
         <p:spPr>
           <a:xfrm>
             <a:off x="685800" y="1143000"/>
-            <a:ext cx="5484600" cy="3084480"/>
-          </a:xfrm>
-          <a:prstGeom prst="rect">
-            <a:avLst/>
-          </a:prstGeom>
-          <a:ln w="0">
-            <a:noFill/>
-          </a:ln>
-        </p:spPr>
-      </p:sp>
-      <p:sp>
-        <p:nvSpPr>
-          <p:cNvPr id="368" name="PlaceHolder 2"/>
+            <a:ext cx="5484240" cy="3084120"/>
+          </a:xfrm>
+          <a:prstGeom prst="rect">
+            <a:avLst/>
+          </a:prstGeom>
+          <a:ln w="0">
+            <a:noFill/>
+          </a:ln>
+        </p:spPr>
+      </p:sp>
+      <p:sp>
+        <p:nvSpPr>
+          <p:cNvPr id="371" name="PlaceHolder 2"/>
           <p:cNvSpPr>
             <a:spLocks noGrp="1"/>
           </p:cNvSpPr>
@@ -765,7 +765,7 @@
         <p:spPr>
           <a:xfrm>
             <a:off x="685800" y="4400640"/>
-            <a:ext cx="5484600" cy="3598920"/>
+            <a:ext cx="5484240" cy="3598560"/>
           </a:xfrm>
           <a:prstGeom prst="rect">
             <a:avLst/>
@@ -794,7 +794,7 @@
       </p:sp>
       <p:sp>
         <p:nvSpPr>
-          <p:cNvPr id="369" name="PlaceHolder 3"/>
+          <p:cNvPr id="372" name="PlaceHolder 3"/>
           <p:cNvSpPr>
             <a:spLocks noGrp="1"/>
           </p:cNvSpPr>
@@ -805,7 +805,7 @@
         <p:spPr>
           <a:xfrm>
             <a:off x="3884760" y="8685360"/>
-            <a:ext cx="2970000" cy="456840"/>
+            <a:ext cx="2969640" cy="456480"/>
           </a:xfrm>
           <a:prstGeom prst="rect">
             <a:avLst/>
@@ -846,7 +846,7 @@
                 <a:tab algn="l" pos="0"/>
               </a:tabLst>
             </a:pPr>
-            <a:fld id="{A5CA3C03-9AED-493D-AD85-9687956737DD}" type="slidenum">
+            <a:fld id="{BE142B1F-1174-4462-A1C9-C3C1015AC772}" type="slidenum">
               <a:rPr b="0" lang="es-CO" sz="1400" spc="-1" strike="noStrike">
                 <a:solidFill>
                   <a:srgbClr val="000000"/>
@@ -888,7 +888,7 @@
       </p:grpSpPr>
       <p:sp>
         <p:nvSpPr>
-          <p:cNvPr id="370" name="PlaceHolder 1"/>
+          <p:cNvPr id="373" name="PlaceHolder 1"/>
           <p:cNvSpPr>
             <a:spLocks noGrp="1"/>
           </p:cNvSpPr>
@@ -899,19 +899,19 @@
         <p:spPr>
           <a:xfrm>
             <a:off x="685800" y="1143000"/>
-            <a:ext cx="5484600" cy="3084480"/>
-          </a:xfrm>
-          <a:prstGeom prst="rect">
-            <a:avLst/>
-          </a:prstGeom>
-          <a:ln w="0">
-            <a:noFill/>
-          </a:ln>
-        </p:spPr>
-      </p:sp>
-      <p:sp>
-        <p:nvSpPr>
-          <p:cNvPr id="371" name="PlaceHolder 2"/>
+            <a:ext cx="5484240" cy="3084120"/>
+          </a:xfrm>
+          <a:prstGeom prst="rect">
+            <a:avLst/>
+          </a:prstGeom>
+          <a:ln w="0">
+            <a:noFill/>
+          </a:ln>
+        </p:spPr>
+      </p:sp>
+      <p:sp>
+        <p:nvSpPr>
+          <p:cNvPr id="374" name="PlaceHolder 2"/>
           <p:cNvSpPr>
             <a:spLocks noGrp="1"/>
           </p:cNvSpPr>
@@ -922,7 +922,7 @@
         <p:spPr>
           <a:xfrm>
             <a:off x="685800" y="4400640"/>
-            <a:ext cx="5484600" cy="3598920"/>
+            <a:ext cx="5484240" cy="3598560"/>
           </a:xfrm>
           <a:prstGeom prst="rect">
             <a:avLst/>
@@ -951,7 +951,7 @@
       </p:sp>
       <p:sp>
         <p:nvSpPr>
-          <p:cNvPr id="372" name="PlaceHolder 3"/>
+          <p:cNvPr id="375" name="PlaceHolder 3"/>
           <p:cNvSpPr>
             <a:spLocks noGrp="1"/>
           </p:cNvSpPr>
@@ -962,7 +962,7 @@
         <p:spPr>
           <a:xfrm>
             <a:off x="3884760" y="8685360"/>
-            <a:ext cx="2970000" cy="456840"/>
+            <a:ext cx="2969640" cy="456480"/>
           </a:xfrm>
           <a:prstGeom prst="rect">
             <a:avLst/>
@@ -1003,7 +1003,7 @@
                 <a:tab algn="l" pos="0"/>
               </a:tabLst>
             </a:pPr>
-            <a:fld id="{9C9205AE-A86E-4F67-9ADB-CF67A60CC069}" type="slidenum">
+            <a:fld id="{978143B4-BACD-455D-9913-885A08C1D6B5}" type="slidenum">
               <a:rPr b="0" lang="es-CO" sz="1400" spc="-1" strike="noStrike">
                 <a:solidFill>
                   <a:srgbClr val="000000"/>
@@ -1045,7 +1045,7 @@
       </p:grpSpPr>
       <p:sp>
         <p:nvSpPr>
-          <p:cNvPr id="373" name="PlaceHolder 1"/>
+          <p:cNvPr id="376" name="PlaceHolder 1"/>
           <p:cNvSpPr>
             <a:spLocks noGrp="1"/>
           </p:cNvSpPr>
@@ -1056,19 +1056,19 @@
         <p:spPr>
           <a:xfrm>
             <a:off x="685800" y="1143000"/>
-            <a:ext cx="5484600" cy="3084480"/>
-          </a:xfrm>
-          <a:prstGeom prst="rect">
-            <a:avLst/>
-          </a:prstGeom>
-          <a:ln w="0">
-            <a:noFill/>
-          </a:ln>
-        </p:spPr>
-      </p:sp>
-      <p:sp>
-        <p:nvSpPr>
-          <p:cNvPr id="374" name="PlaceHolder 2"/>
+            <a:ext cx="5484240" cy="3084120"/>
+          </a:xfrm>
+          <a:prstGeom prst="rect">
+            <a:avLst/>
+          </a:prstGeom>
+          <a:ln w="0">
+            <a:noFill/>
+          </a:ln>
+        </p:spPr>
+      </p:sp>
+      <p:sp>
+        <p:nvSpPr>
+          <p:cNvPr id="377" name="PlaceHolder 2"/>
           <p:cNvSpPr>
             <a:spLocks noGrp="1"/>
           </p:cNvSpPr>
@@ -1079,7 +1079,7 @@
         <p:spPr>
           <a:xfrm>
             <a:off x="685800" y="4400640"/>
-            <a:ext cx="5484600" cy="3598920"/>
+            <a:ext cx="5484240" cy="3598560"/>
           </a:xfrm>
           <a:prstGeom prst="rect">
             <a:avLst/>
@@ -1108,7 +1108,7 @@
       </p:sp>
       <p:sp>
         <p:nvSpPr>
-          <p:cNvPr id="375" name="PlaceHolder 3"/>
+          <p:cNvPr id="378" name="PlaceHolder 3"/>
           <p:cNvSpPr>
             <a:spLocks noGrp="1"/>
           </p:cNvSpPr>
@@ -1119,7 +1119,7 @@
         <p:spPr>
           <a:xfrm>
             <a:off x="3884760" y="8685360"/>
-            <a:ext cx="2970000" cy="456840"/>
+            <a:ext cx="2969640" cy="456480"/>
           </a:xfrm>
           <a:prstGeom prst="rect">
             <a:avLst/>
@@ -1160,7 +1160,7 @@
                 <a:tab algn="l" pos="0"/>
               </a:tabLst>
             </a:pPr>
-            <a:fld id="{A85E40FE-C8E6-4C2C-9373-6F296EEEE06B}" type="slidenum">
+            <a:fld id="{38044B84-8E49-466C-ACC1-6618810FF37E}" type="slidenum">
               <a:rPr b="0" lang="es-CO" sz="1400" spc="-1" strike="noStrike">
                 <a:solidFill>
                   <a:srgbClr val="000000"/>
@@ -1202,7 +1202,7 @@
       </p:grpSpPr>
       <p:sp>
         <p:nvSpPr>
-          <p:cNvPr id="376" name="PlaceHolder 1"/>
+          <p:cNvPr id="379" name="PlaceHolder 1"/>
           <p:cNvSpPr>
             <a:spLocks noGrp="1"/>
           </p:cNvSpPr>
@@ -1213,19 +1213,19 @@
         <p:spPr>
           <a:xfrm>
             <a:off x="685800" y="1143000"/>
-            <a:ext cx="5484600" cy="3084480"/>
-          </a:xfrm>
-          <a:prstGeom prst="rect">
-            <a:avLst/>
-          </a:prstGeom>
-          <a:ln w="0">
-            <a:noFill/>
-          </a:ln>
-        </p:spPr>
-      </p:sp>
-      <p:sp>
-        <p:nvSpPr>
-          <p:cNvPr id="377" name="PlaceHolder 2"/>
+            <a:ext cx="5484240" cy="3084120"/>
+          </a:xfrm>
+          <a:prstGeom prst="rect">
+            <a:avLst/>
+          </a:prstGeom>
+          <a:ln w="0">
+            <a:noFill/>
+          </a:ln>
+        </p:spPr>
+      </p:sp>
+      <p:sp>
+        <p:nvSpPr>
+          <p:cNvPr id="380" name="PlaceHolder 2"/>
           <p:cNvSpPr>
             <a:spLocks noGrp="1"/>
           </p:cNvSpPr>
@@ -1236,7 +1236,7 @@
         <p:spPr>
           <a:xfrm>
             <a:off x="685800" y="4400640"/>
-            <a:ext cx="5484600" cy="3598920"/>
+            <a:ext cx="5484240" cy="3598560"/>
           </a:xfrm>
           <a:prstGeom prst="rect">
             <a:avLst/>
@@ -1265,7 +1265,7 @@
       </p:sp>
       <p:sp>
         <p:nvSpPr>
-          <p:cNvPr id="378" name="PlaceHolder 3"/>
+          <p:cNvPr id="381" name="PlaceHolder 3"/>
           <p:cNvSpPr>
             <a:spLocks noGrp="1"/>
           </p:cNvSpPr>
@@ -1276,7 +1276,7 @@
         <p:spPr>
           <a:xfrm>
             <a:off x="3884760" y="8685360"/>
-            <a:ext cx="2970000" cy="456840"/>
+            <a:ext cx="2969640" cy="456480"/>
           </a:xfrm>
           <a:prstGeom prst="rect">
             <a:avLst/>
@@ -1317,7 +1317,7 @@
                 <a:tab algn="l" pos="0"/>
               </a:tabLst>
             </a:pPr>
-            <a:fld id="{CF98E6E4-634D-41F3-A134-E064BA0A2B6A}" type="slidenum">
+            <a:fld id="{2F27196D-B578-422B-A79B-CBEF79A659C6}" type="slidenum">
               <a:rPr b="0" lang="es-CO" sz="1400" spc="-1" strike="noStrike">
                 <a:solidFill>
                   <a:srgbClr val="000000"/>
@@ -1359,7 +1359,7 @@
       </p:grpSpPr>
       <p:sp>
         <p:nvSpPr>
-          <p:cNvPr id="379" name="PlaceHolder 1"/>
+          <p:cNvPr id="382" name="PlaceHolder 1"/>
           <p:cNvSpPr>
             <a:spLocks noGrp="1"/>
           </p:cNvSpPr>
@@ -1370,19 +1370,19 @@
         <p:spPr>
           <a:xfrm>
             <a:off x="685800" y="1143000"/>
-            <a:ext cx="5484600" cy="3084480"/>
-          </a:xfrm>
-          <a:prstGeom prst="rect">
-            <a:avLst/>
-          </a:prstGeom>
-          <a:ln w="0">
-            <a:noFill/>
-          </a:ln>
-        </p:spPr>
-      </p:sp>
-      <p:sp>
-        <p:nvSpPr>
-          <p:cNvPr id="380" name="PlaceHolder 2"/>
+            <a:ext cx="5484240" cy="3084120"/>
+          </a:xfrm>
+          <a:prstGeom prst="rect">
+            <a:avLst/>
+          </a:prstGeom>
+          <a:ln w="0">
+            <a:noFill/>
+          </a:ln>
+        </p:spPr>
+      </p:sp>
+      <p:sp>
+        <p:nvSpPr>
+          <p:cNvPr id="383" name="PlaceHolder 2"/>
           <p:cNvSpPr>
             <a:spLocks noGrp="1"/>
           </p:cNvSpPr>
@@ -1393,7 +1393,7 @@
         <p:spPr>
           <a:xfrm>
             <a:off x="685800" y="4400640"/>
-            <a:ext cx="5484600" cy="3598920"/>
+            <a:ext cx="5484240" cy="3598560"/>
           </a:xfrm>
           <a:prstGeom prst="rect">
             <a:avLst/>
@@ -1422,7 +1422,7 @@
       </p:sp>
       <p:sp>
         <p:nvSpPr>
-          <p:cNvPr id="381" name="PlaceHolder 3"/>
+          <p:cNvPr id="384" name="PlaceHolder 3"/>
           <p:cNvSpPr>
             <a:spLocks noGrp="1"/>
           </p:cNvSpPr>
@@ -1433,7 +1433,7 @@
         <p:spPr>
           <a:xfrm>
             <a:off x="3884760" y="8685360"/>
-            <a:ext cx="2970000" cy="456840"/>
+            <a:ext cx="2969640" cy="456480"/>
           </a:xfrm>
           <a:prstGeom prst="rect">
             <a:avLst/>
@@ -1474,7 +1474,7 @@
                 <a:tab algn="l" pos="0"/>
               </a:tabLst>
             </a:pPr>
-            <a:fld id="{F516963F-ECF6-4447-8BB2-B7DF1ECE4BE2}" type="slidenum">
+            <a:fld id="{8E87EA15-29D1-4D88-889C-E8F3D372EC19}" type="slidenum">
               <a:rPr b="0" lang="es-CO" sz="1400" spc="-1" strike="noStrike">
                 <a:solidFill>
                   <a:srgbClr val="000000"/>
@@ -1516,7 +1516,7 @@
       </p:grpSpPr>
       <p:sp>
         <p:nvSpPr>
-          <p:cNvPr id="382" name="PlaceHolder 1"/>
+          <p:cNvPr id="385" name="PlaceHolder 1"/>
           <p:cNvSpPr>
             <a:spLocks noGrp="1"/>
           </p:cNvSpPr>
@@ -1527,19 +1527,19 @@
         <p:spPr>
           <a:xfrm>
             <a:off x="685800" y="1143000"/>
-            <a:ext cx="5484600" cy="3084480"/>
-          </a:xfrm>
-          <a:prstGeom prst="rect">
-            <a:avLst/>
-          </a:prstGeom>
-          <a:ln w="0">
-            <a:noFill/>
-          </a:ln>
-        </p:spPr>
-      </p:sp>
-      <p:sp>
-        <p:nvSpPr>
-          <p:cNvPr id="383" name="PlaceHolder 2"/>
+            <a:ext cx="5484240" cy="3084120"/>
+          </a:xfrm>
+          <a:prstGeom prst="rect">
+            <a:avLst/>
+          </a:prstGeom>
+          <a:ln w="0">
+            <a:noFill/>
+          </a:ln>
+        </p:spPr>
+      </p:sp>
+      <p:sp>
+        <p:nvSpPr>
+          <p:cNvPr id="386" name="PlaceHolder 2"/>
           <p:cNvSpPr>
             <a:spLocks noGrp="1"/>
           </p:cNvSpPr>
@@ -1550,7 +1550,7 @@
         <p:spPr>
           <a:xfrm>
             <a:off x="685800" y="4400640"/>
-            <a:ext cx="5484600" cy="3598920"/>
+            <a:ext cx="5484240" cy="3598560"/>
           </a:xfrm>
           <a:prstGeom prst="rect">
             <a:avLst/>
@@ -1579,7 +1579,7 @@
       </p:sp>
       <p:sp>
         <p:nvSpPr>
-          <p:cNvPr id="384" name="PlaceHolder 3"/>
+          <p:cNvPr id="387" name="PlaceHolder 3"/>
           <p:cNvSpPr>
             <a:spLocks noGrp="1"/>
           </p:cNvSpPr>
@@ -1590,7 +1590,7 @@
         <p:spPr>
           <a:xfrm>
             <a:off x="3884760" y="8685360"/>
-            <a:ext cx="2970000" cy="456840"/>
+            <a:ext cx="2969640" cy="456480"/>
           </a:xfrm>
           <a:prstGeom prst="rect">
             <a:avLst/>
@@ -1631,7 +1631,7 @@
                 <a:tab algn="l" pos="0"/>
               </a:tabLst>
             </a:pPr>
-            <a:fld id="{5BD00178-A52A-4497-A4B1-CC9E95651A86}" type="slidenum">
+            <a:fld id="{71BE657A-D0C4-4BCF-877A-16E95792351B}" type="slidenum">
               <a:rPr b="0" lang="es-CO" sz="1400" spc="-1" strike="noStrike">
                 <a:solidFill>
                   <a:srgbClr val="000000"/>
@@ -1673,7 +1673,7 @@
       </p:grpSpPr>
       <p:sp>
         <p:nvSpPr>
-          <p:cNvPr id="385" name="PlaceHolder 1"/>
+          <p:cNvPr id="388" name="PlaceHolder 1"/>
           <p:cNvSpPr>
             <a:spLocks noGrp="1"/>
           </p:cNvSpPr>
@@ -1684,19 +1684,19 @@
         <p:spPr>
           <a:xfrm>
             <a:off x="685800" y="1143000"/>
-            <a:ext cx="5484600" cy="3084480"/>
-          </a:xfrm>
-          <a:prstGeom prst="rect">
-            <a:avLst/>
-          </a:prstGeom>
-          <a:ln w="0">
-            <a:noFill/>
-          </a:ln>
-        </p:spPr>
-      </p:sp>
-      <p:sp>
-        <p:nvSpPr>
-          <p:cNvPr id="386" name="PlaceHolder 2"/>
+            <a:ext cx="5484240" cy="3084120"/>
+          </a:xfrm>
+          <a:prstGeom prst="rect">
+            <a:avLst/>
+          </a:prstGeom>
+          <a:ln w="0">
+            <a:noFill/>
+          </a:ln>
+        </p:spPr>
+      </p:sp>
+      <p:sp>
+        <p:nvSpPr>
+          <p:cNvPr id="389" name="PlaceHolder 2"/>
           <p:cNvSpPr>
             <a:spLocks noGrp="1"/>
           </p:cNvSpPr>
@@ -1707,7 +1707,7 @@
         <p:spPr>
           <a:xfrm>
             <a:off x="685800" y="4400640"/>
-            <a:ext cx="5484600" cy="3598920"/>
+            <a:ext cx="5484240" cy="3598560"/>
           </a:xfrm>
           <a:prstGeom prst="rect">
             <a:avLst/>
@@ -1736,7 +1736,7 @@
       </p:sp>
       <p:sp>
         <p:nvSpPr>
-          <p:cNvPr id="387" name="PlaceHolder 3"/>
+          <p:cNvPr id="390" name="PlaceHolder 3"/>
           <p:cNvSpPr>
             <a:spLocks noGrp="1"/>
           </p:cNvSpPr>
@@ -1747,7 +1747,7 @@
         <p:spPr>
           <a:xfrm>
             <a:off x="3884760" y="8685360"/>
-            <a:ext cx="2970000" cy="456840"/>
+            <a:ext cx="2969640" cy="456480"/>
           </a:xfrm>
           <a:prstGeom prst="rect">
             <a:avLst/>
@@ -1788,7 +1788,7 @@
                 <a:tab algn="l" pos="0"/>
               </a:tabLst>
             </a:pPr>
-            <a:fld id="{566E4B5B-4D3F-43F2-B8FE-E8A02E90541B}" type="slidenum">
+            <a:fld id="{408B5C85-DC90-49DC-8ED0-BC5E136C9AE6}" type="slidenum">
               <a:rPr b="0" lang="es-CO" sz="1400" spc="-1" strike="noStrike">
                 <a:solidFill>
                   <a:srgbClr val="000000"/>
@@ -1830,7 +1830,7 @@
       </p:grpSpPr>
       <p:sp>
         <p:nvSpPr>
-          <p:cNvPr id="388" name="PlaceHolder 1"/>
+          <p:cNvPr id="391" name="PlaceHolder 1"/>
           <p:cNvSpPr>
             <a:spLocks noGrp="1"/>
           </p:cNvSpPr>
@@ -1841,19 +1841,19 @@
         <p:spPr>
           <a:xfrm>
             <a:off x="685800" y="1143000"/>
-            <a:ext cx="5484600" cy="3084480"/>
-          </a:xfrm>
-          <a:prstGeom prst="rect">
-            <a:avLst/>
-          </a:prstGeom>
-          <a:ln w="0">
-            <a:noFill/>
-          </a:ln>
-        </p:spPr>
-      </p:sp>
-      <p:sp>
-        <p:nvSpPr>
-          <p:cNvPr id="389" name="PlaceHolder 2"/>
+            <a:ext cx="5484240" cy="3084120"/>
+          </a:xfrm>
+          <a:prstGeom prst="rect">
+            <a:avLst/>
+          </a:prstGeom>
+          <a:ln w="0">
+            <a:noFill/>
+          </a:ln>
+        </p:spPr>
+      </p:sp>
+      <p:sp>
+        <p:nvSpPr>
+          <p:cNvPr id="392" name="PlaceHolder 2"/>
           <p:cNvSpPr>
             <a:spLocks noGrp="1"/>
           </p:cNvSpPr>
@@ -1864,7 +1864,7 @@
         <p:spPr>
           <a:xfrm>
             <a:off x="685800" y="4400640"/>
-            <a:ext cx="5484600" cy="3598920"/>
+            <a:ext cx="5484240" cy="3598560"/>
           </a:xfrm>
           <a:prstGeom prst="rect">
             <a:avLst/>
@@ -1893,7 +1893,7 @@
       </p:sp>
       <p:sp>
         <p:nvSpPr>
-          <p:cNvPr id="390" name="PlaceHolder 3"/>
+          <p:cNvPr id="393" name="PlaceHolder 3"/>
           <p:cNvSpPr>
             <a:spLocks noGrp="1"/>
           </p:cNvSpPr>
@@ -1904,7 +1904,7 @@
         <p:spPr>
           <a:xfrm>
             <a:off x="3884760" y="8685360"/>
-            <a:ext cx="2970000" cy="456840"/>
+            <a:ext cx="2969640" cy="456480"/>
           </a:xfrm>
           <a:prstGeom prst="rect">
             <a:avLst/>
@@ -1945,7 +1945,7 @@
                 <a:tab algn="l" pos="0"/>
               </a:tabLst>
             </a:pPr>
-            <a:fld id="{B9B19D58-98DA-4E80-B606-5912FDA4BB82}" type="slidenum">
+            <a:fld id="{82E9C042-D617-44EB-A2F6-F82E7926B69C}" type="slidenum">
               <a:rPr b="0" lang="es-CO" sz="1400" spc="-1" strike="noStrike">
                 <a:solidFill>
                   <a:srgbClr val="000000"/>
@@ -1987,7 +1987,7 @@
       </p:grpSpPr>
       <p:sp>
         <p:nvSpPr>
-          <p:cNvPr id="391" name="PlaceHolder 1"/>
+          <p:cNvPr id="394" name="PlaceHolder 1"/>
           <p:cNvSpPr>
             <a:spLocks noGrp="1"/>
           </p:cNvSpPr>
@@ -1998,19 +1998,19 @@
         <p:spPr>
           <a:xfrm>
             <a:off x="685800" y="1143000"/>
-            <a:ext cx="5484600" cy="3084480"/>
-          </a:xfrm>
-          <a:prstGeom prst="rect">
-            <a:avLst/>
-          </a:prstGeom>
-          <a:ln w="0">
-            <a:noFill/>
-          </a:ln>
-        </p:spPr>
-      </p:sp>
-      <p:sp>
-        <p:nvSpPr>
-          <p:cNvPr id="392" name="PlaceHolder 2"/>
+            <a:ext cx="5484240" cy="3084120"/>
+          </a:xfrm>
+          <a:prstGeom prst="rect">
+            <a:avLst/>
+          </a:prstGeom>
+          <a:ln w="0">
+            <a:noFill/>
+          </a:ln>
+        </p:spPr>
+      </p:sp>
+      <p:sp>
+        <p:nvSpPr>
+          <p:cNvPr id="395" name="PlaceHolder 2"/>
           <p:cNvSpPr>
             <a:spLocks noGrp="1"/>
           </p:cNvSpPr>
@@ -2021,7 +2021,7 @@
         <p:spPr>
           <a:xfrm>
             <a:off x="685800" y="4400640"/>
-            <a:ext cx="5484600" cy="3598920"/>
+            <a:ext cx="5484240" cy="3598560"/>
           </a:xfrm>
           <a:prstGeom prst="rect">
             <a:avLst/>
@@ -2050,7 +2050,7 @@
       </p:sp>
       <p:sp>
         <p:nvSpPr>
-          <p:cNvPr id="393" name="PlaceHolder 3"/>
+          <p:cNvPr id="396" name="PlaceHolder 3"/>
           <p:cNvSpPr>
             <a:spLocks noGrp="1"/>
           </p:cNvSpPr>
@@ -2061,7 +2061,7 @@
         <p:spPr>
           <a:xfrm>
             <a:off x="3884760" y="8685360"/>
-            <a:ext cx="2970000" cy="456840"/>
+            <a:ext cx="2969640" cy="456480"/>
           </a:xfrm>
           <a:prstGeom prst="rect">
             <a:avLst/>
@@ -2102,7 +2102,7 @@
                 <a:tab algn="l" pos="0"/>
               </a:tabLst>
             </a:pPr>
-            <a:fld id="{3334A515-4708-4EBB-9C21-876DE916AE32}" type="slidenum">
+            <a:fld id="{055E68B7-C39B-4123-A087-81AEB9BD569B}" type="slidenum">
               <a:rPr b="0" lang="es-CO" sz="1400" spc="-1" strike="noStrike">
                 <a:solidFill>
                   <a:srgbClr val="000000"/>
@@ -2144,7 +2144,7 @@
       </p:grpSpPr>
       <p:sp>
         <p:nvSpPr>
-          <p:cNvPr id="340" name="PlaceHolder 1"/>
+          <p:cNvPr id="343" name="PlaceHolder 1"/>
           <p:cNvSpPr>
             <a:spLocks noGrp="1"/>
           </p:cNvSpPr>
@@ -2155,19 +2155,19 @@
         <p:spPr>
           <a:xfrm>
             <a:off x="685800" y="1143000"/>
-            <a:ext cx="5484600" cy="3084480"/>
-          </a:xfrm>
-          <a:prstGeom prst="rect">
-            <a:avLst/>
-          </a:prstGeom>
-          <a:ln w="0">
-            <a:noFill/>
-          </a:ln>
-        </p:spPr>
-      </p:sp>
-      <p:sp>
-        <p:nvSpPr>
-          <p:cNvPr id="341" name="PlaceHolder 2"/>
+            <a:ext cx="5484240" cy="3084120"/>
+          </a:xfrm>
+          <a:prstGeom prst="rect">
+            <a:avLst/>
+          </a:prstGeom>
+          <a:ln w="0">
+            <a:noFill/>
+          </a:ln>
+        </p:spPr>
+      </p:sp>
+      <p:sp>
+        <p:nvSpPr>
+          <p:cNvPr id="344" name="PlaceHolder 2"/>
           <p:cNvSpPr>
             <a:spLocks noGrp="1"/>
           </p:cNvSpPr>
@@ -2178,7 +2178,7 @@
         <p:spPr>
           <a:xfrm>
             <a:off x="685800" y="4400640"/>
-            <a:ext cx="5484600" cy="3598920"/>
+            <a:ext cx="5484240" cy="3598560"/>
           </a:xfrm>
           <a:prstGeom prst="rect">
             <a:avLst/>
@@ -2207,7 +2207,7 @@
       </p:sp>
       <p:sp>
         <p:nvSpPr>
-          <p:cNvPr id="342" name="PlaceHolder 3"/>
+          <p:cNvPr id="345" name="PlaceHolder 3"/>
           <p:cNvSpPr>
             <a:spLocks noGrp="1"/>
           </p:cNvSpPr>
@@ -2218,7 +2218,7 @@
         <p:spPr>
           <a:xfrm>
             <a:off x="3884760" y="8685360"/>
-            <a:ext cx="2970000" cy="456840"/>
+            <a:ext cx="2969640" cy="456480"/>
           </a:xfrm>
           <a:prstGeom prst="rect">
             <a:avLst/>
@@ -2259,7 +2259,7 @@
                 <a:tab algn="l" pos="0"/>
               </a:tabLst>
             </a:pPr>
-            <a:fld id="{A2E9FD77-75EA-4E89-A0BB-3F1364311556}" type="slidenum">
+            <a:fld id="{3FCBF59E-AA39-4054-A4FA-AC20DD2C8281}" type="slidenum">
               <a:rPr b="0" lang="es-CO" sz="1400" spc="-1" strike="noStrike">
                 <a:solidFill>
                   <a:srgbClr val="000000"/>
@@ -2301,7 +2301,7 @@
       </p:grpSpPr>
       <p:sp>
         <p:nvSpPr>
-          <p:cNvPr id="394" name="PlaceHolder 1"/>
+          <p:cNvPr id="397" name="PlaceHolder 1"/>
           <p:cNvSpPr>
             <a:spLocks noGrp="1"/>
           </p:cNvSpPr>
@@ -2312,19 +2312,19 @@
         <p:spPr>
           <a:xfrm>
             <a:off x="685800" y="1143000"/>
-            <a:ext cx="5484600" cy="3084480"/>
-          </a:xfrm>
-          <a:prstGeom prst="rect">
-            <a:avLst/>
-          </a:prstGeom>
-          <a:ln w="0">
-            <a:noFill/>
-          </a:ln>
-        </p:spPr>
-      </p:sp>
-      <p:sp>
-        <p:nvSpPr>
-          <p:cNvPr id="395" name="PlaceHolder 2"/>
+            <a:ext cx="5484240" cy="3084120"/>
+          </a:xfrm>
+          <a:prstGeom prst="rect">
+            <a:avLst/>
+          </a:prstGeom>
+          <a:ln w="0">
+            <a:noFill/>
+          </a:ln>
+        </p:spPr>
+      </p:sp>
+      <p:sp>
+        <p:nvSpPr>
+          <p:cNvPr id="398" name="PlaceHolder 2"/>
           <p:cNvSpPr>
             <a:spLocks noGrp="1"/>
           </p:cNvSpPr>
@@ -2335,7 +2335,7 @@
         <p:spPr>
           <a:xfrm>
             <a:off x="685800" y="4400640"/>
-            <a:ext cx="5484600" cy="3598920"/>
+            <a:ext cx="5484240" cy="3598560"/>
           </a:xfrm>
           <a:prstGeom prst="rect">
             <a:avLst/>
@@ -2364,7 +2364,7 @@
       </p:sp>
       <p:sp>
         <p:nvSpPr>
-          <p:cNvPr id="396" name="PlaceHolder 3"/>
+          <p:cNvPr id="399" name="PlaceHolder 3"/>
           <p:cNvSpPr>
             <a:spLocks noGrp="1"/>
           </p:cNvSpPr>
@@ -2375,7 +2375,7 @@
         <p:spPr>
           <a:xfrm>
             <a:off x="3884760" y="8685360"/>
-            <a:ext cx="2970000" cy="456840"/>
+            <a:ext cx="2969640" cy="456480"/>
           </a:xfrm>
           <a:prstGeom prst="rect">
             <a:avLst/>
@@ -2416,7 +2416,7 @@
                 <a:tab algn="l" pos="0"/>
               </a:tabLst>
             </a:pPr>
-            <a:fld id="{3472E1D9-500D-4570-A69A-941EE78CAB9C}" type="slidenum">
+            <a:fld id="{B64CFB6F-A6D6-4F0B-BFC6-2CB92ED77039}" type="slidenum">
               <a:rPr b="0" lang="es-CO" sz="1400" spc="-1" strike="noStrike">
                 <a:solidFill>
                   <a:srgbClr val="000000"/>
@@ -2458,7 +2458,7 @@
       </p:grpSpPr>
       <p:sp>
         <p:nvSpPr>
-          <p:cNvPr id="397" name="PlaceHolder 1"/>
+          <p:cNvPr id="400" name="PlaceHolder 1"/>
           <p:cNvSpPr>
             <a:spLocks noGrp="1"/>
           </p:cNvSpPr>
@@ -2469,19 +2469,19 @@
         <p:spPr>
           <a:xfrm>
             <a:off x="685800" y="1143000"/>
-            <a:ext cx="5484600" cy="3084480"/>
-          </a:xfrm>
-          <a:prstGeom prst="rect">
-            <a:avLst/>
-          </a:prstGeom>
-          <a:ln w="0">
-            <a:noFill/>
-          </a:ln>
-        </p:spPr>
-      </p:sp>
-      <p:sp>
-        <p:nvSpPr>
-          <p:cNvPr id="398" name="PlaceHolder 2"/>
+            <a:ext cx="5484240" cy="3084120"/>
+          </a:xfrm>
+          <a:prstGeom prst="rect">
+            <a:avLst/>
+          </a:prstGeom>
+          <a:ln w="0">
+            <a:noFill/>
+          </a:ln>
+        </p:spPr>
+      </p:sp>
+      <p:sp>
+        <p:nvSpPr>
+          <p:cNvPr id="401" name="PlaceHolder 2"/>
           <p:cNvSpPr>
             <a:spLocks noGrp="1"/>
           </p:cNvSpPr>
@@ -2492,7 +2492,7 @@
         <p:spPr>
           <a:xfrm>
             <a:off x="685800" y="4400640"/>
-            <a:ext cx="5484600" cy="3598920"/>
+            <a:ext cx="5484240" cy="3598560"/>
           </a:xfrm>
           <a:prstGeom prst="rect">
             <a:avLst/>
@@ -2521,7 +2521,7 @@
       </p:sp>
       <p:sp>
         <p:nvSpPr>
-          <p:cNvPr id="399" name="PlaceHolder 3"/>
+          <p:cNvPr id="402" name="PlaceHolder 3"/>
           <p:cNvSpPr>
             <a:spLocks noGrp="1"/>
           </p:cNvSpPr>
@@ -2532,7 +2532,7 @@
         <p:spPr>
           <a:xfrm>
             <a:off x="3884760" y="8685360"/>
-            <a:ext cx="2970000" cy="456840"/>
+            <a:ext cx="2969640" cy="456480"/>
           </a:xfrm>
           <a:prstGeom prst="rect">
             <a:avLst/>
@@ -2573,7 +2573,7 @@
                 <a:tab algn="l" pos="0"/>
               </a:tabLst>
             </a:pPr>
-            <a:fld id="{452D67E8-9B61-4486-BFC6-FE34A337DB70}" type="slidenum">
+            <a:fld id="{0AC9D34D-01D6-4AA3-9C54-174F2A82F67C}" type="slidenum">
               <a:rPr b="0" lang="es-CO" sz="1400" spc="-1" strike="noStrike">
                 <a:solidFill>
                   <a:srgbClr val="000000"/>
@@ -2615,7 +2615,7 @@
       </p:grpSpPr>
       <p:sp>
         <p:nvSpPr>
-          <p:cNvPr id="400" name="PlaceHolder 1"/>
+          <p:cNvPr id="403" name="PlaceHolder 1"/>
           <p:cNvSpPr>
             <a:spLocks noGrp="1"/>
           </p:cNvSpPr>
@@ -2626,19 +2626,19 @@
         <p:spPr>
           <a:xfrm>
             <a:off x="685800" y="1143000"/>
-            <a:ext cx="5484600" cy="3084480"/>
-          </a:xfrm>
-          <a:prstGeom prst="rect">
-            <a:avLst/>
-          </a:prstGeom>
-          <a:ln w="0">
-            <a:noFill/>
-          </a:ln>
-        </p:spPr>
-      </p:sp>
-      <p:sp>
-        <p:nvSpPr>
-          <p:cNvPr id="401" name="PlaceHolder 2"/>
+            <a:ext cx="5484240" cy="3084120"/>
+          </a:xfrm>
+          <a:prstGeom prst="rect">
+            <a:avLst/>
+          </a:prstGeom>
+          <a:ln w="0">
+            <a:noFill/>
+          </a:ln>
+        </p:spPr>
+      </p:sp>
+      <p:sp>
+        <p:nvSpPr>
+          <p:cNvPr id="404" name="PlaceHolder 2"/>
           <p:cNvSpPr>
             <a:spLocks noGrp="1"/>
           </p:cNvSpPr>
@@ -2649,7 +2649,7 @@
         <p:spPr>
           <a:xfrm>
             <a:off x="685800" y="4400640"/>
-            <a:ext cx="5484600" cy="3598920"/>
+            <a:ext cx="5484240" cy="3598560"/>
           </a:xfrm>
           <a:prstGeom prst="rect">
             <a:avLst/>
@@ -2678,7 +2678,7 @@
       </p:sp>
       <p:sp>
         <p:nvSpPr>
-          <p:cNvPr id="402" name="PlaceHolder 3"/>
+          <p:cNvPr id="405" name="PlaceHolder 3"/>
           <p:cNvSpPr>
             <a:spLocks noGrp="1"/>
           </p:cNvSpPr>
@@ -2689,7 +2689,7 @@
         <p:spPr>
           <a:xfrm>
             <a:off x="3884760" y="8685360"/>
-            <a:ext cx="2970000" cy="456840"/>
+            <a:ext cx="2969640" cy="456480"/>
           </a:xfrm>
           <a:prstGeom prst="rect">
             <a:avLst/>
@@ -2730,7 +2730,7 @@
                 <a:tab algn="l" pos="0"/>
               </a:tabLst>
             </a:pPr>
-            <a:fld id="{91B3CB1A-FC56-43AE-9F27-08C903E4BEC1}" type="slidenum">
+            <a:fld id="{BDD5B7E2-1401-4E6F-9C97-E11119892A60}" type="slidenum">
               <a:rPr b="0" lang="es-CO" sz="1400" spc="-1" strike="noStrike">
                 <a:solidFill>
                   <a:srgbClr val="000000"/>
@@ -2772,7 +2772,7 @@
       </p:grpSpPr>
       <p:sp>
         <p:nvSpPr>
-          <p:cNvPr id="403" name="PlaceHolder 1"/>
+          <p:cNvPr id="406" name="PlaceHolder 1"/>
           <p:cNvSpPr>
             <a:spLocks noGrp="1"/>
           </p:cNvSpPr>
@@ -2783,19 +2783,19 @@
         <p:spPr>
           <a:xfrm>
             <a:off x="685800" y="1143000"/>
-            <a:ext cx="5484600" cy="3084480"/>
-          </a:xfrm>
-          <a:prstGeom prst="rect">
-            <a:avLst/>
-          </a:prstGeom>
-          <a:ln w="0">
-            <a:noFill/>
-          </a:ln>
-        </p:spPr>
-      </p:sp>
-      <p:sp>
-        <p:nvSpPr>
-          <p:cNvPr id="404" name="PlaceHolder 2"/>
+            <a:ext cx="5484240" cy="3084120"/>
+          </a:xfrm>
+          <a:prstGeom prst="rect">
+            <a:avLst/>
+          </a:prstGeom>
+          <a:ln w="0">
+            <a:noFill/>
+          </a:ln>
+        </p:spPr>
+      </p:sp>
+      <p:sp>
+        <p:nvSpPr>
+          <p:cNvPr id="407" name="PlaceHolder 2"/>
           <p:cNvSpPr>
             <a:spLocks noGrp="1"/>
           </p:cNvSpPr>
@@ -2806,7 +2806,7 @@
         <p:spPr>
           <a:xfrm>
             <a:off x="685800" y="4400640"/>
-            <a:ext cx="5484600" cy="3598920"/>
+            <a:ext cx="5484240" cy="3598560"/>
           </a:xfrm>
           <a:prstGeom prst="rect">
             <a:avLst/>
@@ -2835,7 +2835,7 @@
       </p:sp>
       <p:sp>
         <p:nvSpPr>
-          <p:cNvPr id="405" name="PlaceHolder 3"/>
+          <p:cNvPr id="408" name="PlaceHolder 3"/>
           <p:cNvSpPr>
             <a:spLocks noGrp="1"/>
           </p:cNvSpPr>
@@ -2846,7 +2846,7 @@
         <p:spPr>
           <a:xfrm>
             <a:off x="3884760" y="8685360"/>
-            <a:ext cx="2970000" cy="456840"/>
+            <a:ext cx="2969640" cy="456480"/>
           </a:xfrm>
           <a:prstGeom prst="rect">
             <a:avLst/>
@@ -2887,7 +2887,7 @@
                 <a:tab algn="l" pos="0"/>
               </a:tabLst>
             </a:pPr>
-            <a:fld id="{D1CD1D22-75C6-41F3-91A9-9E8A9871AA44}" type="slidenum">
+            <a:fld id="{8F56FFCB-9D56-4E17-AD7D-922B6D02E29D}" type="slidenum">
               <a:rPr b="0" lang="es-CO" sz="1400" spc="-1" strike="noStrike">
                 <a:solidFill>
                   <a:srgbClr val="000000"/>
@@ -2929,7 +2929,7 @@
       </p:grpSpPr>
       <p:sp>
         <p:nvSpPr>
-          <p:cNvPr id="406" name="PlaceHolder 1"/>
+          <p:cNvPr id="409" name="PlaceHolder 1"/>
           <p:cNvSpPr>
             <a:spLocks noGrp="1"/>
           </p:cNvSpPr>
@@ -2940,19 +2940,19 @@
         <p:spPr>
           <a:xfrm>
             <a:off x="685800" y="1143000"/>
-            <a:ext cx="5484600" cy="3084480"/>
-          </a:xfrm>
-          <a:prstGeom prst="rect">
-            <a:avLst/>
-          </a:prstGeom>
-          <a:ln w="0">
-            <a:noFill/>
-          </a:ln>
-        </p:spPr>
-      </p:sp>
-      <p:sp>
-        <p:nvSpPr>
-          <p:cNvPr id="407" name="PlaceHolder 2"/>
+            <a:ext cx="5484240" cy="3084120"/>
+          </a:xfrm>
+          <a:prstGeom prst="rect">
+            <a:avLst/>
+          </a:prstGeom>
+          <a:ln w="0">
+            <a:noFill/>
+          </a:ln>
+        </p:spPr>
+      </p:sp>
+      <p:sp>
+        <p:nvSpPr>
+          <p:cNvPr id="410" name="PlaceHolder 2"/>
           <p:cNvSpPr>
             <a:spLocks noGrp="1"/>
           </p:cNvSpPr>
@@ -2963,7 +2963,7 @@
         <p:spPr>
           <a:xfrm>
             <a:off x="685800" y="4400640"/>
-            <a:ext cx="5484600" cy="3598920"/>
+            <a:ext cx="5484240" cy="3598560"/>
           </a:xfrm>
           <a:prstGeom prst="rect">
             <a:avLst/>
@@ -2992,7 +2992,7 @@
       </p:sp>
       <p:sp>
         <p:nvSpPr>
-          <p:cNvPr id="408" name="PlaceHolder 3"/>
+          <p:cNvPr id="411" name="PlaceHolder 3"/>
           <p:cNvSpPr>
             <a:spLocks noGrp="1"/>
           </p:cNvSpPr>
@@ -3003,7 +3003,7 @@
         <p:spPr>
           <a:xfrm>
             <a:off x="3884760" y="8685360"/>
-            <a:ext cx="2970000" cy="456840"/>
+            <a:ext cx="2969640" cy="456480"/>
           </a:xfrm>
           <a:prstGeom prst="rect">
             <a:avLst/>
@@ -3044,7 +3044,7 @@
                 <a:tab algn="l" pos="0"/>
               </a:tabLst>
             </a:pPr>
-            <a:fld id="{E4216A09-0A94-477E-8D1C-0D1F20F7EFE0}" type="slidenum">
+            <a:fld id="{56E544CE-ED6D-4916-BCDD-111CC4F3AB0F}" type="slidenum">
               <a:rPr b="0" lang="es-CO" sz="1400" spc="-1" strike="noStrike">
                 <a:solidFill>
                   <a:srgbClr val="000000"/>
@@ -3086,7 +3086,7 @@
       </p:grpSpPr>
       <p:sp>
         <p:nvSpPr>
-          <p:cNvPr id="409" name="PlaceHolder 1"/>
+          <p:cNvPr id="412" name="PlaceHolder 1"/>
           <p:cNvSpPr>
             <a:spLocks noGrp="1"/>
           </p:cNvSpPr>
@@ -3097,19 +3097,19 @@
         <p:spPr>
           <a:xfrm>
             <a:off x="685800" y="1143000"/>
-            <a:ext cx="5484600" cy="3084480"/>
-          </a:xfrm>
-          <a:prstGeom prst="rect">
-            <a:avLst/>
-          </a:prstGeom>
-          <a:ln w="0">
-            <a:noFill/>
-          </a:ln>
-        </p:spPr>
-      </p:sp>
-      <p:sp>
-        <p:nvSpPr>
-          <p:cNvPr id="410" name="PlaceHolder 2"/>
+            <a:ext cx="5484240" cy="3084120"/>
+          </a:xfrm>
+          <a:prstGeom prst="rect">
+            <a:avLst/>
+          </a:prstGeom>
+          <a:ln w="0">
+            <a:noFill/>
+          </a:ln>
+        </p:spPr>
+      </p:sp>
+      <p:sp>
+        <p:nvSpPr>
+          <p:cNvPr id="413" name="PlaceHolder 2"/>
           <p:cNvSpPr>
             <a:spLocks noGrp="1"/>
           </p:cNvSpPr>
@@ -3120,7 +3120,7 @@
         <p:spPr>
           <a:xfrm>
             <a:off x="685800" y="4400640"/>
-            <a:ext cx="5484600" cy="3598920"/>
+            <a:ext cx="5484240" cy="3598560"/>
           </a:xfrm>
           <a:prstGeom prst="rect">
             <a:avLst/>
@@ -3149,7 +3149,7 @@
       </p:sp>
       <p:sp>
         <p:nvSpPr>
-          <p:cNvPr id="411" name="PlaceHolder 3"/>
+          <p:cNvPr id="414" name="PlaceHolder 3"/>
           <p:cNvSpPr>
             <a:spLocks noGrp="1"/>
           </p:cNvSpPr>
@@ -3160,7 +3160,7 @@
         <p:spPr>
           <a:xfrm>
             <a:off x="3884760" y="8685360"/>
-            <a:ext cx="2970000" cy="456840"/>
+            <a:ext cx="2969640" cy="456480"/>
           </a:xfrm>
           <a:prstGeom prst="rect">
             <a:avLst/>
@@ -3201,7 +3201,7 @@
                 <a:tab algn="l" pos="0"/>
               </a:tabLst>
             </a:pPr>
-            <a:fld id="{7374265D-CB4E-4FD1-93D5-740C6ED36725}" type="slidenum">
+            <a:fld id="{B41DC14B-8CDF-4F03-A7C1-F33DE408EEAD}" type="slidenum">
               <a:rPr b="0" lang="es-CO" sz="1400" spc="-1" strike="noStrike">
                 <a:solidFill>
                   <a:srgbClr val="000000"/>
@@ -3243,7 +3243,7 @@
       </p:grpSpPr>
       <p:sp>
         <p:nvSpPr>
-          <p:cNvPr id="412" name="PlaceHolder 1"/>
+          <p:cNvPr id="415" name="PlaceHolder 1"/>
           <p:cNvSpPr>
             <a:spLocks noGrp="1"/>
           </p:cNvSpPr>
@@ -3254,19 +3254,19 @@
         <p:spPr>
           <a:xfrm>
             <a:off x="685800" y="1143000"/>
-            <a:ext cx="5484600" cy="3084480"/>
-          </a:xfrm>
-          <a:prstGeom prst="rect">
-            <a:avLst/>
-          </a:prstGeom>
-          <a:ln w="0">
-            <a:noFill/>
-          </a:ln>
-        </p:spPr>
-      </p:sp>
-      <p:sp>
-        <p:nvSpPr>
-          <p:cNvPr id="413" name="PlaceHolder 2"/>
+            <a:ext cx="5484240" cy="3084120"/>
+          </a:xfrm>
+          <a:prstGeom prst="rect">
+            <a:avLst/>
+          </a:prstGeom>
+          <a:ln w="0">
+            <a:noFill/>
+          </a:ln>
+        </p:spPr>
+      </p:sp>
+      <p:sp>
+        <p:nvSpPr>
+          <p:cNvPr id="416" name="PlaceHolder 2"/>
           <p:cNvSpPr>
             <a:spLocks noGrp="1"/>
           </p:cNvSpPr>
@@ -3277,7 +3277,7 @@
         <p:spPr>
           <a:xfrm>
             <a:off x="685800" y="4400640"/>
-            <a:ext cx="5484600" cy="3598920"/>
+            <a:ext cx="5484240" cy="3598560"/>
           </a:xfrm>
           <a:prstGeom prst="rect">
             <a:avLst/>
@@ -3306,7 +3306,7 @@
       </p:sp>
       <p:sp>
         <p:nvSpPr>
-          <p:cNvPr id="414" name="PlaceHolder 3"/>
+          <p:cNvPr id="417" name="PlaceHolder 3"/>
           <p:cNvSpPr>
             <a:spLocks noGrp="1"/>
           </p:cNvSpPr>
@@ -3317,7 +3317,7 @@
         <p:spPr>
           <a:xfrm>
             <a:off x="3884760" y="8685360"/>
-            <a:ext cx="2970000" cy="456840"/>
+            <a:ext cx="2969640" cy="456480"/>
           </a:xfrm>
           <a:prstGeom prst="rect">
             <a:avLst/>
@@ -3358,7 +3358,7 @@
                 <a:tab algn="l" pos="0"/>
               </a:tabLst>
             </a:pPr>
-            <a:fld id="{3270A6BE-5127-4D43-8875-9752DB54F1BE}" type="slidenum">
+            <a:fld id="{32962006-7655-42C0-BFED-3D564E24D088}" type="slidenum">
               <a:rPr b="0" lang="es-CO" sz="1400" spc="-1" strike="noStrike">
                 <a:solidFill>
                   <a:srgbClr val="000000"/>
@@ -3400,7 +3400,7 @@
       </p:grpSpPr>
       <p:sp>
         <p:nvSpPr>
-          <p:cNvPr id="343" name="PlaceHolder 1"/>
+          <p:cNvPr id="346" name="PlaceHolder 1"/>
           <p:cNvSpPr>
             <a:spLocks noGrp="1"/>
           </p:cNvSpPr>
@@ -3411,19 +3411,19 @@
         <p:spPr>
           <a:xfrm>
             <a:off x="685800" y="1143000"/>
-            <a:ext cx="5484600" cy="3084480"/>
-          </a:xfrm>
-          <a:prstGeom prst="rect">
-            <a:avLst/>
-          </a:prstGeom>
-          <a:ln w="0">
-            <a:noFill/>
-          </a:ln>
-        </p:spPr>
-      </p:sp>
-      <p:sp>
-        <p:nvSpPr>
-          <p:cNvPr id="344" name="PlaceHolder 2"/>
+            <a:ext cx="5484240" cy="3084120"/>
+          </a:xfrm>
+          <a:prstGeom prst="rect">
+            <a:avLst/>
+          </a:prstGeom>
+          <a:ln w="0">
+            <a:noFill/>
+          </a:ln>
+        </p:spPr>
+      </p:sp>
+      <p:sp>
+        <p:nvSpPr>
+          <p:cNvPr id="347" name="PlaceHolder 2"/>
           <p:cNvSpPr>
             <a:spLocks noGrp="1"/>
           </p:cNvSpPr>
@@ -3434,7 +3434,7 @@
         <p:spPr>
           <a:xfrm>
             <a:off x="685800" y="4400640"/>
-            <a:ext cx="5484600" cy="3598920"/>
+            <a:ext cx="5484240" cy="3598560"/>
           </a:xfrm>
           <a:prstGeom prst="rect">
             <a:avLst/>
@@ -3463,7 +3463,7 @@
       </p:sp>
       <p:sp>
         <p:nvSpPr>
-          <p:cNvPr id="345" name="PlaceHolder 3"/>
+          <p:cNvPr id="348" name="PlaceHolder 3"/>
           <p:cNvSpPr>
             <a:spLocks noGrp="1"/>
           </p:cNvSpPr>
@@ -3474,7 +3474,7 @@
         <p:spPr>
           <a:xfrm>
             <a:off x="3884760" y="8685360"/>
-            <a:ext cx="2970000" cy="456840"/>
+            <a:ext cx="2969640" cy="456480"/>
           </a:xfrm>
           <a:prstGeom prst="rect">
             <a:avLst/>
@@ -3515,7 +3515,7 @@
                 <a:tab algn="l" pos="0"/>
               </a:tabLst>
             </a:pPr>
-            <a:fld id="{B5BD9637-3347-4A5F-AF1F-3B6E38116E72}" type="slidenum">
+            <a:fld id="{B662273B-5EED-49AC-9A33-CE60B9E22B6E}" type="slidenum">
               <a:rPr b="0" lang="es-CO" sz="1400" spc="-1" strike="noStrike">
                 <a:solidFill>
                   <a:srgbClr val="000000"/>
@@ -3557,7 +3557,7 @@
       </p:grpSpPr>
       <p:sp>
         <p:nvSpPr>
-          <p:cNvPr id="346" name="PlaceHolder 1"/>
+          <p:cNvPr id="349" name="PlaceHolder 1"/>
           <p:cNvSpPr>
             <a:spLocks noGrp="1"/>
           </p:cNvSpPr>
@@ -3568,19 +3568,19 @@
         <p:spPr>
           <a:xfrm>
             <a:off x="685800" y="1143000"/>
-            <a:ext cx="5484600" cy="3084480"/>
-          </a:xfrm>
-          <a:prstGeom prst="rect">
-            <a:avLst/>
-          </a:prstGeom>
-          <a:ln w="0">
-            <a:noFill/>
-          </a:ln>
-        </p:spPr>
-      </p:sp>
-      <p:sp>
-        <p:nvSpPr>
-          <p:cNvPr id="347" name="PlaceHolder 2"/>
+            <a:ext cx="5484240" cy="3084120"/>
+          </a:xfrm>
+          <a:prstGeom prst="rect">
+            <a:avLst/>
+          </a:prstGeom>
+          <a:ln w="0">
+            <a:noFill/>
+          </a:ln>
+        </p:spPr>
+      </p:sp>
+      <p:sp>
+        <p:nvSpPr>
+          <p:cNvPr id="350" name="PlaceHolder 2"/>
           <p:cNvSpPr>
             <a:spLocks noGrp="1"/>
           </p:cNvSpPr>
@@ -3591,7 +3591,7 @@
         <p:spPr>
           <a:xfrm>
             <a:off x="685800" y="4400640"/>
-            <a:ext cx="5484600" cy="3598920"/>
+            <a:ext cx="5484240" cy="3598560"/>
           </a:xfrm>
           <a:prstGeom prst="rect">
             <a:avLst/>
@@ -3620,7 +3620,7 @@
       </p:sp>
       <p:sp>
         <p:nvSpPr>
-          <p:cNvPr id="348" name="PlaceHolder 3"/>
+          <p:cNvPr id="351" name="PlaceHolder 3"/>
           <p:cNvSpPr>
             <a:spLocks noGrp="1"/>
           </p:cNvSpPr>
@@ -3631,7 +3631,7 @@
         <p:spPr>
           <a:xfrm>
             <a:off x="3884760" y="8685360"/>
-            <a:ext cx="2970000" cy="456840"/>
+            <a:ext cx="2969640" cy="456480"/>
           </a:xfrm>
           <a:prstGeom prst="rect">
             <a:avLst/>
@@ -3672,7 +3672,7 @@
                 <a:tab algn="l" pos="0"/>
               </a:tabLst>
             </a:pPr>
-            <a:fld id="{169096A2-2843-4B5A-B95A-39F714FD1EFD}" type="slidenum">
+            <a:fld id="{044A315C-834D-4BDA-8686-2D2AB49C35B1}" type="slidenum">
               <a:rPr b="0" lang="es-CO" sz="1400" spc="-1" strike="noStrike">
                 <a:solidFill>
                   <a:srgbClr val="000000"/>
@@ -3714,7 +3714,7 @@
       </p:grpSpPr>
       <p:sp>
         <p:nvSpPr>
-          <p:cNvPr id="349" name="PlaceHolder 1"/>
+          <p:cNvPr id="352" name="PlaceHolder 1"/>
           <p:cNvSpPr>
             <a:spLocks noGrp="1"/>
           </p:cNvSpPr>
@@ -3725,19 +3725,19 @@
         <p:spPr>
           <a:xfrm>
             <a:off x="685800" y="1143000"/>
-            <a:ext cx="5484600" cy="3084480"/>
-          </a:xfrm>
-          <a:prstGeom prst="rect">
-            <a:avLst/>
-          </a:prstGeom>
-          <a:ln w="0">
-            <a:noFill/>
-          </a:ln>
-        </p:spPr>
-      </p:sp>
-      <p:sp>
-        <p:nvSpPr>
-          <p:cNvPr id="350" name="PlaceHolder 2"/>
+            <a:ext cx="5484240" cy="3084120"/>
+          </a:xfrm>
+          <a:prstGeom prst="rect">
+            <a:avLst/>
+          </a:prstGeom>
+          <a:ln w="0">
+            <a:noFill/>
+          </a:ln>
+        </p:spPr>
+      </p:sp>
+      <p:sp>
+        <p:nvSpPr>
+          <p:cNvPr id="353" name="PlaceHolder 2"/>
           <p:cNvSpPr>
             <a:spLocks noGrp="1"/>
           </p:cNvSpPr>
@@ -3748,7 +3748,7 @@
         <p:spPr>
           <a:xfrm>
             <a:off x="685800" y="4400640"/>
-            <a:ext cx="5484600" cy="3598920"/>
+            <a:ext cx="5484240" cy="3598560"/>
           </a:xfrm>
           <a:prstGeom prst="rect">
             <a:avLst/>
@@ -3777,7 +3777,7 @@
       </p:sp>
       <p:sp>
         <p:nvSpPr>
-          <p:cNvPr id="351" name="PlaceHolder 3"/>
+          <p:cNvPr id="354" name="PlaceHolder 3"/>
           <p:cNvSpPr>
             <a:spLocks noGrp="1"/>
           </p:cNvSpPr>
@@ -3788,7 +3788,7 @@
         <p:spPr>
           <a:xfrm>
             <a:off x="3884760" y="8685360"/>
-            <a:ext cx="2970000" cy="456840"/>
+            <a:ext cx="2969640" cy="456480"/>
           </a:xfrm>
           <a:prstGeom prst="rect">
             <a:avLst/>
@@ -3829,7 +3829,7 @@
                 <a:tab algn="l" pos="0"/>
               </a:tabLst>
             </a:pPr>
-            <a:fld id="{CA1D3E5F-A09A-4FC6-8B81-5D1FD423AC4F}" type="slidenum">
+            <a:fld id="{6617F325-B5D3-45A4-AF9B-1866E29859F9}" type="slidenum">
               <a:rPr b="0" lang="es-CO" sz="1400" spc="-1" strike="noStrike">
                 <a:solidFill>
                   <a:srgbClr val="000000"/>
@@ -3871,7 +3871,7 @@
       </p:grpSpPr>
       <p:sp>
         <p:nvSpPr>
-          <p:cNvPr id="352" name="PlaceHolder 1"/>
+          <p:cNvPr id="355" name="PlaceHolder 1"/>
           <p:cNvSpPr>
             <a:spLocks noGrp="1"/>
           </p:cNvSpPr>
@@ -3882,19 +3882,19 @@
         <p:spPr>
           <a:xfrm>
             <a:off x="685800" y="1143000"/>
-            <a:ext cx="5484600" cy="3084480"/>
-          </a:xfrm>
-          <a:prstGeom prst="rect">
-            <a:avLst/>
-          </a:prstGeom>
-          <a:ln w="0">
-            <a:noFill/>
-          </a:ln>
-        </p:spPr>
-      </p:sp>
-      <p:sp>
-        <p:nvSpPr>
-          <p:cNvPr id="353" name="PlaceHolder 2"/>
+            <a:ext cx="5484240" cy="3084120"/>
+          </a:xfrm>
+          <a:prstGeom prst="rect">
+            <a:avLst/>
+          </a:prstGeom>
+          <a:ln w="0">
+            <a:noFill/>
+          </a:ln>
+        </p:spPr>
+      </p:sp>
+      <p:sp>
+        <p:nvSpPr>
+          <p:cNvPr id="356" name="PlaceHolder 2"/>
           <p:cNvSpPr>
             <a:spLocks noGrp="1"/>
           </p:cNvSpPr>
@@ -3905,7 +3905,7 @@
         <p:spPr>
           <a:xfrm>
             <a:off x="685800" y="4400640"/>
-            <a:ext cx="5484600" cy="3598920"/>
+            <a:ext cx="5484240" cy="3598560"/>
           </a:xfrm>
           <a:prstGeom prst="rect">
             <a:avLst/>
@@ -3934,7 +3934,7 @@
       </p:sp>
       <p:sp>
         <p:nvSpPr>
-          <p:cNvPr id="354" name="PlaceHolder 3"/>
+          <p:cNvPr id="357" name="PlaceHolder 3"/>
           <p:cNvSpPr>
             <a:spLocks noGrp="1"/>
           </p:cNvSpPr>
@@ -3945,7 +3945,7 @@
         <p:spPr>
           <a:xfrm>
             <a:off x="3884760" y="8685360"/>
-            <a:ext cx="2970000" cy="456840"/>
+            <a:ext cx="2969640" cy="456480"/>
           </a:xfrm>
           <a:prstGeom prst="rect">
             <a:avLst/>
@@ -3986,7 +3986,7 @@
                 <a:tab algn="l" pos="0"/>
               </a:tabLst>
             </a:pPr>
-            <a:fld id="{8B709D9D-C432-4C2C-9022-93546E65008E}" type="slidenum">
+            <a:fld id="{E838156F-598A-4D9E-BEEE-990CE248AF95}" type="slidenum">
               <a:rPr b="0" lang="es-CO" sz="1400" spc="-1" strike="noStrike">
                 <a:solidFill>
                   <a:srgbClr val="000000"/>
@@ -4028,7 +4028,7 @@
       </p:grpSpPr>
       <p:sp>
         <p:nvSpPr>
-          <p:cNvPr id="355" name="PlaceHolder 1"/>
+          <p:cNvPr id="358" name="PlaceHolder 1"/>
           <p:cNvSpPr>
             <a:spLocks noGrp="1"/>
           </p:cNvSpPr>
@@ -4039,19 +4039,19 @@
         <p:spPr>
           <a:xfrm>
             <a:off x="685800" y="1143000"/>
-            <a:ext cx="5484600" cy="3084480"/>
-          </a:xfrm>
-          <a:prstGeom prst="rect">
-            <a:avLst/>
-          </a:prstGeom>
-          <a:ln w="0">
-            <a:noFill/>
-          </a:ln>
-        </p:spPr>
-      </p:sp>
-      <p:sp>
-        <p:nvSpPr>
-          <p:cNvPr id="356" name="PlaceHolder 2"/>
+            <a:ext cx="5484240" cy="3084120"/>
+          </a:xfrm>
+          <a:prstGeom prst="rect">
+            <a:avLst/>
+          </a:prstGeom>
+          <a:ln w="0">
+            <a:noFill/>
+          </a:ln>
+        </p:spPr>
+      </p:sp>
+      <p:sp>
+        <p:nvSpPr>
+          <p:cNvPr id="359" name="PlaceHolder 2"/>
           <p:cNvSpPr>
             <a:spLocks noGrp="1"/>
           </p:cNvSpPr>
@@ -4062,7 +4062,7 @@
         <p:spPr>
           <a:xfrm>
             <a:off x="685800" y="4400640"/>
-            <a:ext cx="5484600" cy="3598920"/>
+            <a:ext cx="5484240" cy="3598560"/>
           </a:xfrm>
           <a:prstGeom prst="rect">
             <a:avLst/>
@@ -4091,7 +4091,7 @@
       </p:sp>
       <p:sp>
         <p:nvSpPr>
-          <p:cNvPr id="357" name="PlaceHolder 3"/>
+          <p:cNvPr id="360" name="PlaceHolder 3"/>
           <p:cNvSpPr>
             <a:spLocks noGrp="1"/>
           </p:cNvSpPr>
@@ -4102,7 +4102,7 @@
         <p:spPr>
           <a:xfrm>
             <a:off x="3884760" y="8685360"/>
-            <a:ext cx="2970000" cy="456840"/>
+            <a:ext cx="2969640" cy="456480"/>
           </a:xfrm>
           <a:prstGeom prst="rect">
             <a:avLst/>
@@ -4143,7 +4143,7 @@
                 <a:tab algn="l" pos="0"/>
               </a:tabLst>
             </a:pPr>
-            <a:fld id="{7CD3C0A9-1358-4F11-A495-9350B4DB2AB9}" type="slidenum">
+            <a:fld id="{FC9F30D2-28BD-491F-AB5A-CFD99674530F}" type="slidenum">
               <a:rPr b="0" lang="es-CO" sz="1400" spc="-1" strike="noStrike">
                 <a:solidFill>
                   <a:srgbClr val="000000"/>
@@ -4185,7 +4185,7 @@
       </p:grpSpPr>
       <p:sp>
         <p:nvSpPr>
-          <p:cNvPr id="358" name="PlaceHolder 1"/>
+          <p:cNvPr id="361" name="PlaceHolder 1"/>
           <p:cNvSpPr>
             <a:spLocks noGrp="1"/>
           </p:cNvSpPr>
@@ -4196,19 +4196,19 @@
         <p:spPr>
           <a:xfrm>
             <a:off x="685800" y="1143000"/>
-            <a:ext cx="5484600" cy="3084480"/>
-          </a:xfrm>
-          <a:prstGeom prst="rect">
-            <a:avLst/>
-          </a:prstGeom>
-          <a:ln w="0">
-            <a:noFill/>
-          </a:ln>
-        </p:spPr>
-      </p:sp>
-      <p:sp>
-        <p:nvSpPr>
-          <p:cNvPr id="359" name="PlaceHolder 2"/>
+            <a:ext cx="5484240" cy="3084120"/>
+          </a:xfrm>
+          <a:prstGeom prst="rect">
+            <a:avLst/>
+          </a:prstGeom>
+          <a:ln w="0">
+            <a:noFill/>
+          </a:ln>
+        </p:spPr>
+      </p:sp>
+      <p:sp>
+        <p:nvSpPr>
+          <p:cNvPr id="362" name="PlaceHolder 2"/>
           <p:cNvSpPr>
             <a:spLocks noGrp="1"/>
           </p:cNvSpPr>
@@ -4219,7 +4219,7 @@
         <p:spPr>
           <a:xfrm>
             <a:off x="685800" y="4400640"/>
-            <a:ext cx="5484600" cy="3598920"/>
+            <a:ext cx="5484240" cy="3598560"/>
           </a:xfrm>
           <a:prstGeom prst="rect">
             <a:avLst/>
@@ -4248,7 +4248,7 @@
       </p:sp>
       <p:sp>
         <p:nvSpPr>
-          <p:cNvPr id="360" name="PlaceHolder 3"/>
+          <p:cNvPr id="363" name="PlaceHolder 3"/>
           <p:cNvSpPr>
             <a:spLocks noGrp="1"/>
           </p:cNvSpPr>
@@ -4259,7 +4259,7 @@
         <p:spPr>
           <a:xfrm>
             <a:off x="3884760" y="8685360"/>
-            <a:ext cx="2970000" cy="456840"/>
+            <a:ext cx="2969640" cy="456480"/>
           </a:xfrm>
           <a:prstGeom prst="rect">
             <a:avLst/>
@@ -4300,7 +4300,7 @@
                 <a:tab algn="l" pos="0"/>
               </a:tabLst>
             </a:pPr>
-            <a:fld id="{98C5095B-FD56-465C-87C0-FAB10FAB255E}" type="slidenum">
+            <a:fld id="{3F47DEFD-8341-4BF0-8A1F-0D6A8B1A0051}" type="slidenum">
               <a:rPr b="0" lang="es-CO" sz="1400" spc="-1" strike="noStrike">
                 <a:solidFill>
                   <a:srgbClr val="000000"/>
@@ -4342,7 +4342,7 @@
       </p:grpSpPr>
       <p:sp>
         <p:nvSpPr>
-          <p:cNvPr id="361" name="PlaceHolder 1"/>
+          <p:cNvPr id="364" name="PlaceHolder 1"/>
           <p:cNvSpPr>
             <a:spLocks noGrp="1"/>
           </p:cNvSpPr>
@@ -4353,19 +4353,19 @@
         <p:spPr>
           <a:xfrm>
             <a:off x="685800" y="1143000"/>
-            <a:ext cx="5484600" cy="3084480"/>
-          </a:xfrm>
-          <a:prstGeom prst="rect">
-            <a:avLst/>
-          </a:prstGeom>
-          <a:ln w="0">
-            <a:noFill/>
-          </a:ln>
-        </p:spPr>
-      </p:sp>
-      <p:sp>
-        <p:nvSpPr>
-          <p:cNvPr id="362" name="PlaceHolder 2"/>
+            <a:ext cx="5484240" cy="3084120"/>
+          </a:xfrm>
+          <a:prstGeom prst="rect">
+            <a:avLst/>
+          </a:prstGeom>
+          <a:ln w="0">
+            <a:noFill/>
+          </a:ln>
+        </p:spPr>
+      </p:sp>
+      <p:sp>
+        <p:nvSpPr>
+          <p:cNvPr id="365" name="PlaceHolder 2"/>
           <p:cNvSpPr>
             <a:spLocks noGrp="1"/>
           </p:cNvSpPr>
@@ -4376,7 +4376,7 @@
         <p:spPr>
           <a:xfrm>
             <a:off x="685800" y="4400640"/>
-            <a:ext cx="5484600" cy="3598920"/>
+            <a:ext cx="5484240" cy="3598560"/>
           </a:xfrm>
           <a:prstGeom prst="rect">
             <a:avLst/>
@@ -4405,7 +4405,7 @@
       </p:sp>
       <p:sp>
         <p:nvSpPr>
-          <p:cNvPr id="363" name="PlaceHolder 3"/>
+          <p:cNvPr id="366" name="PlaceHolder 3"/>
           <p:cNvSpPr>
             <a:spLocks noGrp="1"/>
           </p:cNvSpPr>
@@ -4416,7 +4416,7 @@
         <p:spPr>
           <a:xfrm>
             <a:off x="3884760" y="8685360"/>
-            <a:ext cx="2970000" cy="456840"/>
+            <a:ext cx="2969640" cy="456480"/>
           </a:xfrm>
           <a:prstGeom prst="rect">
             <a:avLst/>
@@ -4457,7 +4457,7 @@
                 <a:tab algn="l" pos="0"/>
               </a:tabLst>
             </a:pPr>
-            <a:fld id="{A06A7FA5-CEBD-4318-A6CF-7A0B1F17EB63}" type="slidenum">
+            <a:fld id="{9EC5CDBE-72FE-4E1C-878E-D704BB48805C}" type="slidenum">
               <a:rPr b="0" lang="es-CO" sz="1400" spc="-1" strike="noStrike">
                 <a:solidFill>
                   <a:srgbClr val="000000"/>
@@ -4531,7 +4531,7 @@
         <p:txBody>
           <a:bodyPr/>
           <a:p>
-            <a:fld id="{BA382169-65FB-454D-A059-5F123CBD6855}" type="slidenum">
+            <a:fld id="{55B8C033-0FBE-442A-8532-FC6C9E83008F}" type="slidenum">
               <a:t>&lt;#&gt;</a:t>
             </a:fld>
           </a:p>
@@ -4614,7 +4614,7 @@
         <p:txBody>
           <a:bodyPr/>
           <a:p>
-            <a:fld id="{540D411C-C263-4A8B-B011-89B9CBA0BA62}" type="slidenum">
+            <a:fld id="{122EEC57-50EB-4E31-A784-B6D58EC723B5}" type="slidenum">
               <a:t>&lt;#&gt;</a:t>
             </a:fld>
           </a:p>
@@ -4697,7 +4697,7 @@
         <p:txBody>
           <a:bodyPr/>
           <a:p>
-            <a:fld id="{E3F94422-12C7-4CE9-9B7D-5BC7EBC2FB08}" type="slidenum">
+            <a:fld id="{F7E5B3EF-4DF5-4099-B6E9-DB82E5020BE4}" type="slidenum">
               <a:t>&lt;#&gt;</a:t>
             </a:fld>
           </a:p>
@@ -4780,7 +4780,7 @@
         <p:txBody>
           <a:bodyPr/>
           <a:p>
-            <a:fld id="{3D7701DB-4FF8-43BC-81C3-3AE43C0D52F4}" type="slidenum">
+            <a:fld id="{C11434F5-B686-4C3C-97DC-522230DC08D3}" type="slidenum">
               <a:t>&lt;#&gt;</a:t>
             </a:fld>
           </a:p>
@@ -4863,7 +4863,7 @@
         <p:txBody>
           <a:bodyPr/>
           <a:p>
-            <a:fld id="{C99B9009-9515-4C82-B464-F7ACC3767D37}" type="slidenum">
+            <a:fld id="{9CDC6D5E-C0E6-402A-BABD-F5C15B03C60F}" type="slidenum">
               <a:t>&lt;#&gt;</a:t>
             </a:fld>
           </a:p>
@@ -5026,7 +5026,7 @@
         <p:txBody>
           <a:bodyPr/>
           <a:p>
-            <a:fld id="{DB4B5595-E54E-4A08-AFEB-61FFC9A15587}" type="slidenum">
+            <a:fld id="{BA9A9F45-9FF0-45D6-B9AB-E6D2361BC473}" type="slidenum">
               <a:t>&lt;#&gt;</a:t>
             </a:fld>
           </a:p>
@@ -5192,7 +5192,7 @@
         <p:txBody>
           <a:bodyPr/>
           <a:p>
-            <a:fld id="{DC1C48C7-34E2-4275-BFC5-C02C22B2EAC7}" type="slidenum">
+            <a:fld id="{ADEBEFE0-4899-40AD-A7BE-A53DE52B799E}" type="slidenum">
               <a:t>&lt;#&gt;</a:t>
             </a:fld>
           </a:p>
@@ -5275,7 +5275,7 @@
         <p:txBody>
           <a:bodyPr/>
           <a:p>
-            <a:fld id="{7157FCAC-D8F8-47DE-BFB8-EE5B25681646}" type="slidenum">
+            <a:fld id="{4CCB25B5-31D7-4CFD-B090-E2B2AB2178E5}" type="slidenum">
               <a:t>&lt;#&gt;</a:t>
             </a:fld>
           </a:p>
@@ -5484,7 +5484,7 @@
         <p:txBody>
           <a:bodyPr/>
           <a:p>
-            <a:fld id="{98AFE69B-631D-4F4C-A84B-0AF3CD0F5FEA}" type="slidenum">
+            <a:fld id="{BC452EA9-740C-4BD9-BE7C-BC628CCF3B88}" type="slidenum">
               <a:t>&lt;#&gt;</a:t>
             </a:fld>
           </a:p>
@@ -5567,7 +5567,7 @@
         <p:txBody>
           <a:bodyPr/>
           <a:p>
-            <a:fld id="{30C429B5-F5DF-4E92-B48E-42DEF5FE2A64}" type="slidenum">
+            <a:fld id="{21D0F35C-BFAD-45EF-8BC7-A8BC7947F550}" type="slidenum">
               <a:t>&lt;#&gt;</a:t>
             </a:fld>
           </a:p>
@@ -5690,7 +5690,7 @@
         <p:txBody>
           <a:bodyPr/>
           <a:p>
-            <a:fld id="{A2AE4BC0-E945-4515-B4AC-1E3AD101182C}" type="slidenum">
+            <a:fld id="{297DE794-D4DF-469D-89C0-5D9E2AA5A9BF}" type="slidenum">
               <a:t>&lt;#&gt;</a:t>
             </a:fld>
           </a:p>
@@ -5759,7 +5759,7 @@
         <p:spPr>
           <a:xfrm>
             <a:off x="4038480" y="6356520"/>
-            <a:ext cx="4113000" cy="363240"/>
+            <a:ext cx="4112640" cy="362880"/>
           </a:xfrm>
           <a:prstGeom prst="rect">
             <a:avLst/>
@@ -5831,7 +5831,7 @@
         <p:spPr>
           <a:xfrm>
             <a:off x="8610480" y="6356520"/>
-            <a:ext cx="2741400" cy="363240"/>
+            <a:ext cx="2741040" cy="362880"/>
           </a:xfrm>
           <a:prstGeom prst="rect">
             <a:avLst/>
@@ -5873,7 +5873,7 @@
                 <a:tab algn="l" pos="0"/>
               </a:tabLst>
             </a:pPr>
-            <a:fld id="{2E7DD031-125F-469E-948B-CC948520C39D}" type="slidenum">
+            <a:fld id="{1E0C7F73-B02A-46F4-ADA1-47F0EF9443C4}" type="slidenum">
               <a:rPr b="0" lang="es-CO" sz="1200" spc="-1" strike="noStrike">
                 <a:solidFill>
                   <a:srgbClr val="888888"/>
@@ -5905,7 +5905,7 @@
         <p:spPr>
           <a:xfrm>
             <a:off x="838080" y="6356520"/>
-            <a:ext cx="2741400" cy="363240"/>
+            <a:ext cx="2741040" cy="362880"/>
           </a:xfrm>
           <a:prstGeom prst="rect">
             <a:avLst/>
@@ -6272,7 +6272,7 @@
         <p:spPr>
           <a:xfrm>
             <a:off x="4038480" y="6356520"/>
-            <a:ext cx="4113000" cy="363240"/>
+            <a:ext cx="4112640" cy="362880"/>
           </a:xfrm>
           <a:prstGeom prst="rect">
             <a:avLst/>
@@ -6344,7 +6344,7 @@
         <p:spPr>
           <a:xfrm>
             <a:off x="8610480" y="6356520"/>
-            <a:ext cx="2741400" cy="363240"/>
+            <a:ext cx="2741040" cy="362880"/>
           </a:xfrm>
           <a:prstGeom prst="rect">
             <a:avLst/>
@@ -6386,7 +6386,7 @@
                 <a:tab algn="l" pos="0"/>
               </a:tabLst>
             </a:pPr>
-            <a:fld id="{03F8F32A-F68C-4EAB-84DF-61B64048AE27}" type="slidenum">
+            <a:fld id="{EFCBC4BD-DC7C-4524-B5A3-AC4D1F210833}" type="slidenum">
               <a:rPr b="0" lang="es-CO" sz="1200" spc="-1" strike="noStrike">
                 <a:solidFill>
                   <a:srgbClr val="888888"/>
@@ -6418,7 +6418,7 @@
         <p:spPr>
           <a:xfrm>
             <a:off x="838080" y="6356520"/>
-            <a:ext cx="2741400" cy="363240"/>
+            <a:ext cx="2741040" cy="362880"/>
           </a:xfrm>
           <a:prstGeom prst="rect">
             <a:avLst/>
@@ -6511,7 +6511,7 @@
         <p:spPr>
           <a:xfrm>
             <a:off x="4038480" y="6356520"/>
-            <a:ext cx="4113000" cy="363240"/>
+            <a:ext cx="4112640" cy="362880"/>
           </a:xfrm>
           <a:prstGeom prst="rect">
             <a:avLst/>
@@ -6583,7 +6583,7 @@
         <p:spPr>
           <a:xfrm>
             <a:off x="8610480" y="6356520"/>
-            <a:ext cx="2741400" cy="363240"/>
+            <a:ext cx="2741040" cy="362880"/>
           </a:xfrm>
           <a:prstGeom prst="rect">
             <a:avLst/>
@@ -6625,7 +6625,7 @@
                 <a:tab algn="l" pos="0"/>
               </a:tabLst>
             </a:pPr>
-            <a:fld id="{C3C1CE33-E2F1-42B2-AC44-68346766A143}" type="slidenum">
+            <a:fld id="{12E6AE08-FC5F-4F45-BA0B-8C0ED184B125}" type="slidenum">
               <a:rPr b="0" lang="es-CO" sz="1200" spc="-1" strike="noStrike">
                 <a:solidFill>
                   <a:srgbClr val="888888"/>
@@ -6657,7 +6657,7 @@
         <p:spPr>
           <a:xfrm>
             <a:off x="838080" y="6356520"/>
-            <a:ext cx="2741400" cy="363240"/>
+            <a:ext cx="2741040" cy="362880"/>
           </a:xfrm>
           <a:prstGeom prst="rect">
             <a:avLst/>
@@ -6750,7 +6750,7 @@
         <p:spPr>
           <a:xfrm>
             <a:off x="4038480" y="6356520"/>
-            <a:ext cx="4113000" cy="363240"/>
+            <a:ext cx="4112640" cy="362880"/>
           </a:xfrm>
           <a:prstGeom prst="rect">
             <a:avLst/>
@@ -6822,7 +6822,7 @@
         <p:spPr>
           <a:xfrm>
             <a:off x="8610480" y="6356520"/>
-            <a:ext cx="2741400" cy="363240"/>
+            <a:ext cx="2741040" cy="362880"/>
           </a:xfrm>
           <a:prstGeom prst="rect">
             <a:avLst/>
@@ -6864,7 +6864,7 @@
                 <a:tab algn="l" pos="0"/>
               </a:tabLst>
             </a:pPr>
-            <a:fld id="{1DE78CBB-CB0D-49FB-8DA2-47CFAA920CBA}" type="slidenum">
+            <a:fld id="{1B70F8AF-0AC6-4FB9-A46E-097841A155B9}" type="slidenum">
               <a:rPr b="0" lang="es-CO" sz="1200" spc="-1" strike="noStrike">
                 <a:solidFill>
                   <a:srgbClr val="888888"/>
@@ -6896,7 +6896,7 @@
         <p:spPr>
           <a:xfrm>
             <a:off x="838080" y="6356520"/>
-            <a:ext cx="2741400" cy="363240"/>
+            <a:ext cx="2741040" cy="362880"/>
           </a:xfrm>
           <a:prstGeom prst="rect">
             <a:avLst/>
@@ -6989,7 +6989,7 @@
         <p:spPr>
           <a:xfrm>
             <a:off x="4038480" y="6356520"/>
-            <a:ext cx="4113000" cy="363240"/>
+            <a:ext cx="4112640" cy="362880"/>
           </a:xfrm>
           <a:prstGeom prst="rect">
             <a:avLst/>
@@ -7061,7 +7061,7 @@
         <p:spPr>
           <a:xfrm>
             <a:off x="8610480" y="6356520"/>
-            <a:ext cx="2741400" cy="363240"/>
+            <a:ext cx="2741040" cy="362880"/>
           </a:xfrm>
           <a:prstGeom prst="rect">
             <a:avLst/>
@@ -7103,7 +7103,7 @@
                 <a:tab algn="l" pos="0"/>
               </a:tabLst>
             </a:pPr>
-            <a:fld id="{EDBF91F9-B6E4-4C26-91C6-78D3796FAE66}" type="slidenum">
+            <a:fld id="{2971560D-C894-4E35-8711-900078D1F644}" type="slidenum">
               <a:rPr b="0" lang="es-CO" sz="1200" spc="-1" strike="noStrike">
                 <a:solidFill>
                   <a:srgbClr val="888888"/>
@@ -7135,7 +7135,7 @@
         <p:spPr>
           <a:xfrm>
             <a:off x="838080" y="6356520"/>
-            <a:ext cx="2741400" cy="363240"/>
+            <a:ext cx="2741040" cy="362880"/>
           </a:xfrm>
           <a:prstGeom prst="rect">
             <a:avLst/>
@@ -7277,7 +7277,7 @@
         <p:spPr>
           <a:xfrm>
             <a:off x="4038480" y="6356520"/>
-            <a:ext cx="4113000" cy="363240"/>
+            <a:ext cx="4112640" cy="362880"/>
           </a:xfrm>
           <a:prstGeom prst="rect">
             <a:avLst/>
@@ -7349,7 +7349,7 @@
         <p:spPr>
           <a:xfrm>
             <a:off x="8610480" y="6356520"/>
-            <a:ext cx="2741400" cy="363240"/>
+            <a:ext cx="2741040" cy="362880"/>
           </a:xfrm>
           <a:prstGeom prst="rect">
             <a:avLst/>
@@ -7391,7 +7391,7 @@
                 <a:tab algn="l" pos="0"/>
               </a:tabLst>
             </a:pPr>
-            <a:fld id="{8D22022C-60D5-4D2E-818C-72F8A1565FDB}" type="slidenum">
+            <a:fld id="{21551503-A0E5-43F4-B03D-0E93E0BFCE67}" type="slidenum">
               <a:rPr b="0" lang="es-CO" sz="1200" spc="-1" strike="noStrike">
                 <a:solidFill>
                   <a:srgbClr val="888888"/>
@@ -7423,7 +7423,7 @@
         <p:spPr>
           <a:xfrm>
             <a:off x="838080" y="6356520"/>
-            <a:ext cx="2741400" cy="363240"/>
+            <a:ext cx="2741040" cy="362880"/>
           </a:xfrm>
           <a:prstGeom prst="rect">
             <a:avLst/>
@@ -7790,7 +7790,7 @@
         <p:spPr>
           <a:xfrm>
             <a:off x="4038480" y="6356520"/>
-            <a:ext cx="4113000" cy="363240"/>
+            <a:ext cx="4112640" cy="362880"/>
           </a:xfrm>
           <a:prstGeom prst="rect">
             <a:avLst/>
@@ -7862,7 +7862,7 @@
         <p:spPr>
           <a:xfrm>
             <a:off x="8610480" y="6356520"/>
-            <a:ext cx="2741400" cy="363240"/>
+            <a:ext cx="2741040" cy="362880"/>
           </a:xfrm>
           <a:prstGeom prst="rect">
             <a:avLst/>
@@ -7904,7 +7904,7 @@
                 <a:tab algn="l" pos="0"/>
               </a:tabLst>
             </a:pPr>
-            <a:fld id="{7139198C-372A-4AF0-A7E2-5D59471317F7}" type="slidenum">
+            <a:fld id="{3214034C-264E-4545-91AE-B37C1E6D2BC9}" type="slidenum">
               <a:rPr b="0" lang="es-CO" sz="1200" spc="-1" strike="noStrike">
                 <a:solidFill>
                   <a:srgbClr val="888888"/>
@@ -7936,7 +7936,7 @@
         <p:spPr>
           <a:xfrm>
             <a:off x="838080" y="6356520"/>
-            <a:ext cx="2741400" cy="363240"/>
+            <a:ext cx="2741040" cy="362880"/>
           </a:xfrm>
           <a:prstGeom prst="rect">
             <a:avLst/>
@@ -8029,7 +8029,7 @@
         <p:spPr>
           <a:xfrm>
             <a:off x="4038480" y="6356520"/>
-            <a:ext cx="4113000" cy="363240"/>
+            <a:ext cx="4112640" cy="362880"/>
           </a:xfrm>
           <a:prstGeom prst="rect">
             <a:avLst/>
@@ -8101,7 +8101,7 @@
         <p:spPr>
           <a:xfrm>
             <a:off x="8610480" y="6356520"/>
-            <a:ext cx="2741400" cy="363240"/>
+            <a:ext cx="2741040" cy="362880"/>
           </a:xfrm>
           <a:prstGeom prst="rect">
             <a:avLst/>
@@ -8143,7 +8143,7 @@
                 <a:tab algn="l" pos="0"/>
               </a:tabLst>
             </a:pPr>
-            <a:fld id="{C5E137C4-53ED-4047-A546-6D465A1E5695}" type="slidenum">
+            <a:fld id="{DF45DB3E-D467-4B1B-8400-E60E726ACE2F}" type="slidenum">
               <a:rPr b="0" lang="es-CO" sz="1200" spc="-1" strike="noStrike">
                 <a:solidFill>
                   <a:srgbClr val="888888"/>
@@ -8175,7 +8175,7 @@
         <p:spPr>
           <a:xfrm>
             <a:off x="838080" y="6356520"/>
-            <a:ext cx="2741400" cy="363240"/>
+            <a:ext cx="2741040" cy="362880"/>
           </a:xfrm>
           <a:prstGeom prst="rect">
             <a:avLst/>
@@ -8767,7 +8767,7 @@
         <p:spPr>
           <a:xfrm>
             <a:off x="4038480" y="6356520"/>
-            <a:ext cx="4113000" cy="363240"/>
+            <a:ext cx="4112640" cy="362880"/>
           </a:xfrm>
           <a:prstGeom prst="rect">
             <a:avLst/>
@@ -8839,7 +8839,7 @@
         <p:spPr>
           <a:xfrm>
             <a:off x="8610480" y="6356520"/>
-            <a:ext cx="2741400" cy="363240"/>
+            <a:ext cx="2741040" cy="362880"/>
           </a:xfrm>
           <a:prstGeom prst="rect">
             <a:avLst/>
@@ -8881,7 +8881,7 @@
                 <a:tab algn="l" pos="0"/>
               </a:tabLst>
             </a:pPr>
-            <a:fld id="{AF5F05B9-894F-4C92-8F5C-933582891F98}" type="slidenum">
+            <a:fld id="{C225A693-7EF1-473B-934C-764AA1AF3084}" type="slidenum">
               <a:rPr b="0" lang="es-CO" sz="1200" spc="-1" strike="noStrike">
                 <a:solidFill>
                   <a:srgbClr val="888888"/>
@@ -8913,7 +8913,7 @@
         <p:spPr>
           <a:xfrm>
             <a:off x="838080" y="6356520"/>
-            <a:ext cx="2741400" cy="363240"/>
+            <a:ext cx="2741040" cy="362880"/>
           </a:xfrm>
           <a:prstGeom prst="rect">
             <a:avLst/>
@@ -9006,7 +9006,7 @@
         <p:spPr>
           <a:xfrm>
             <a:off x="4038480" y="6356520"/>
-            <a:ext cx="4113000" cy="363240"/>
+            <a:ext cx="4112640" cy="362880"/>
           </a:xfrm>
           <a:prstGeom prst="rect">
             <a:avLst/>
@@ -9078,7 +9078,7 @@
         <p:spPr>
           <a:xfrm>
             <a:off x="8610480" y="6356520"/>
-            <a:ext cx="2741400" cy="363240"/>
+            <a:ext cx="2741040" cy="362880"/>
           </a:xfrm>
           <a:prstGeom prst="rect">
             <a:avLst/>
@@ -9120,7 +9120,7 @@
                 <a:tab algn="l" pos="0"/>
               </a:tabLst>
             </a:pPr>
-            <a:fld id="{AC4590C9-6513-48AB-A9A0-AE5E5716E02C}" type="slidenum">
+            <a:fld id="{4F52404D-E092-4968-B93D-347A2038C632}" type="slidenum">
               <a:rPr b="0" lang="es-CO" sz="1200" spc="-1" strike="noStrike">
                 <a:solidFill>
                   <a:srgbClr val="888888"/>
@@ -9152,7 +9152,7 @@
         <p:spPr>
           <a:xfrm>
             <a:off x="838080" y="6356520"/>
-            <a:ext cx="2741400" cy="363240"/>
+            <a:ext cx="2741040" cy="362880"/>
           </a:xfrm>
           <a:prstGeom prst="rect">
             <a:avLst/>
@@ -9294,7 +9294,7 @@
         <p:spPr>
           <a:xfrm>
             <a:off x="4038480" y="6356520"/>
-            <a:ext cx="4113000" cy="363240"/>
+            <a:ext cx="4112640" cy="362880"/>
           </a:xfrm>
           <a:prstGeom prst="rect">
             <a:avLst/>
@@ -9366,7 +9366,7 @@
         <p:spPr>
           <a:xfrm>
             <a:off x="8610480" y="6356520"/>
-            <a:ext cx="2741400" cy="363240"/>
+            <a:ext cx="2741040" cy="362880"/>
           </a:xfrm>
           <a:prstGeom prst="rect">
             <a:avLst/>
@@ -9408,7 +9408,7 @@
                 <a:tab algn="l" pos="0"/>
               </a:tabLst>
             </a:pPr>
-            <a:fld id="{88FC4FBA-051A-489F-8D6C-6B1E357E78EF}" type="slidenum">
+            <a:fld id="{0EFD32B2-DFD5-41F0-B628-051ADE3BB89A}" type="slidenum">
               <a:rPr b="0" lang="es-CO" sz="1200" spc="-1" strike="noStrike">
                 <a:solidFill>
                   <a:srgbClr val="888888"/>
@@ -9440,7 +9440,7 @@
         <p:spPr>
           <a:xfrm>
             <a:off x="838080" y="6356520"/>
-            <a:ext cx="2741400" cy="363240"/>
+            <a:ext cx="2741040" cy="362880"/>
           </a:xfrm>
           <a:prstGeom prst="rect">
             <a:avLst/>
@@ -9522,9 +9522,9 @@
         <p:grpSpPr>
           <a:xfrm>
             <a:off x="0" y="0"/>
-            <a:ext cx="12190320" cy="6856200"/>
+            <a:ext cx="12189960" cy="6855840"/>
             <a:chOff x="0" y="0"/>
-            <a:chExt cx="12190320" cy="6856200"/>
+            <a:chExt cx="12189960" cy="6855840"/>
           </a:xfrm>
         </p:grpSpPr>
         <p:pic>
@@ -9541,7 +9541,7 @@
           <p:spPr>
             <a:xfrm>
               <a:off x="0" y="0"/>
-              <a:ext cx="12190320" cy="6856200"/>
+              <a:ext cx="12189960" cy="6855840"/>
             </a:xfrm>
             <a:prstGeom prst="rect">
               <a:avLst/>
@@ -9564,7 +9564,7 @@
           <p:spPr>
             <a:xfrm>
               <a:off x="0" y="0"/>
-              <a:ext cx="12190320" cy="6856200"/>
+              <a:ext cx="12189960" cy="6855840"/>
             </a:xfrm>
             <a:prstGeom prst="rect">
               <a:avLst/>
@@ -9588,7 +9588,7 @@
         <p:spPr>
           <a:xfrm>
             <a:off x="4219200" y="647640"/>
-            <a:ext cx="3752280" cy="1797120"/>
+            <a:ext cx="3751920" cy="1796760"/>
           </a:xfrm>
           <a:prstGeom prst="rect">
             <a:avLst/>
@@ -9607,7 +9607,7 @@
         <p:spPr>
           <a:xfrm>
             <a:off x="2158560" y="2392560"/>
-            <a:ext cx="7872840" cy="1156320"/>
+            <a:ext cx="7872480" cy="1156320"/>
           </a:xfrm>
           <a:prstGeom prst="rect">
             <a:avLst/>
@@ -9664,7 +9664,7 @@
         <p:spPr>
           <a:xfrm>
             <a:off x="2185200" y="3582000"/>
-            <a:ext cx="7872840" cy="699120"/>
+            <a:ext cx="7872480" cy="699120"/>
           </a:xfrm>
           <a:prstGeom prst="rect">
             <a:avLst/>
@@ -9735,7 +9735,7 @@
         <p:spPr>
           <a:xfrm>
             <a:off x="9712800" y="5933520"/>
-            <a:ext cx="2163240" cy="667800"/>
+            <a:ext cx="2162880" cy="667440"/>
           </a:xfrm>
           <a:prstGeom prst="rect">
             <a:avLst/>
@@ -9754,9 +9754,9 @@
         <p:grpSpPr>
           <a:xfrm>
             <a:off x="626400" y="254520"/>
-            <a:ext cx="11249640" cy="981360"/>
+            <a:ext cx="11249280" cy="981000"/>
             <a:chOff x="626400" y="254520"/>
-            <a:chExt cx="11249640" cy="981360"/>
+            <a:chExt cx="11249280" cy="981000"/>
           </a:xfrm>
         </p:grpSpPr>
         <p:pic>
@@ -9772,7 +9772,7 @@
           <p:spPr>
             <a:xfrm>
               <a:off x="10059840" y="254520"/>
-              <a:ext cx="1816200" cy="981360"/>
+              <a:ext cx="1815840" cy="981000"/>
             </a:xfrm>
             <a:prstGeom prst="rect">
               <a:avLst/>
@@ -9795,7 +9795,7 @@
           <p:spPr>
             <a:xfrm>
               <a:off x="626400" y="484200"/>
-              <a:ext cx="1504080" cy="522720"/>
+              <a:ext cx="1503720" cy="522360"/>
             </a:xfrm>
             <a:prstGeom prst="rect">
               <a:avLst/>
@@ -9815,7 +9815,7 @@
         <p:spPr>
           <a:xfrm>
             <a:off x="4545360" y="4447800"/>
-            <a:ext cx="2818080" cy="921600"/>
+            <a:ext cx="2817720" cy="921240"/>
           </a:xfrm>
           <a:prstGeom prst="rect">
             <a:avLst/>
@@ -9947,21 +9947,21 @@
       </p:grpSpPr>
       <p:grpSp>
         <p:nvGrpSpPr>
-          <p:cNvPr id="174" name="Google Shape;266;g1f213c8c16b_0_ 5"/>
+          <p:cNvPr id="176" name="Google Shape;266;g1f213c8c16b_0_ 5"/>
           <p:cNvGrpSpPr/>
           <p:nvPr/>
         </p:nvGrpSpPr>
         <p:grpSpPr>
           <a:xfrm>
-            <a:off x="49320" y="0"/>
-            <a:ext cx="12190320" cy="6856200"/>
-            <a:chOff x="49320" y="0"/>
-            <a:chExt cx="12190320" cy="6856200"/>
+            <a:off x="2160" y="0"/>
+            <a:ext cx="12189960" cy="6855840"/>
+            <a:chOff x="2160" y="0"/>
+            <a:chExt cx="12189960" cy="6855840"/>
           </a:xfrm>
         </p:grpSpPr>
         <p:pic>
           <p:nvPicPr>
-            <p:cNvPr id="175" name="Google Shape;267;g1f213c8c16b_0_ 5" descr=""/>
+            <p:cNvPr id="177" name="Google Shape;267;g1f213c8c16b_0_ 5" descr=""/>
             <p:cNvPicPr/>
             <p:nvPr/>
           </p:nvPicPr>
@@ -9972,8 +9972,8 @@
           </p:blipFill>
           <p:spPr>
             <a:xfrm>
-              <a:off x="49320" y="0"/>
-              <a:ext cx="12190320" cy="6856200"/>
+              <a:off x="2160" y="0"/>
+              <a:ext cx="12189960" cy="6855840"/>
             </a:xfrm>
             <a:prstGeom prst="rect">
               <a:avLst/>
@@ -9985,7 +9985,7 @@
         </p:pic>
         <p:pic>
           <p:nvPicPr>
-            <p:cNvPr id="176" name="Google Shape;268;g1f213c8c16b_0_ 5" descr=""/>
+            <p:cNvPr id="178" name="Google Shape;268;g1f213c8c16b_0_ 5" descr=""/>
             <p:cNvPicPr/>
             <p:nvPr/>
           </p:nvPicPr>
@@ -9995,8 +9995,8 @@
           </p:blipFill>
           <p:spPr>
             <a:xfrm>
-              <a:off x="49320" y="0"/>
-              <a:ext cx="12190320" cy="6856200"/>
+              <a:off x="2160" y="0"/>
+              <a:ext cx="12189960" cy="6855840"/>
             </a:xfrm>
             <a:prstGeom prst="rect">
               <a:avLst/>
@@ -10009,7 +10009,7 @@
       </p:grpSp>
       <p:pic>
         <p:nvPicPr>
-          <p:cNvPr id="177" name="Google Shape;269;g1f213c8c16b_0_ 5" descr=""/>
+          <p:cNvPr id="179" name="Google Shape;269;g1f213c8c16b_0_ 5" descr=""/>
           <p:cNvPicPr/>
           <p:nvPr/>
         </p:nvPicPr>
@@ -10020,7 +10020,7 @@
         <p:spPr>
           <a:xfrm>
             <a:off x="4815360" y="165600"/>
-            <a:ext cx="2337480" cy="1118880"/>
+            <a:ext cx="2337120" cy="1118520"/>
           </a:xfrm>
           <a:prstGeom prst="rect">
             <a:avLst/>
@@ -10032,21 +10032,21 @@
       </p:pic>
       <p:grpSp>
         <p:nvGrpSpPr>
-          <p:cNvPr id="178" name="Google Shape;287;g1f213c8c16b_0_ 5"/>
+          <p:cNvPr id="180" name="Google Shape;287;g1f213c8c16b_0_ 5"/>
           <p:cNvGrpSpPr/>
           <p:nvPr/>
         </p:nvGrpSpPr>
         <p:grpSpPr>
           <a:xfrm>
             <a:off x="626400" y="254520"/>
-            <a:ext cx="11249640" cy="981360"/>
+            <a:ext cx="11249280" cy="981000"/>
             <a:chOff x="626400" y="254520"/>
-            <a:chExt cx="11249640" cy="981360"/>
+            <a:chExt cx="11249280" cy="981000"/>
           </a:xfrm>
         </p:grpSpPr>
         <p:pic>
           <p:nvPicPr>
-            <p:cNvPr id="179" name="Google Shape;288;g1f213c8c16b_0_ 5" descr=""/>
+            <p:cNvPr id="181" name="Google Shape;288;g1f213c8c16b_0_ 5" descr=""/>
             <p:cNvPicPr/>
             <p:nvPr/>
           </p:nvPicPr>
@@ -10057,7 +10057,7 @@
           <p:spPr>
             <a:xfrm>
               <a:off x="10059840" y="254520"/>
-              <a:ext cx="1816200" cy="981360"/>
+              <a:ext cx="1815840" cy="981000"/>
             </a:xfrm>
             <a:prstGeom prst="rect">
               <a:avLst/>
@@ -10069,7 +10069,7 @@
         </p:pic>
         <p:pic>
           <p:nvPicPr>
-            <p:cNvPr id="180" name="Google Shape;289;g1f213c8c16b_0_ 5" descr=""/>
+            <p:cNvPr id="182" name="Google Shape;289;g1f213c8c16b_0_ 5" descr=""/>
             <p:cNvPicPr/>
             <p:nvPr/>
           </p:nvPicPr>
@@ -10080,7 +10080,7 @@
           <p:spPr>
             <a:xfrm>
               <a:off x="626400" y="484200"/>
-              <a:ext cx="1504080" cy="522720"/>
+              <a:ext cx="1503720" cy="522360"/>
             </a:xfrm>
             <a:prstGeom prst="rect">
               <a:avLst/>
@@ -10093,14 +10093,14 @@
       </p:grpSp>
       <p:sp>
         <p:nvSpPr>
-          <p:cNvPr id="181" name="Google Shape;253;g1f213c8c16b_0_ 5"/>
+          <p:cNvPr id="183" name="Google Shape;253;g1f213c8c16b_0_ 5"/>
           <p:cNvSpPr/>
           <p:nvPr/>
         </p:nvSpPr>
         <p:spPr>
           <a:xfrm>
             <a:off x="1440000" y="1080000"/>
-            <a:ext cx="9359280" cy="638280"/>
+            <a:ext cx="9358920" cy="638280"/>
           </a:xfrm>
           <a:prstGeom prst="rect">
             <a:avLst/>
@@ -10156,7 +10156,7 @@
       </p:sp>
       <p:pic>
         <p:nvPicPr>
-          <p:cNvPr id="182" name="" descr=""/>
+          <p:cNvPr id="184" name="" descr=""/>
           <p:cNvPicPr/>
           <p:nvPr/>
         </p:nvPicPr>
@@ -10167,53 +10167,7 @@
         <p:spPr>
           <a:xfrm>
             <a:off x="3960000" y="1800000"/>
-            <a:ext cx="4562280" cy="675360"/>
-          </a:xfrm>
-          <a:prstGeom prst="rect">
-            <a:avLst/>
-          </a:prstGeom>
-          <a:ln w="0">
-            <a:noFill/>
-          </a:ln>
-        </p:spPr>
-      </p:pic>
-      <p:pic>
-        <p:nvPicPr>
-          <p:cNvPr id="183" name="" descr=""/>
-          <p:cNvPicPr/>
-          <p:nvPr/>
-        </p:nvPicPr>
-        <p:blipFill>
-          <a:blip r:embed="rId7"/>
-          <a:stretch/>
-        </p:blipFill>
-        <p:spPr>
-          <a:xfrm>
-            <a:off x="4642560" y="2628720"/>
-            <a:ext cx="3457080" cy="970920"/>
-          </a:xfrm>
-          <a:prstGeom prst="rect">
-            <a:avLst/>
-          </a:prstGeom>
-          <a:ln w="0">
-            <a:noFill/>
-          </a:ln>
-        </p:spPr>
-      </p:pic>
-      <p:pic>
-        <p:nvPicPr>
-          <p:cNvPr id="184" name="" descr=""/>
-          <p:cNvPicPr/>
-          <p:nvPr/>
-        </p:nvPicPr>
-        <p:blipFill>
-          <a:blip r:embed="rId8"/>
-          <a:stretch/>
-        </p:blipFill>
-        <p:spPr>
-          <a:xfrm>
-            <a:off x="3665880" y="3780000"/>
-            <a:ext cx="5333760" cy="685080"/>
+            <a:ext cx="4561920" cy="675000"/>
           </a:xfrm>
           <a:prstGeom prst="rect">
             <a:avLst/>
@@ -10230,13 +10184,59 @@
           <p:nvPr/>
         </p:nvPicPr>
         <p:blipFill>
+          <a:blip r:embed="rId7"/>
+          <a:stretch/>
+        </p:blipFill>
+        <p:spPr>
+          <a:xfrm>
+            <a:off x="4642560" y="2628720"/>
+            <a:ext cx="3456720" cy="970560"/>
+          </a:xfrm>
+          <a:prstGeom prst="rect">
+            <a:avLst/>
+          </a:prstGeom>
+          <a:ln w="0">
+            <a:noFill/>
+          </a:ln>
+        </p:spPr>
+      </p:pic>
+      <p:pic>
+        <p:nvPicPr>
+          <p:cNvPr id="186" name="" descr=""/>
+          <p:cNvPicPr/>
+          <p:nvPr/>
+        </p:nvPicPr>
+        <p:blipFill>
+          <a:blip r:embed="rId8"/>
+          <a:stretch/>
+        </p:blipFill>
+        <p:spPr>
+          <a:xfrm>
+            <a:off x="3420000" y="3780000"/>
+            <a:ext cx="5333400" cy="684720"/>
+          </a:xfrm>
+          <a:prstGeom prst="rect">
+            <a:avLst/>
+          </a:prstGeom>
+          <a:ln w="0">
+            <a:noFill/>
+          </a:ln>
+        </p:spPr>
+      </p:pic>
+      <p:pic>
+        <p:nvPicPr>
+          <p:cNvPr id="187" name="" descr=""/>
+          <p:cNvPicPr/>
+          <p:nvPr/>
+        </p:nvPicPr>
+        <p:blipFill>
           <a:blip r:embed="rId9"/>
           <a:stretch/>
         </p:blipFill>
         <p:spPr>
           <a:xfrm>
             <a:off x="5600160" y="4557240"/>
-            <a:ext cx="1599480" cy="1742400"/>
+            <a:ext cx="1599120" cy="1742040"/>
           </a:xfrm>
           <a:prstGeom prst="rect">
             <a:avLst/>
@@ -10246,6 +10246,65 @@
           </a:ln>
         </p:spPr>
       </p:pic>
+      <p:sp>
+        <p:nvSpPr>
+          <p:cNvPr id="188" name=""/>
+          <p:cNvSpPr txBox="1"/>
+          <p:nvPr/>
+        </p:nvSpPr>
+        <p:spPr>
+          <a:xfrm>
+            <a:off x="1620000" y="5040000"/>
+            <a:ext cx="1183680" cy="602280"/>
+          </a:xfrm>
+          <a:prstGeom prst="rect">
+            <a:avLst/>
+          </a:prstGeom>
+          <a:noFill/>
+          <a:ln w="0">
+            <a:noFill/>
+          </a:ln>
+        </p:spPr>
+        <p:txBody>
+          <a:bodyPr wrap="none" lIns="90000" rIns="90000" tIns="45000" bIns="45000" anchor="t">
+            <a:noAutofit/>
+          </a:bodyPr>
+          <a:p>
+            <a:r>
+              <a:rPr b="0" lang="es-CO" sz="1800" spc="-1" strike="noStrike">
+                <a:solidFill>
+                  <a:srgbClr val="ffffd7"/>
+                </a:solidFill>
+                <a:latin typeface="Arial"/>
+              </a:rPr>
+              <a:t>&lt;br&gt;&lt;/br&gt;</a:t>
+            </a:r>
+            <a:endParaRPr b="0" lang="es-CO" sz="1800" spc="-1" strike="noStrike">
+              <a:solidFill>
+                <a:srgbClr val="ffffd7"/>
+              </a:solidFill>
+              <a:latin typeface="Arial"/>
+            </a:endParaRPr>
+          </a:p>
+          <a:p>
+            <a:r>
+              <a:rPr b="0" lang="es-CO" sz="1800" spc="-1" strike="noStrike">
+                <a:solidFill>
+                  <a:srgbClr val="ffffd7"/>
+                </a:solidFill>
+                <a:latin typeface="Arial"/>
+              </a:rPr>
+              <a:t>&lt;br/&gt;</a:t>
+            </a:r>
+            <a:endParaRPr b="0" lang="es-CO" sz="1800" spc="-1" strike="noStrike">
+              <a:solidFill>
+                <a:srgbClr val="ffffd7"/>
+              </a:solidFill>
+              <a:latin typeface="Arial"/>
+            </a:endParaRPr>
+          </a:p>
+        </p:txBody>
+      </p:sp>
     </p:spTree>
   </p:cSld>
   <mc:AlternateContent>
@@ -10278,21 +10337,21 @@
       </p:grpSpPr>
       <p:grpSp>
         <p:nvGrpSpPr>
-          <p:cNvPr id="186" name="Google Shape;266;g1f213c8c16b_0_ 7"/>
+          <p:cNvPr id="189" name="Google Shape;266;g1f213c8c16b_0_ 7"/>
           <p:cNvGrpSpPr/>
           <p:nvPr/>
         </p:nvGrpSpPr>
         <p:grpSpPr>
           <a:xfrm>
             <a:off x="49320" y="0"/>
-            <a:ext cx="12190320" cy="6856200"/>
+            <a:ext cx="12189960" cy="6855840"/>
             <a:chOff x="49320" y="0"/>
-            <a:chExt cx="12190320" cy="6856200"/>
+            <a:chExt cx="12189960" cy="6855840"/>
           </a:xfrm>
         </p:grpSpPr>
         <p:pic>
           <p:nvPicPr>
-            <p:cNvPr id="187" name="Google Shape;267;g1f213c8c16b_0_ 7" descr=""/>
+            <p:cNvPr id="190" name="Google Shape;267;g1f213c8c16b_0_ 7" descr=""/>
             <p:cNvPicPr/>
             <p:nvPr/>
           </p:nvPicPr>
@@ -10304,7 +10363,7 @@
           <p:spPr>
             <a:xfrm>
               <a:off x="49320" y="0"/>
-              <a:ext cx="12190320" cy="6856200"/>
+              <a:ext cx="12189960" cy="6855840"/>
             </a:xfrm>
             <a:prstGeom prst="rect">
               <a:avLst/>
@@ -10316,7 +10375,7 @@
         </p:pic>
         <p:pic>
           <p:nvPicPr>
-            <p:cNvPr id="188" name="Google Shape;268;g1f213c8c16b_0_ 7" descr=""/>
+            <p:cNvPr id="191" name="Google Shape;268;g1f213c8c16b_0_ 7" descr=""/>
             <p:cNvPicPr/>
             <p:nvPr/>
           </p:nvPicPr>
@@ -10327,7 +10386,7 @@
           <p:spPr>
             <a:xfrm>
               <a:off x="49320" y="0"/>
-              <a:ext cx="12190320" cy="6856200"/>
+              <a:ext cx="12189960" cy="6855840"/>
             </a:xfrm>
             <a:prstGeom prst="rect">
               <a:avLst/>
@@ -10340,7 +10399,7 @@
       </p:grpSp>
       <p:pic>
         <p:nvPicPr>
-          <p:cNvPr id="189" name="Google Shape;269;g1f213c8c16b_0_ 7" descr=""/>
+          <p:cNvPr id="192" name="Google Shape;269;g1f213c8c16b_0_ 7" descr=""/>
           <p:cNvPicPr/>
           <p:nvPr/>
         </p:nvPicPr>
@@ -10351,7 +10410,7 @@
         <p:spPr>
           <a:xfrm>
             <a:off x="4815360" y="165600"/>
-            <a:ext cx="2337480" cy="1118880"/>
+            <a:ext cx="2337120" cy="1118520"/>
           </a:xfrm>
           <a:prstGeom prst="rect">
             <a:avLst/>
@@ -10363,21 +10422,21 @@
       </p:pic>
       <p:grpSp>
         <p:nvGrpSpPr>
-          <p:cNvPr id="190" name="Google Shape;287;g1f213c8c16b_0_ 7"/>
+          <p:cNvPr id="193" name="Google Shape;287;g1f213c8c16b_0_ 7"/>
           <p:cNvGrpSpPr/>
           <p:nvPr/>
         </p:nvGrpSpPr>
         <p:grpSpPr>
           <a:xfrm>
             <a:off x="626400" y="254520"/>
-            <a:ext cx="11249640" cy="981360"/>
+            <a:ext cx="11249280" cy="981000"/>
             <a:chOff x="626400" y="254520"/>
-            <a:chExt cx="11249640" cy="981360"/>
+            <a:chExt cx="11249280" cy="981000"/>
           </a:xfrm>
         </p:grpSpPr>
         <p:pic>
           <p:nvPicPr>
-            <p:cNvPr id="191" name="Google Shape;288;g1f213c8c16b_0_ 7" descr=""/>
+            <p:cNvPr id="194" name="Google Shape;288;g1f213c8c16b_0_ 7" descr=""/>
             <p:cNvPicPr/>
             <p:nvPr/>
           </p:nvPicPr>
@@ -10388,7 +10447,7 @@
           <p:spPr>
             <a:xfrm>
               <a:off x="10059840" y="254520"/>
-              <a:ext cx="1816200" cy="981360"/>
+              <a:ext cx="1815840" cy="981000"/>
             </a:xfrm>
             <a:prstGeom prst="rect">
               <a:avLst/>
@@ -10400,7 +10459,7 @@
         </p:pic>
         <p:pic>
           <p:nvPicPr>
-            <p:cNvPr id="192" name="Google Shape;289;g1f213c8c16b_0_ 7" descr=""/>
+            <p:cNvPr id="195" name="Google Shape;289;g1f213c8c16b_0_ 7" descr=""/>
             <p:cNvPicPr/>
             <p:nvPr/>
           </p:nvPicPr>
@@ -10411,7 +10470,7 @@
           <p:spPr>
             <a:xfrm>
               <a:off x="626400" y="484200"/>
-              <a:ext cx="1504080" cy="522720"/>
+              <a:ext cx="1503720" cy="522360"/>
             </a:xfrm>
             <a:prstGeom prst="rect">
               <a:avLst/>
@@ -10424,14 +10483,14 @@
       </p:grpSp>
       <p:sp>
         <p:nvSpPr>
-          <p:cNvPr id="193" name="Google Shape;253;g1f213c8c16b_0_ 7"/>
+          <p:cNvPr id="196" name="Google Shape;253;g1f213c8c16b_0_ 7"/>
           <p:cNvSpPr/>
           <p:nvPr/>
         </p:nvSpPr>
         <p:spPr>
           <a:xfrm>
             <a:off x="1440000" y="1080000"/>
-            <a:ext cx="9359280" cy="638280"/>
+            <a:ext cx="9358920" cy="638280"/>
           </a:xfrm>
           <a:prstGeom prst="rect">
             <a:avLst/>
@@ -10487,19 +10546,19 @@
       </p:sp>
       <p:pic>
         <p:nvPicPr>
-          <p:cNvPr id="194" name="" descr=""/>
+          <p:cNvPr id="197" name="" descr=""/>
           <p:cNvPicPr/>
           <p:nvPr/>
         </p:nvPicPr>
         <p:blipFill>
           <a:blip r:embed="rId6"/>
-          <a:srcRect l="21541" t="20856" r="14025" b="34615"/>
+          <a:srcRect l="21537" t="20856" r="14025" b="34607"/>
           <a:stretch/>
         </p:blipFill>
         <p:spPr>
           <a:xfrm>
             <a:off x="360000" y="1980360"/>
-            <a:ext cx="4859280" cy="1979280"/>
+            <a:ext cx="4858920" cy="1978920"/>
           </a:xfrm>
           <a:prstGeom prst="rect">
             <a:avLst/>
@@ -10511,7 +10570,7 @@
       </p:pic>
       <p:pic>
         <p:nvPicPr>
-          <p:cNvPr id="195" name="" descr=""/>
+          <p:cNvPr id="198" name="" descr=""/>
           <p:cNvPicPr/>
           <p:nvPr/>
         </p:nvPicPr>
@@ -10522,7 +10581,7 @@
         <p:spPr>
           <a:xfrm>
             <a:off x="6626880" y="1986120"/>
-            <a:ext cx="4352760" cy="713520"/>
+            <a:ext cx="4352400" cy="713160"/>
           </a:xfrm>
           <a:prstGeom prst="rect">
             <a:avLst/>
@@ -10534,7 +10593,7 @@
       </p:pic>
       <p:pic>
         <p:nvPicPr>
-          <p:cNvPr id="196" name="" descr=""/>
+          <p:cNvPr id="199" name="" descr=""/>
           <p:cNvPicPr/>
           <p:nvPr/>
         </p:nvPicPr>
@@ -10545,7 +10604,7 @@
         <p:spPr>
           <a:xfrm>
             <a:off x="5775120" y="3162600"/>
-            <a:ext cx="5924520" cy="675360"/>
+            <a:ext cx="5924160" cy="675000"/>
           </a:xfrm>
           <a:prstGeom prst="rect">
             <a:avLst/>
@@ -10557,7 +10616,7 @@
       </p:pic>
       <p:pic>
         <p:nvPicPr>
-          <p:cNvPr id="197" name="" descr=""/>
+          <p:cNvPr id="200" name="" descr=""/>
           <p:cNvPicPr/>
           <p:nvPr/>
         </p:nvPicPr>
@@ -10568,7 +10627,7 @@
         <p:spPr>
           <a:xfrm>
             <a:off x="6660000" y="4354560"/>
-            <a:ext cx="4438440" cy="685080"/>
+            <a:ext cx="4438080" cy="684720"/>
           </a:xfrm>
           <a:prstGeom prst="rect">
             <a:avLst/>
@@ -10610,21 +10669,21 @@
       </p:grpSpPr>
       <p:grpSp>
         <p:nvGrpSpPr>
-          <p:cNvPr id="198" name="Google Shape;266;g1f213c8c16b_0_ 8"/>
+          <p:cNvPr id="201" name="Google Shape;266;g1f213c8c16b_0_ 8"/>
           <p:cNvGrpSpPr/>
           <p:nvPr/>
         </p:nvGrpSpPr>
         <p:grpSpPr>
           <a:xfrm>
             <a:off x="49320" y="0"/>
-            <a:ext cx="12190320" cy="6856200"/>
+            <a:ext cx="12189960" cy="6855840"/>
             <a:chOff x="49320" y="0"/>
-            <a:chExt cx="12190320" cy="6856200"/>
+            <a:chExt cx="12189960" cy="6855840"/>
           </a:xfrm>
         </p:grpSpPr>
         <p:pic>
           <p:nvPicPr>
-            <p:cNvPr id="199" name="Google Shape;267;g1f213c8c16b_0_ 8" descr=""/>
+            <p:cNvPr id="202" name="Google Shape;267;g1f213c8c16b_0_ 8" descr=""/>
             <p:cNvPicPr/>
             <p:nvPr/>
           </p:nvPicPr>
@@ -10636,7 +10695,7 @@
           <p:spPr>
             <a:xfrm>
               <a:off x="49320" y="0"/>
-              <a:ext cx="12190320" cy="6856200"/>
+              <a:ext cx="12189960" cy="6855840"/>
             </a:xfrm>
             <a:prstGeom prst="rect">
               <a:avLst/>
@@ -10648,7 +10707,7 @@
         </p:pic>
         <p:pic>
           <p:nvPicPr>
-            <p:cNvPr id="200" name="Google Shape;268;g1f213c8c16b_0_ 8" descr=""/>
+            <p:cNvPr id="203" name="Google Shape;268;g1f213c8c16b_0_ 8" descr=""/>
             <p:cNvPicPr/>
             <p:nvPr/>
           </p:nvPicPr>
@@ -10659,7 +10718,7 @@
           <p:spPr>
             <a:xfrm>
               <a:off x="49320" y="0"/>
-              <a:ext cx="12190320" cy="6856200"/>
+              <a:ext cx="12189960" cy="6855840"/>
             </a:xfrm>
             <a:prstGeom prst="rect">
               <a:avLst/>
@@ -10672,7 +10731,7 @@
       </p:grpSp>
       <p:pic>
         <p:nvPicPr>
-          <p:cNvPr id="201" name="Google Shape;269;g1f213c8c16b_0_ 8" descr=""/>
+          <p:cNvPr id="204" name="Google Shape;269;g1f213c8c16b_0_ 8" descr=""/>
           <p:cNvPicPr/>
           <p:nvPr/>
         </p:nvPicPr>
@@ -10683,7 +10742,7 @@
         <p:spPr>
           <a:xfrm>
             <a:off x="4815360" y="165600"/>
-            <a:ext cx="2337480" cy="1118880"/>
+            <a:ext cx="2337120" cy="1118520"/>
           </a:xfrm>
           <a:prstGeom prst="rect">
             <a:avLst/>
@@ -10695,21 +10754,21 @@
       </p:pic>
       <p:grpSp>
         <p:nvGrpSpPr>
-          <p:cNvPr id="202" name="Google Shape;287;g1f213c8c16b_0_ 8"/>
+          <p:cNvPr id="205" name="Google Shape;287;g1f213c8c16b_0_ 8"/>
           <p:cNvGrpSpPr/>
           <p:nvPr/>
         </p:nvGrpSpPr>
         <p:grpSpPr>
           <a:xfrm>
             <a:off x="626400" y="254520"/>
-            <a:ext cx="11249640" cy="981360"/>
+            <a:ext cx="11249280" cy="981000"/>
             <a:chOff x="626400" y="254520"/>
-            <a:chExt cx="11249640" cy="981360"/>
+            <a:chExt cx="11249280" cy="981000"/>
           </a:xfrm>
         </p:grpSpPr>
         <p:pic>
           <p:nvPicPr>
-            <p:cNvPr id="203" name="Google Shape;288;g1f213c8c16b_0_ 8" descr=""/>
+            <p:cNvPr id="206" name="Google Shape;288;g1f213c8c16b_0_ 8" descr=""/>
             <p:cNvPicPr/>
             <p:nvPr/>
           </p:nvPicPr>
@@ -10720,7 +10779,7 @@
           <p:spPr>
             <a:xfrm>
               <a:off x="10059840" y="254520"/>
-              <a:ext cx="1816200" cy="981360"/>
+              <a:ext cx="1815840" cy="981000"/>
             </a:xfrm>
             <a:prstGeom prst="rect">
               <a:avLst/>
@@ -10732,7 +10791,7 @@
         </p:pic>
         <p:pic>
           <p:nvPicPr>
-            <p:cNvPr id="204" name="Google Shape;289;g1f213c8c16b_0_ 8" descr=""/>
+            <p:cNvPr id="207" name="Google Shape;289;g1f213c8c16b_0_ 8" descr=""/>
             <p:cNvPicPr/>
             <p:nvPr/>
           </p:nvPicPr>
@@ -10743,7 +10802,7 @@
           <p:spPr>
             <a:xfrm>
               <a:off x="626400" y="484200"/>
-              <a:ext cx="1504080" cy="522720"/>
+              <a:ext cx="1503720" cy="522360"/>
             </a:xfrm>
             <a:prstGeom prst="rect">
               <a:avLst/>
@@ -10756,14 +10815,14 @@
       </p:grpSp>
       <p:sp>
         <p:nvSpPr>
-          <p:cNvPr id="205" name="Google Shape;253;g1f213c8c16b_0_ 8"/>
+          <p:cNvPr id="208" name="Google Shape;253;g1f213c8c16b_0_ 8"/>
           <p:cNvSpPr/>
           <p:nvPr/>
         </p:nvSpPr>
         <p:spPr>
           <a:xfrm>
             <a:off x="1440000" y="1080000"/>
-            <a:ext cx="9359280" cy="638280"/>
+            <a:ext cx="9358920" cy="638280"/>
           </a:xfrm>
           <a:prstGeom prst="rect">
             <a:avLst/>
@@ -10819,7 +10878,7 @@
       </p:sp>
       <p:pic>
         <p:nvPicPr>
-          <p:cNvPr id="206" name="" descr=""/>
+          <p:cNvPr id="209" name="" descr=""/>
           <p:cNvPicPr/>
           <p:nvPr/>
         </p:nvPicPr>
@@ -10830,7 +10889,7 @@
         <p:spPr>
           <a:xfrm>
             <a:off x="3962880" y="2347560"/>
-            <a:ext cx="4285440" cy="3656880"/>
+            <a:ext cx="4285080" cy="3656520"/>
           </a:xfrm>
           <a:prstGeom prst="rect">
             <a:avLst/>
@@ -10872,21 +10931,21 @@
       </p:grpSpPr>
       <p:grpSp>
         <p:nvGrpSpPr>
-          <p:cNvPr id="207" name="Google Shape;266;g1f213c8c16b_0_ 11"/>
+          <p:cNvPr id="210" name="Google Shape;266;g1f213c8c16b_0_ 11"/>
           <p:cNvGrpSpPr/>
           <p:nvPr/>
         </p:nvGrpSpPr>
         <p:grpSpPr>
           <a:xfrm>
             <a:off x="49320" y="0"/>
-            <a:ext cx="12190320" cy="6856200"/>
+            <a:ext cx="12189960" cy="6855840"/>
             <a:chOff x="49320" y="0"/>
-            <a:chExt cx="12190320" cy="6856200"/>
+            <a:chExt cx="12189960" cy="6855840"/>
           </a:xfrm>
         </p:grpSpPr>
         <p:pic>
           <p:nvPicPr>
-            <p:cNvPr id="208" name="Google Shape;267;g1f213c8c16b_0_ 11" descr=""/>
+            <p:cNvPr id="211" name="Google Shape;267;g1f213c8c16b_0_ 11" descr=""/>
             <p:cNvPicPr/>
             <p:nvPr/>
           </p:nvPicPr>
@@ -10898,7 +10957,7 @@
           <p:spPr>
             <a:xfrm>
               <a:off x="49320" y="0"/>
-              <a:ext cx="12190320" cy="6856200"/>
+              <a:ext cx="12189960" cy="6855840"/>
             </a:xfrm>
             <a:prstGeom prst="rect">
               <a:avLst/>
@@ -10910,7 +10969,7 @@
         </p:pic>
         <p:pic>
           <p:nvPicPr>
-            <p:cNvPr id="209" name="Google Shape;268;g1f213c8c16b_0_ 11" descr=""/>
+            <p:cNvPr id="212" name="Google Shape;268;g1f213c8c16b_0_ 11" descr=""/>
             <p:cNvPicPr/>
             <p:nvPr/>
           </p:nvPicPr>
@@ -10921,7 +10980,7 @@
           <p:spPr>
             <a:xfrm>
               <a:off x="49320" y="0"/>
-              <a:ext cx="12190320" cy="6856200"/>
+              <a:ext cx="12189960" cy="6855840"/>
             </a:xfrm>
             <a:prstGeom prst="rect">
               <a:avLst/>
@@ -10934,7 +10993,7 @@
       </p:grpSp>
       <p:pic>
         <p:nvPicPr>
-          <p:cNvPr id="210" name="Google Shape;269;g1f213c8c16b_0_ 11" descr=""/>
+          <p:cNvPr id="213" name="Google Shape;269;g1f213c8c16b_0_ 11" descr=""/>
           <p:cNvPicPr/>
           <p:nvPr/>
         </p:nvPicPr>
@@ -10945,7 +11004,7 @@
         <p:spPr>
           <a:xfrm>
             <a:off x="4815360" y="165600"/>
-            <a:ext cx="2337480" cy="1118880"/>
+            <a:ext cx="2337120" cy="1118520"/>
           </a:xfrm>
           <a:prstGeom prst="rect">
             <a:avLst/>
@@ -10957,21 +11016,21 @@
       </p:pic>
       <p:grpSp>
         <p:nvGrpSpPr>
-          <p:cNvPr id="211" name="Google Shape;287;g1f213c8c16b_0_ 11"/>
+          <p:cNvPr id="214" name="Google Shape;287;g1f213c8c16b_0_ 11"/>
           <p:cNvGrpSpPr/>
           <p:nvPr/>
         </p:nvGrpSpPr>
         <p:grpSpPr>
           <a:xfrm>
             <a:off x="626400" y="254520"/>
-            <a:ext cx="11249640" cy="981360"/>
+            <a:ext cx="11249280" cy="981000"/>
             <a:chOff x="626400" y="254520"/>
-            <a:chExt cx="11249640" cy="981360"/>
+            <a:chExt cx="11249280" cy="981000"/>
           </a:xfrm>
         </p:grpSpPr>
         <p:pic>
           <p:nvPicPr>
-            <p:cNvPr id="212" name="Google Shape;288;g1f213c8c16b_0_ 11" descr=""/>
+            <p:cNvPr id="215" name="Google Shape;288;g1f213c8c16b_0_ 11" descr=""/>
             <p:cNvPicPr/>
             <p:nvPr/>
           </p:nvPicPr>
@@ -10982,7 +11041,7 @@
           <p:spPr>
             <a:xfrm>
               <a:off x="10059840" y="254520"/>
-              <a:ext cx="1816200" cy="981360"/>
+              <a:ext cx="1815840" cy="981000"/>
             </a:xfrm>
             <a:prstGeom prst="rect">
               <a:avLst/>
@@ -10994,7 +11053,7 @@
         </p:pic>
         <p:pic>
           <p:nvPicPr>
-            <p:cNvPr id="213" name="Google Shape;289;g1f213c8c16b_0_ 11" descr=""/>
+            <p:cNvPr id="216" name="Google Shape;289;g1f213c8c16b_0_ 11" descr=""/>
             <p:cNvPicPr/>
             <p:nvPr/>
           </p:nvPicPr>
@@ -11005,7 +11064,7 @@
           <p:spPr>
             <a:xfrm>
               <a:off x="626400" y="484200"/>
-              <a:ext cx="1504080" cy="522720"/>
+              <a:ext cx="1503720" cy="522360"/>
             </a:xfrm>
             <a:prstGeom prst="rect">
               <a:avLst/>
@@ -11018,14 +11077,14 @@
       </p:grpSp>
       <p:sp>
         <p:nvSpPr>
-          <p:cNvPr id="214" name="Google Shape;253;g1f213c8c16b_0_ 11"/>
+          <p:cNvPr id="217" name="Google Shape;253;g1f213c8c16b_0_ 11"/>
           <p:cNvSpPr/>
           <p:nvPr/>
         </p:nvSpPr>
         <p:spPr>
           <a:xfrm>
             <a:off x="1440000" y="1080000"/>
-            <a:ext cx="9359280" cy="638280"/>
+            <a:ext cx="9358920" cy="638280"/>
           </a:xfrm>
           <a:prstGeom prst="rect">
             <a:avLst/>
@@ -11081,7 +11140,7 @@
       </p:sp>
       <p:pic>
         <p:nvPicPr>
-          <p:cNvPr id="215" name="" descr=""/>
+          <p:cNvPr id="218" name="" descr=""/>
           <p:cNvPicPr/>
           <p:nvPr/>
         </p:nvPicPr>
@@ -11092,7 +11151,7 @@
         <p:spPr>
           <a:xfrm>
             <a:off x="900000" y="3461040"/>
-            <a:ext cx="3733200" cy="1218600"/>
+            <a:ext cx="3732840" cy="1218240"/>
           </a:xfrm>
           <a:prstGeom prst="rect">
             <a:avLst/>
@@ -11104,7 +11163,7 @@
       </p:pic>
       <p:pic>
         <p:nvPicPr>
-          <p:cNvPr id="216" name="" descr=""/>
+          <p:cNvPr id="219" name="" descr=""/>
           <p:cNvPicPr/>
           <p:nvPr/>
         </p:nvPicPr>
@@ -11115,7 +11174,7 @@
         <p:spPr>
           <a:xfrm>
             <a:off x="6300000" y="2266560"/>
-            <a:ext cx="4812840" cy="3313080"/>
+            <a:ext cx="4812480" cy="3312720"/>
           </a:xfrm>
           <a:prstGeom prst="rect">
             <a:avLst/>
@@ -11157,21 +11216,21 @@
       </p:grpSpPr>
       <p:grpSp>
         <p:nvGrpSpPr>
-          <p:cNvPr id="217" name="Google Shape;266;g1f213c8c16b_0_ 9"/>
+          <p:cNvPr id="220" name="Google Shape;266;g1f213c8c16b_0_ 9"/>
           <p:cNvGrpSpPr/>
           <p:nvPr/>
         </p:nvGrpSpPr>
         <p:grpSpPr>
           <a:xfrm>
             <a:off x="49320" y="0"/>
-            <a:ext cx="12190320" cy="6856200"/>
+            <a:ext cx="12189960" cy="6855840"/>
             <a:chOff x="49320" y="0"/>
-            <a:chExt cx="12190320" cy="6856200"/>
+            <a:chExt cx="12189960" cy="6855840"/>
           </a:xfrm>
         </p:grpSpPr>
         <p:pic>
           <p:nvPicPr>
-            <p:cNvPr id="218" name="Google Shape;267;g1f213c8c16b_0_ 9" descr=""/>
+            <p:cNvPr id="221" name="Google Shape;267;g1f213c8c16b_0_ 9" descr=""/>
             <p:cNvPicPr/>
             <p:nvPr/>
           </p:nvPicPr>
@@ -11183,7 +11242,7 @@
           <p:spPr>
             <a:xfrm>
               <a:off x="49320" y="0"/>
-              <a:ext cx="12190320" cy="6856200"/>
+              <a:ext cx="12189960" cy="6855840"/>
             </a:xfrm>
             <a:prstGeom prst="rect">
               <a:avLst/>
@@ -11195,7 +11254,7 @@
         </p:pic>
         <p:pic>
           <p:nvPicPr>
-            <p:cNvPr id="219" name="Google Shape;268;g1f213c8c16b_0_ 9" descr=""/>
+            <p:cNvPr id="222" name="Google Shape;268;g1f213c8c16b_0_ 9" descr=""/>
             <p:cNvPicPr/>
             <p:nvPr/>
           </p:nvPicPr>
@@ -11206,7 +11265,7 @@
           <p:spPr>
             <a:xfrm>
               <a:off x="49320" y="0"/>
-              <a:ext cx="12190320" cy="6856200"/>
+              <a:ext cx="12189960" cy="6855840"/>
             </a:xfrm>
             <a:prstGeom prst="rect">
               <a:avLst/>
@@ -11219,7 +11278,7 @@
       </p:grpSp>
       <p:pic>
         <p:nvPicPr>
-          <p:cNvPr id="220" name="Google Shape;269;g1f213c8c16b_0_ 9" descr=""/>
+          <p:cNvPr id="223" name="Google Shape;269;g1f213c8c16b_0_ 9" descr=""/>
           <p:cNvPicPr/>
           <p:nvPr/>
         </p:nvPicPr>
@@ -11230,7 +11289,7 @@
         <p:spPr>
           <a:xfrm>
             <a:off x="4815360" y="165600"/>
-            <a:ext cx="2337480" cy="1118880"/>
+            <a:ext cx="2337120" cy="1118520"/>
           </a:xfrm>
           <a:prstGeom prst="rect">
             <a:avLst/>
@@ -11242,21 +11301,21 @@
       </p:pic>
       <p:grpSp>
         <p:nvGrpSpPr>
-          <p:cNvPr id="221" name="Google Shape;287;g1f213c8c16b_0_ 9"/>
+          <p:cNvPr id="224" name="Google Shape;287;g1f213c8c16b_0_ 9"/>
           <p:cNvGrpSpPr/>
           <p:nvPr/>
         </p:nvGrpSpPr>
         <p:grpSpPr>
           <a:xfrm>
             <a:off x="626400" y="254520"/>
-            <a:ext cx="11249640" cy="981360"/>
+            <a:ext cx="11249280" cy="981000"/>
             <a:chOff x="626400" y="254520"/>
-            <a:chExt cx="11249640" cy="981360"/>
+            <a:chExt cx="11249280" cy="981000"/>
           </a:xfrm>
         </p:grpSpPr>
         <p:pic>
           <p:nvPicPr>
-            <p:cNvPr id="222" name="Google Shape;288;g1f213c8c16b_0_ 9" descr=""/>
+            <p:cNvPr id="225" name="Google Shape;288;g1f213c8c16b_0_ 9" descr=""/>
             <p:cNvPicPr/>
             <p:nvPr/>
           </p:nvPicPr>
@@ -11267,7 +11326,7 @@
           <p:spPr>
             <a:xfrm>
               <a:off x="10059840" y="254520"/>
-              <a:ext cx="1816200" cy="981360"/>
+              <a:ext cx="1815840" cy="981000"/>
             </a:xfrm>
             <a:prstGeom prst="rect">
               <a:avLst/>
@@ -11279,7 +11338,7 @@
         </p:pic>
         <p:pic>
           <p:nvPicPr>
-            <p:cNvPr id="223" name="Google Shape;289;g1f213c8c16b_0_ 9" descr=""/>
+            <p:cNvPr id="226" name="Google Shape;289;g1f213c8c16b_0_ 9" descr=""/>
             <p:cNvPicPr/>
             <p:nvPr/>
           </p:nvPicPr>
@@ -11290,7 +11349,7 @@
           <p:spPr>
             <a:xfrm>
               <a:off x="626400" y="484200"/>
-              <a:ext cx="1504080" cy="522720"/>
+              <a:ext cx="1503720" cy="522360"/>
             </a:xfrm>
             <a:prstGeom prst="rect">
               <a:avLst/>
@@ -11303,14 +11362,14 @@
       </p:grpSp>
       <p:sp>
         <p:nvSpPr>
-          <p:cNvPr id="224" name="Google Shape;253;g1f213c8c16b_0_ 9"/>
+          <p:cNvPr id="227" name="Google Shape;253;g1f213c8c16b_0_ 9"/>
           <p:cNvSpPr/>
           <p:nvPr/>
         </p:nvSpPr>
         <p:spPr>
           <a:xfrm>
             <a:off x="1440000" y="1080000"/>
-            <a:ext cx="9359280" cy="638280"/>
+            <a:ext cx="9358920" cy="638280"/>
           </a:xfrm>
           <a:prstGeom prst="rect">
             <a:avLst/>
@@ -11366,7 +11425,7 @@
       </p:sp>
       <p:pic>
         <p:nvPicPr>
-          <p:cNvPr id="225" name="" descr=""/>
+          <p:cNvPr id="228" name="" descr=""/>
           <p:cNvPicPr/>
           <p:nvPr/>
         </p:nvPicPr>
@@ -11377,7 +11436,7 @@
         <p:spPr>
           <a:xfrm>
             <a:off x="3780000" y="2160000"/>
-            <a:ext cx="5006520" cy="2230200"/>
+            <a:ext cx="5006160" cy="2229840"/>
           </a:xfrm>
           <a:prstGeom prst="rect">
             <a:avLst/>
@@ -11419,21 +11478,21 @@
       </p:grpSpPr>
       <p:grpSp>
         <p:nvGrpSpPr>
-          <p:cNvPr id="226" name="Google Shape;266;g1f213c8c16b_0_ 12"/>
+          <p:cNvPr id="229" name="Google Shape;266;g1f213c8c16b_0_ 12"/>
           <p:cNvGrpSpPr/>
           <p:nvPr/>
         </p:nvGrpSpPr>
         <p:grpSpPr>
           <a:xfrm>
             <a:off x="49320" y="0"/>
-            <a:ext cx="12190320" cy="6856200"/>
+            <a:ext cx="12189960" cy="6855840"/>
             <a:chOff x="49320" y="0"/>
-            <a:chExt cx="12190320" cy="6856200"/>
+            <a:chExt cx="12189960" cy="6855840"/>
           </a:xfrm>
         </p:grpSpPr>
         <p:pic>
           <p:nvPicPr>
-            <p:cNvPr id="227" name="Google Shape;267;g1f213c8c16b_0_ 12" descr=""/>
+            <p:cNvPr id="230" name="Google Shape;267;g1f213c8c16b_0_ 12" descr=""/>
             <p:cNvPicPr/>
             <p:nvPr/>
           </p:nvPicPr>
@@ -11445,7 +11504,7 @@
           <p:spPr>
             <a:xfrm>
               <a:off x="49320" y="0"/>
-              <a:ext cx="12190320" cy="6856200"/>
+              <a:ext cx="12189960" cy="6855840"/>
             </a:xfrm>
             <a:prstGeom prst="rect">
               <a:avLst/>
@@ -11457,7 +11516,7 @@
         </p:pic>
         <p:pic>
           <p:nvPicPr>
-            <p:cNvPr id="228" name="Google Shape;268;g1f213c8c16b_0_ 12" descr=""/>
+            <p:cNvPr id="231" name="Google Shape;268;g1f213c8c16b_0_ 12" descr=""/>
             <p:cNvPicPr/>
             <p:nvPr/>
           </p:nvPicPr>
@@ -11468,7 +11527,7 @@
           <p:spPr>
             <a:xfrm>
               <a:off x="49320" y="0"/>
-              <a:ext cx="12190320" cy="6856200"/>
+              <a:ext cx="12189960" cy="6855840"/>
             </a:xfrm>
             <a:prstGeom prst="rect">
               <a:avLst/>
@@ -11481,7 +11540,7 @@
       </p:grpSp>
       <p:pic>
         <p:nvPicPr>
-          <p:cNvPr id="229" name="Google Shape;269;g1f213c8c16b_0_ 12" descr=""/>
+          <p:cNvPr id="232" name="Google Shape;269;g1f213c8c16b_0_ 12" descr=""/>
           <p:cNvPicPr/>
           <p:nvPr/>
         </p:nvPicPr>
@@ -11492,7 +11551,7 @@
         <p:spPr>
           <a:xfrm>
             <a:off x="4815360" y="165600"/>
-            <a:ext cx="2337480" cy="1118880"/>
+            <a:ext cx="2337120" cy="1118520"/>
           </a:xfrm>
           <a:prstGeom prst="rect">
             <a:avLst/>
@@ -11504,21 +11563,21 @@
       </p:pic>
       <p:grpSp>
         <p:nvGrpSpPr>
-          <p:cNvPr id="230" name="Google Shape;287;g1f213c8c16b_0_ 12"/>
+          <p:cNvPr id="233" name="Google Shape;287;g1f213c8c16b_0_ 12"/>
           <p:cNvGrpSpPr/>
           <p:nvPr/>
         </p:nvGrpSpPr>
         <p:grpSpPr>
           <a:xfrm>
             <a:off x="626400" y="254520"/>
-            <a:ext cx="11249640" cy="981360"/>
+            <a:ext cx="11249280" cy="981000"/>
             <a:chOff x="626400" y="254520"/>
-            <a:chExt cx="11249640" cy="981360"/>
+            <a:chExt cx="11249280" cy="981000"/>
           </a:xfrm>
         </p:grpSpPr>
         <p:pic>
           <p:nvPicPr>
-            <p:cNvPr id="231" name="Google Shape;288;g1f213c8c16b_0_ 12" descr=""/>
+            <p:cNvPr id="234" name="Google Shape;288;g1f213c8c16b_0_ 12" descr=""/>
             <p:cNvPicPr/>
             <p:nvPr/>
           </p:nvPicPr>
@@ -11529,7 +11588,7 @@
           <p:spPr>
             <a:xfrm>
               <a:off x="10059840" y="254520"/>
-              <a:ext cx="1816200" cy="981360"/>
+              <a:ext cx="1815840" cy="981000"/>
             </a:xfrm>
             <a:prstGeom prst="rect">
               <a:avLst/>
@@ -11541,7 +11600,7 @@
         </p:pic>
         <p:pic>
           <p:nvPicPr>
-            <p:cNvPr id="232" name="Google Shape;289;g1f213c8c16b_0_ 12" descr=""/>
+            <p:cNvPr id="235" name="Google Shape;289;g1f213c8c16b_0_ 12" descr=""/>
             <p:cNvPicPr/>
             <p:nvPr/>
           </p:nvPicPr>
@@ -11552,7 +11611,7 @@
           <p:spPr>
             <a:xfrm>
               <a:off x="626400" y="484200"/>
-              <a:ext cx="1504080" cy="522720"/>
+              <a:ext cx="1503720" cy="522360"/>
             </a:xfrm>
             <a:prstGeom prst="rect">
               <a:avLst/>
@@ -11565,14 +11624,14 @@
       </p:grpSp>
       <p:sp>
         <p:nvSpPr>
-          <p:cNvPr id="233" name="Google Shape;253;g1f213c8c16b_0_ 12"/>
+          <p:cNvPr id="236" name="Google Shape;253;g1f213c8c16b_0_ 12"/>
           <p:cNvSpPr/>
           <p:nvPr/>
         </p:nvSpPr>
         <p:spPr>
           <a:xfrm>
             <a:off x="1440000" y="1080000"/>
-            <a:ext cx="9359280" cy="638280"/>
+            <a:ext cx="9358920" cy="638280"/>
           </a:xfrm>
           <a:prstGeom prst="rect">
             <a:avLst/>
@@ -11628,7 +11687,7 @@
       </p:sp>
       <p:pic>
         <p:nvPicPr>
-          <p:cNvPr id="234" name="" descr=""/>
+          <p:cNvPr id="237" name="" descr=""/>
           <p:cNvPicPr/>
           <p:nvPr/>
         </p:nvPicPr>
@@ -11639,7 +11698,7 @@
         <p:spPr>
           <a:xfrm>
             <a:off x="4500000" y="2160000"/>
-            <a:ext cx="3180960" cy="1123200"/>
+            <a:ext cx="3180600" cy="1122840"/>
           </a:xfrm>
           <a:prstGeom prst="rect">
             <a:avLst/>
@@ -11651,7 +11710,7 @@
       </p:pic>
       <p:pic>
         <p:nvPicPr>
-          <p:cNvPr id="235" name="" descr=""/>
+          <p:cNvPr id="238" name="" descr=""/>
           <p:cNvPicPr/>
           <p:nvPr/>
         </p:nvPicPr>
@@ -11662,7 +11721,7 @@
         <p:spPr>
           <a:xfrm>
             <a:off x="4232880" y="3960000"/>
-            <a:ext cx="3866760" cy="1990080"/>
+            <a:ext cx="3866400" cy="1989720"/>
           </a:xfrm>
           <a:prstGeom prst="rect">
             <a:avLst/>
@@ -11704,21 +11763,21 @@
       </p:grpSpPr>
       <p:grpSp>
         <p:nvGrpSpPr>
-          <p:cNvPr id="236" name="Google Shape;266;g1f213c8c16b_0_ 13"/>
+          <p:cNvPr id="239" name="Google Shape;266;g1f213c8c16b_0_ 13"/>
           <p:cNvGrpSpPr/>
           <p:nvPr/>
         </p:nvGrpSpPr>
         <p:grpSpPr>
           <a:xfrm>
             <a:off x="49320" y="0"/>
-            <a:ext cx="12190320" cy="6856200"/>
+            <a:ext cx="12189960" cy="6855840"/>
             <a:chOff x="49320" y="0"/>
-            <a:chExt cx="12190320" cy="6856200"/>
+            <a:chExt cx="12189960" cy="6855840"/>
           </a:xfrm>
         </p:grpSpPr>
         <p:pic>
           <p:nvPicPr>
-            <p:cNvPr id="237" name="Google Shape;267;g1f213c8c16b_0_ 13" descr=""/>
+            <p:cNvPr id="240" name="Google Shape;267;g1f213c8c16b_0_ 13" descr=""/>
             <p:cNvPicPr/>
             <p:nvPr/>
           </p:nvPicPr>
@@ -11730,7 +11789,7 @@
           <p:spPr>
             <a:xfrm>
               <a:off x="49320" y="0"/>
-              <a:ext cx="12190320" cy="6856200"/>
+              <a:ext cx="12189960" cy="6855840"/>
             </a:xfrm>
             <a:prstGeom prst="rect">
               <a:avLst/>
@@ -11742,7 +11801,7 @@
         </p:pic>
         <p:pic>
           <p:nvPicPr>
-            <p:cNvPr id="238" name="Google Shape;268;g1f213c8c16b_0_ 13" descr=""/>
+            <p:cNvPr id="241" name="Google Shape;268;g1f213c8c16b_0_ 13" descr=""/>
             <p:cNvPicPr/>
             <p:nvPr/>
           </p:nvPicPr>
@@ -11753,7 +11812,7 @@
           <p:spPr>
             <a:xfrm>
               <a:off x="49320" y="0"/>
-              <a:ext cx="12190320" cy="6856200"/>
+              <a:ext cx="12189960" cy="6855840"/>
             </a:xfrm>
             <a:prstGeom prst="rect">
               <a:avLst/>
@@ -11766,7 +11825,7 @@
       </p:grpSp>
       <p:pic>
         <p:nvPicPr>
-          <p:cNvPr id="239" name="Google Shape;269;g1f213c8c16b_0_ 13" descr=""/>
+          <p:cNvPr id="242" name="Google Shape;269;g1f213c8c16b_0_ 13" descr=""/>
           <p:cNvPicPr/>
           <p:nvPr/>
         </p:nvPicPr>
@@ -11777,7 +11836,7 @@
         <p:spPr>
           <a:xfrm>
             <a:off x="4815360" y="165600"/>
-            <a:ext cx="2337480" cy="1118880"/>
+            <a:ext cx="2337120" cy="1118520"/>
           </a:xfrm>
           <a:prstGeom prst="rect">
             <a:avLst/>
@@ -11789,21 +11848,21 @@
       </p:pic>
       <p:grpSp>
         <p:nvGrpSpPr>
-          <p:cNvPr id="240" name="Google Shape;287;g1f213c8c16b_0_ 13"/>
+          <p:cNvPr id="243" name="Google Shape;287;g1f213c8c16b_0_ 13"/>
           <p:cNvGrpSpPr/>
           <p:nvPr/>
         </p:nvGrpSpPr>
         <p:grpSpPr>
           <a:xfrm>
             <a:off x="626400" y="254520"/>
-            <a:ext cx="11249640" cy="981360"/>
+            <a:ext cx="11249280" cy="981000"/>
             <a:chOff x="626400" y="254520"/>
-            <a:chExt cx="11249640" cy="981360"/>
+            <a:chExt cx="11249280" cy="981000"/>
           </a:xfrm>
         </p:grpSpPr>
         <p:pic>
           <p:nvPicPr>
-            <p:cNvPr id="241" name="Google Shape;288;g1f213c8c16b_0_ 13" descr=""/>
+            <p:cNvPr id="244" name="Google Shape;288;g1f213c8c16b_0_ 13" descr=""/>
             <p:cNvPicPr/>
             <p:nvPr/>
           </p:nvPicPr>
@@ -11814,7 +11873,7 @@
           <p:spPr>
             <a:xfrm>
               <a:off x="10059840" y="254520"/>
-              <a:ext cx="1816200" cy="981360"/>
+              <a:ext cx="1815840" cy="981000"/>
             </a:xfrm>
             <a:prstGeom prst="rect">
               <a:avLst/>
@@ -11826,7 +11885,7 @@
         </p:pic>
         <p:pic>
           <p:nvPicPr>
-            <p:cNvPr id="242" name="Google Shape;289;g1f213c8c16b_0_ 13" descr=""/>
+            <p:cNvPr id="245" name="Google Shape;289;g1f213c8c16b_0_ 13" descr=""/>
             <p:cNvPicPr/>
             <p:nvPr/>
           </p:nvPicPr>
@@ -11837,7 +11896,7 @@
           <p:spPr>
             <a:xfrm>
               <a:off x="626400" y="484200"/>
-              <a:ext cx="1504080" cy="522720"/>
+              <a:ext cx="1503720" cy="522360"/>
             </a:xfrm>
             <a:prstGeom prst="rect">
               <a:avLst/>
@@ -11850,14 +11909,14 @@
       </p:grpSp>
       <p:sp>
         <p:nvSpPr>
-          <p:cNvPr id="243" name="Google Shape;253;g1f213c8c16b_0_ 13"/>
+          <p:cNvPr id="246" name="Google Shape;253;g1f213c8c16b_0_ 13"/>
           <p:cNvSpPr/>
           <p:nvPr/>
         </p:nvSpPr>
         <p:spPr>
           <a:xfrm>
             <a:off x="1440000" y="1080000"/>
-            <a:ext cx="9359280" cy="638280"/>
+            <a:ext cx="9358920" cy="638280"/>
           </a:xfrm>
           <a:prstGeom prst="rect">
             <a:avLst/>
@@ -11913,7 +11972,7 @@
       </p:sp>
       <p:pic>
         <p:nvPicPr>
-          <p:cNvPr id="244" name="" descr=""/>
+          <p:cNvPr id="247" name="" descr=""/>
           <p:cNvPicPr/>
           <p:nvPr/>
         </p:nvPicPr>
@@ -11924,7 +11983,7 @@
         <p:spPr>
           <a:xfrm>
             <a:off x="3060000" y="2160000"/>
-            <a:ext cx="6095160" cy="3047400"/>
+            <a:ext cx="6094800" cy="3047040"/>
           </a:xfrm>
           <a:prstGeom prst="rect">
             <a:avLst/>
@@ -11936,7 +11995,7 @@
       </p:pic>
       <p:pic>
         <p:nvPicPr>
-          <p:cNvPr id="245" name="" descr=""/>
+          <p:cNvPr id="248" name="" descr=""/>
           <p:cNvPicPr/>
           <p:nvPr/>
         </p:nvPicPr>
@@ -11947,7 +12006,7 @@
         <p:spPr>
           <a:xfrm>
             <a:off x="4079520" y="5580000"/>
-            <a:ext cx="4200120" cy="713520"/>
+            <a:ext cx="4199760" cy="713160"/>
           </a:xfrm>
           <a:prstGeom prst="rect">
             <a:avLst/>
@@ -11989,21 +12048,21 @@
       </p:grpSpPr>
       <p:grpSp>
         <p:nvGrpSpPr>
-          <p:cNvPr id="246" name="Google Shape;266;g1f213c8c16b_0_ 15"/>
+          <p:cNvPr id="249" name="Google Shape;266;g1f213c8c16b_0_ 15"/>
           <p:cNvGrpSpPr/>
           <p:nvPr/>
         </p:nvGrpSpPr>
         <p:grpSpPr>
           <a:xfrm>
             <a:off x="49320" y="0"/>
-            <a:ext cx="12190320" cy="6856200"/>
+            <a:ext cx="12189960" cy="6855840"/>
             <a:chOff x="49320" y="0"/>
-            <a:chExt cx="12190320" cy="6856200"/>
+            <a:chExt cx="12189960" cy="6855840"/>
           </a:xfrm>
         </p:grpSpPr>
         <p:pic>
           <p:nvPicPr>
-            <p:cNvPr id="247" name="Google Shape;267;g1f213c8c16b_0_ 15" descr=""/>
+            <p:cNvPr id="250" name="Google Shape;267;g1f213c8c16b_0_ 15" descr=""/>
             <p:cNvPicPr/>
             <p:nvPr/>
           </p:nvPicPr>
@@ -12015,7 +12074,7 @@
           <p:spPr>
             <a:xfrm>
               <a:off x="49320" y="0"/>
-              <a:ext cx="12190320" cy="6856200"/>
+              <a:ext cx="12189960" cy="6855840"/>
             </a:xfrm>
             <a:prstGeom prst="rect">
               <a:avLst/>
@@ -12027,7 +12086,7 @@
         </p:pic>
         <p:pic>
           <p:nvPicPr>
-            <p:cNvPr id="248" name="Google Shape;268;g1f213c8c16b_0_ 15" descr=""/>
+            <p:cNvPr id="251" name="Google Shape;268;g1f213c8c16b_0_ 15" descr=""/>
             <p:cNvPicPr/>
             <p:nvPr/>
           </p:nvPicPr>
@@ -12038,7 +12097,7 @@
           <p:spPr>
             <a:xfrm>
               <a:off x="49320" y="0"/>
-              <a:ext cx="12190320" cy="6856200"/>
+              <a:ext cx="12189960" cy="6855840"/>
             </a:xfrm>
             <a:prstGeom prst="rect">
               <a:avLst/>
@@ -12051,7 +12110,7 @@
       </p:grpSp>
       <p:pic>
         <p:nvPicPr>
-          <p:cNvPr id="249" name="Google Shape;269;g1f213c8c16b_0_ 15" descr=""/>
+          <p:cNvPr id="252" name="Google Shape;269;g1f213c8c16b_0_ 15" descr=""/>
           <p:cNvPicPr/>
           <p:nvPr/>
         </p:nvPicPr>
@@ -12062,7 +12121,7 @@
         <p:spPr>
           <a:xfrm>
             <a:off x="4815360" y="165600"/>
-            <a:ext cx="2337480" cy="1118880"/>
+            <a:ext cx="2337120" cy="1118520"/>
           </a:xfrm>
           <a:prstGeom prst="rect">
             <a:avLst/>
@@ -12074,21 +12133,21 @@
       </p:pic>
       <p:grpSp>
         <p:nvGrpSpPr>
-          <p:cNvPr id="250" name="Google Shape;287;g1f213c8c16b_0_ 15"/>
+          <p:cNvPr id="253" name="Google Shape;287;g1f213c8c16b_0_ 15"/>
           <p:cNvGrpSpPr/>
           <p:nvPr/>
         </p:nvGrpSpPr>
         <p:grpSpPr>
           <a:xfrm>
             <a:off x="626400" y="254520"/>
-            <a:ext cx="11249640" cy="981360"/>
+            <a:ext cx="11249280" cy="981000"/>
             <a:chOff x="626400" y="254520"/>
-            <a:chExt cx="11249640" cy="981360"/>
+            <a:chExt cx="11249280" cy="981000"/>
           </a:xfrm>
         </p:grpSpPr>
         <p:pic>
           <p:nvPicPr>
-            <p:cNvPr id="251" name="Google Shape;288;g1f213c8c16b_0_ 15" descr=""/>
+            <p:cNvPr id="254" name="Google Shape;288;g1f213c8c16b_0_ 15" descr=""/>
             <p:cNvPicPr/>
             <p:nvPr/>
           </p:nvPicPr>
@@ -12099,7 +12158,7 @@
           <p:spPr>
             <a:xfrm>
               <a:off x="10059840" y="254520"/>
-              <a:ext cx="1816200" cy="981360"/>
+              <a:ext cx="1815840" cy="981000"/>
             </a:xfrm>
             <a:prstGeom prst="rect">
               <a:avLst/>
@@ -12111,7 +12170,7 @@
         </p:pic>
         <p:pic>
           <p:nvPicPr>
-            <p:cNvPr id="252" name="Google Shape;289;g1f213c8c16b_0_ 15" descr=""/>
+            <p:cNvPr id="255" name="Google Shape;289;g1f213c8c16b_0_ 15" descr=""/>
             <p:cNvPicPr/>
             <p:nvPr/>
           </p:nvPicPr>
@@ -12122,7 +12181,7 @@
           <p:spPr>
             <a:xfrm>
               <a:off x="626400" y="484200"/>
-              <a:ext cx="1504080" cy="522720"/>
+              <a:ext cx="1503720" cy="522360"/>
             </a:xfrm>
             <a:prstGeom prst="rect">
               <a:avLst/>
@@ -12135,14 +12194,14 @@
       </p:grpSp>
       <p:sp>
         <p:nvSpPr>
-          <p:cNvPr id="253" name="Google Shape;253;g1f213c8c16b_0_ 15"/>
+          <p:cNvPr id="256" name="Google Shape;253;g1f213c8c16b_0_ 15"/>
           <p:cNvSpPr/>
           <p:nvPr/>
         </p:nvSpPr>
         <p:spPr>
           <a:xfrm>
             <a:off x="1440000" y="1080000"/>
-            <a:ext cx="9359280" cy="638280"/>
+            <a:ext cx="9358920" cy="638280"/>
           </a:xfrm>
           <a:prstGeom prst="rect">
             <a:avLst/>
@@ -12198,7 +12257,7 @@
       </p:sp>
       <p:pic>
         <p:nvPicPr>
-          <p:cNvPr id="254" name="" descr=""/>
+          <p:cNvPr id="257" name="" descr=""/>
           <p:cNvPicPr/>
           <p:nvPr/>
         </p:nvPicPr>
@@ -12209,7 +12268,7 @@
         <p:spPr>
           <a:xfrm>
             <a:off x="4140000" y="1806120"/>
-            <a:ext cx="4200120" cy="713520"/>
+            <a:ext cx="4199760" cy="713160"/>
           </a:xfrm>
           <a:prstGeom prst="rect">
             <a:avLst/>
@@ -12221,7 +12280,7 @@
       </p:pic>
       <p:pic>
         <p:nvPicPr>
-          <p:cNvPr id="255" name="" descr=""/>
+          <p:cNvPr id="258" name="" descr=""/>
           <p:cNvPicPr/>
           <p:nvPr/>
         </p:nvPicPr>
@@ -12231,8 +12290,8 @@
         </p:blipFill>
         <p:spPr>
           <a:xfrm>
-            <a:off x="540000" y="2976120"/>
-            <a:ext cx="4724280" cy="2399760"/>
+            <a:off x="676080" y="2880000"/>
+            <a:ext cx="4723920" cy="2399400"/>
           </a:xfrm>
           <a:prstGeom prst="rect">
             <a:avLst/>
@@ -12244,7 +12303,7 @@
       </p:pic>
       <p:pic>
         <p:nvPicPr>
-          <p:cNvPr id="256" name="" descr=""/>
+          <p:cNvPr id="259" name="" descr=""/>
           <p:cNvPicPr/>
           <p:nvPr/>
         </p:nvPicPr>
@@ -12254,8 +12313,8 @@
         </p:blipFill>
         <p:spPr>
           <a:xfrm>
-            <a:off x="6759360" y="2966760"/>
-            <a:ext cx="4400280" cy="2418840"/>
+            <a:off x="6660000" y="2981520"/>
+            <a:ext cx="4399920" cy="2418480"/>
           </a:xfrm>
           <a:prstGeom prst="rect">
             <a:avLst/>
@@ -12297,21 +12356,21 @@
       </p:grpSpPr>
       <p:grpSp>
         <p:nvGrpSpPr>
-          <p:cNvPr id="257" name="Google Shape;266;g1f213c8c16b_0_ 16"/>
+          <p:cNvPr id="260" name="Google Shape;266;g1f213c8c16b_0_ 16"/>
           <p:cNvGrpSpPr/>
           <p:nvPr/>
         </p:nvGrpSpPr>
         <p:grpSpPr>
           <a:xfrm>
             <a:off x="49320" y="0"/>
-            <a:ext cx="12190320" cy="6856200"/>
+            <a:ext cx="12189960" cy="6855840"/>
             <a:chOff x="49320" y="0"/>
-            <a:chExt cx="12190320" cy="6856200"/>
+            <a:chExt cx="12189960" cy="6855840"/>
           </a:xfrm>
         </p:grpSpPr>
         <p:pic>
           <p:nvPicPr>
-            <p:cNvPr id="258" name="Google Shape;267;g1f213c8c16b_0_ 16" descr=""/>
+            <p:cNvPr id="261" name="Google Shape;267;g1f213c8c16b_0_ 16" descr=""/>
             <p:cNvPicPr/>
             <p:nvPr/>
           </p:nvPicPr>
@@ -12323,7 +12382,7 @@
           <p:spPr>
             <a:xfrm>
               <a:off x="49320" y="0"/>
-              <a:ext cx="12190320" cy="6856200"/>
+              <a:ext cx="12189960" cy="6855840"/>
             </a:xfrm>
             <a:prstGeom prst="rect">
               <a:avLst/>
@@ -12335,7 +12394,7 @@
         </p:pic>
         <p:pic>
           <p:nvPicPr>
-            <p:cNvPr id="259" name="Google Shape;268;g1f213c8c16b_0_ 16" descr=""/>
+            <p:cNvPr id="262" name="Google Shape;268;g1f213c8c16b_0_ 16" descr=""/>
             <p:cNvPicPr/>
             <p:nvPr/>
           </p:nvPicPr>
@@ -12346,7 +12405,7 @@
           <p:spPr>
             <a:xfrm>
               <a:off x="49320" y="0"/>
-              <a:ext cx="12190320" cy="6856200"/>
+              <a:ext cx="12189960" cy="6855840"/>
             </a:xfrm>
             <a:prstGeom prst="rect">
               <a:avLst/>
@@ -12359,7 +12418,7 @@
       </p:grpSp>
       <p:pic>
         <p:nvPicPr>
-          <p:cNvPr id="260" name="Google Shape;269;g1f213c8c16b_0_ 16" descr=""/>
+          <p:cNvPr id="263" name="Google Shape;269;g1f213c8c16b_0_ 16" descr=""/>
           <p:cNvPicPr/>
           <p:nvPr/>
         </p:nvPicPr>
@@ -12370,7 +12429,7 @@
         <p:spPr>
           <a:xfrm>
             <a:off x="4815360" y="165600"/>
-            <a:ext cx="2337480" cy="1118880"/>
+            <a:ext cx="2337120" cy="1118520"/>
           </a:xfrm>
           <a:prstGeom prst="rect">
             <a:avLst/>
@@ -12382,21 +12441,21 @@
       </p:pic>
       <p:grpSp>
         <p:nvGrpSpPr>
-          <p:cNvPr id="261" name="Google Shape;287;g1f213c8c16b_0_ 16"/>
+          <p:cNvPr id="264" name="Google Shape;287;g1f213c8c16b_0_ 16"/>
           <p:cNvGrpSpPr/>
           <p:nvPr/>
         </p:nvGrpSpPr>
         <p:grpSpPr>
           <a:xfrm>
             <a:off x="626400" y="254520"/>
-            <a:ext cx="11249640" cy="981360"/>
+            <a:ext cx="11249280" cy="981000"/>
             <a:chOff x="626400" y="254520"/>
-            <a:chExt cx="11249640" cy="981360"/>
+            <a:chExt cx="11249280" cy="981000"/>
           </a:xfrm>
         </p:grpSpPr>
         <p:pic>
           <p:nvPicPr>
-            <p:cNvPr id="262" name="Google Shape;288;g1f213c8c16b_0_ 16" descr=""/>
+            <p:cNvPr id="265" name="Google Shape;288;g1f213c8c16b_0_ 16" descr=""/>
             <p:cNvPicPr/>
             <p:nvPr/>
           </p:nvPicPr>
@@ -12407,7 +12466,7 @@
           <p:spPr>
             <a:xfrm>
               <a:off x="10059840" y="254520"/>
-              <a:ext cx="1816200" cy="981360"/>
+              <a:ext cx="1815840" cy="981000"/>
             </a:xfrm>
             <a:prstGeom prst="rect">
               <a:avLst/>
@@ -12419,7 +12478,7 @@
         </p:pic>
         <p:pic>
           <p:nvPicPr>
-            <p:cNvPr id="263" name="Google Shape;289;g1f213c8c16b_0_ 16" descr=""/>
+            <p:cNvPr id="266" name="Google Shape;289;g1f213c8c16b_0_ 16" descr=""/>
             <p:cNvPicPr/>
             <p:nvPr/>
           </p:nvPicPr>
@@ -12430,7 +12489,7 @@
           <p:spPr>
             <a:xfrm>
               <a:off x="626400" y="484200"/>
-              <a:ext cx="1504080" cy="522720"/>
+              <a:ext cx="1503720" cy="522360"/>
             </a:xfrm>
             <a:prstGeom prst="rect">
               <a:avLst/>
@@ -12443,14 +12502,14 @@
       </p:grpSp>
       <p:sp>
         <p:nvSpPr>
-          <p:cNvPr id="264" name="Google Shape;253;g1f213c8c16b_0_ 16"/>
+          <p:cNvPr id="267" name="Google Shape;253;g1f213c8c16b_0_ 16"/>
           <p:cNvSpPr/>
           <p:nvPr/>
         </p:nvSpPr>
         <p:spPr>
           <a:xfrm>
             <a:off x="1440000" y="1080000"/>
-            <a:ext cx="9359280" cy="638280"/>
+            <a:ext cx="9358920" cy="638280"/>
           </a:xfrm>
           <a:prstGeom prst="rect">
             <a:avLst/>
@@ -12506,7 +12565,7 @@
       </p:sp>
       <p:pic>
         <p:nvPicPr>
-          <p:cNvPr id="265" name="" descr=""/>
+          <p:cNvPr id="268" name="" descr=""/>
           <p:cNvPicPr/>
           <p:nvPr/>
         </p:nvPicPr>
@@ -12517,7 +12576,7 @@
         <p:spPr>
           <a:xfrm>
             <a:off x="4320000" y="2831400"/>
-            <a:ext cx="3409560" cy="2028240"/>
+            <a:ext cx="3409200" cy="2027880"/>
           </a:xfrm>
           <a:prstGeom prst="rect">
             <a:avLst/>
@@ -12559,21 +12618,21 @@
       </p:grpSpPr>
       <p:grpSp>
         <p:nvGrpSpPr>
-          <p:cNvPr id="266" name="Google Shape;266;g1f213c8c16b_0_ 14"/>
+          <p:cNvPr id="269" name="Google Shape;266;g1f213c8c16b_0_ 14"/>
           <p:cNvGrpSpPr/>
           <p:nvPr/>
         </p:nvGrpSpPr>
         <p:grpSpPr>
           <a:xfrm>
             <a:off x="49320" y="0"/>
-            <a:ext cx="12190320" cy="6856200"/>
+            <a:ext cx="12189960" cy="6855840"/>
             <a:chOff x="49320" y="0"/>
-            <a:chExt cx="12190320" cy="6856200"/>
+            <a:chExt cx="12189960" cy="6855840"/>
           </a:xfrm>
         </p:grpSpPr>
         <p:pic>
           <p:nvPicPr>
-            <p:cNvPr id="267" name="Google Shape;267;g1f213c8c16b_0_ 14" descr=""/>
+            <p:cNvPr id="270" name="Google Shape;267;g1f213c8c16b_0_ 14" descr=""/>
             <p:cNvPicPr/>
             <p:nvPr/>
           </p:nvPicPr>
@@ -12585,7 +12644,7 @@
           <p:spPr>
             <a:xfrm>
               <a:off x="49320" y="0"/>
-              <a:ext cx="12190320" cy="6856200"/>
+              <a:ext cx="12189960" cy="6855840"/>
             </a:xfrm>
             <a:prstGeom prst="rect">
               <a:avLst/>
@@ -12597,7 +12656,7 @@
         </p:pic>
         <p:pic>
           <p:nvPicPr>
-            <p:cNvPr id="268" name="Google Shape;268;g1f213c8c16b_0_ 14" descr=""/>
+            <p:cNvPr id="271" name="Google Shape;268;g1f213c8c16b_0_ 14" descr=""/>
             <p:cNvPicPr/>
             <p:nvPr/>
           </p:nvPicPr>
@@ -12608,7 +12667,7 @@
           <p:spPr>
             <a:xfrm>
               <a:off x="49320" y="0"/>
-              <a:ext cx="12190320" cy="6856200"/>
+              <a:ext cx="12189960" cy="6855840"/>
             </a:xfrm>
             <a:prstGeom prst="rect">
               <a:avLst/>
@@ -12621,7 +12680,7 @@
       </p:grpSp>
       <p:pic>
         <p:nvPicPr>
-          <p:cNvPr id="269" name="Google Shape;269;g1f213c8c16b_0_ 14" descr=""/>
+          <p:cNvPr id="272" name="Google Shape;269;g1f213c8c16b_0_ 14" descr=""/>
           <p:cNvPicPr/>
           <p:nvPr/>
         </p:nvPicPr>
@@ -12632,7 +12691,7 @@
         <p:spPr>
           <a:xfrm>
             <a:off x="4815360" y="165600"/>
-            <a:ext cx="2337480" cy="1118880"/>
+            <a:ext cx="2337120" cy="1118520"/>
           </a:xfrm>
           <a:prstGeom prst="rect">
             <a:avLst/>
@@ -12644,21 +12703,21 @@
       </p:pic>
       <p:grpSp>
         <p:nvGrpSpPr>
-          <p:cNvPr id="270" name="Google Shape;287;g1f213c8c16b_0_ 14"/>
+          <p:cNvPr id="273" name="Google Shape;287;g1f213c8c16b_0_ 14"/>
           <p:cNvGrpSpPr/>
           <p:nvPr/>
         </p:nvGrpSpPr>
         <p:grpSpPr>
           <a:xfrm>
             <a:off x="626400" y="254520"/>
-            <a:ext cx="11249640" cy="981360"/>
+            <a:ext cx="11249280" cy="981000"/>
             <a:chOff x="626400" y="254520"/>
-            <a:chExt cx="11249640" cy="981360"/>
+            <a:chExt cx="11249280" cy="981000"/>
           </a:xfrm>
         </p:grpSpPr>
         <p:pic>
           <p:nvPicPr>
-            <p:cNvPr id="271" name="Google Shape;288;g1f213c8c16b_0_ 14" descr=""/>
+            <p:cNvPr id="274" name="Google Shape;288;g1f213c8c16b_0_ 14" descr=""/>
             <p:cNvPicPr/>
             <p:nvPr/>
           </p:nvPicPr>
@@ -12669,7 +12728,7 @@
           <p:spPr>
             <a:xfrm>
               <a:off x="10059840" y="254520"/>
-              <a:ext cx="1816200" cy="981360"/>
+              <a:ext cx="1815840" cy="981000"/>
             </a:xfrm>
             <a:prstGeom prst="rect">
               <a:avLst/>
@@ -12681,7 +12740,7 @@
         </p:pic>
         <p:pic>
           <p:nvPicPr>
-            <p:cNvPr id="272" name="Google Shape;289;g1f213c8c16b_0_ 14" descr=""/>
+            <p:cNvPr id="275" name="Google Shape;289;g1f213c8c16b_0_ 14" descr=""/>
             <p:cNvPicPr/>
             <p:nvPr/>
           </p:nvPicPr>
@@ -12692,7 +12751,7 @@
           <p:spPr>
             <a:xfrm>
               <a:off x="626400" y="484200"/>
-              <a:ext cx="1504080" cy="522720"/>
+              <a:ext cx="1503720" cy="522360"/>
             </a:xfrm>
             <a:prstGeom prst="rect">
               <a:avLst/>
@@ -12705,14 +12764,14 @@
       </p:grpSp>
       <p:sp>
         <p:nvSpPr>
-          <p:cNvPr id="273" name="Google Shape;253;g1f213c8c16b_0_ 14"/>
+          <p:cNvPr id="276" name="Google Shape;253;g1f213c8c16b_0_ 14"/>
           <p:cNvSpPr/>
           <p:nvPr/>
         </p:nvSpPr>
         <p:spPr>
           <a:xfrm>
             <a:off x="1440000" y="1080000"/>
-            <a:ext cx="9359280" cy="638280"/>
+            <a:ext cx="9358920" cy="638280"/>
           </a:xfrm>
           <a:prstGeom prst="rect">
             <a:avLst/>
@@ -12768,7 +12827,7 @@
       </p:sp>
       <p:pic>
         <p:nvPicPr>
-          <p:cNvPr id="274" name="" descr=""/>
+          <p:cNvPr id="277" name="" descr=""/>
           <p:cNvPicPr/>
           <p:nvPr/>
         </p:nvPicPr>
@@ -12779,7 +12838,7 @@
         <p:spPr>
           <a:xfrm>
             <a:off x="3724920" y="2500200"/>
-            <a:ext cx="4761720" cy="3351960"/>
+            <a:ext cx="4761360" cy="3351600"/>
           </a:xfrm>
           <a:prstGeom prst="rect">
             <a:avLst/>
@@ -12828,9 +12887,9 @@
         <p:grpSpPr>
           <a:xfrm>
             <a:off x="0" y="0"/>
-            <a:ext cx="12190320" cy="6856200"/>
+            <a:ext cx="12189960" cy="6855840"/>
             <a:chOff x="0" y="0"/>
-            <a:chExt cx="12190320" cy="6856200"/>
+            <a:chExt cx="12189960" cy="6855840"/>
           </a:xfrm>
         </p:grpSpPr>
         <p:pic>
@@ -12847,7 +12906,7 @@
           <p:spPr>
             <a:xfrm>
               <a:off x="0" y="0"/>
-              <a:ext cx="12190320" cy="6856200"/>
+              <a:ext cx="12189960" cy="6855840"/>
             </a:xfrm>
             <a:prstGeom prst="rect">
               <a:avLst/>
@@ -12870,7 +12929,7 @@
           <p:spPr>
             <a:xfrm>
               <a:off x="0" y="0"/>
-              <a:ext cx="12190320" cy="6856200"/>
+              <a:ext cx="12189960" cy="6855840"/>
             </a:xfrm>
             <a:prstGeom prst="rect">
               <a:avLst/>
@@ -12894,7 +12953,7 @@
         <p:spPr>
           <a:xfrm>
             <a:off x="4815360" y="165600"/>
-            <a:ext cx="2337480" cy="1118880"/>
+            <a:ext cx="2337120" cy="1118520"/>
           </a:xfrm>
           <a:prstGeom prst="rect">
             <a:avLst/>
@@ -12913,7 +12972,7 @@
         <p:spPr>
           <a:xfrm>
             <a:off x="2753640" y="1352160"/>
-            <a:ext cx="7105320" cy="851760"/>
+            <a:ext cx="7104960" cy="851760"/>
           </a:xfrm>
           <a:prstGeom prst="rect">
             <a:avLst/>
@@ -12970,7 +13029,7 @@
         <p:spPr>
           <a:xfrm>
             <a:off x="3476160" y="2461320"/>
-            <a:ext cx="788400" cy="788400"/>
+            <a:ext cx="788040" cy="788040"/>
           </a:xfrm>
           <a:prstGeom prst="ellipse">
             <a:avLst/>
@@ -13022,7 +13081,7 @@
         <p:spPr>
           <a:xfrm>
             <a:off x="3476160" y="3603960"/>
-            <a:ext cx="788400" cy="788400"/>
+            <a:ext cx="788040" cy="788040"/>
           </a:xfrm>
           <a:prstGeom prst="ellipse">
             <a:avLst/>
@@ -13074,7 +13133,7 @@
         <p:spPr>
           <a:xfrm>
             <a:off x="3476160" y="4757760"/>
-            <a:ext cx="788400" cy="788400"/>
+            <a:ext cx="788040" cy="788040"/>
           </a:xfrm>
           <a:prstGeom prst="ellipse">
             <a:avLst/>
@@ -13126,7 +13185,7 @@
         <p:spPr>
           <a:xfrm>
             <a:off x="4630320" y="2580840"/>
-            <a:ext cx="4189320" cy="658800"/>
+            <a:ext cx="4188960" cy="658440"/>
           </a:xfrm>
           <a:prstGeom prst="roundRect">
             <a:avLst>
@@ -13180,7 +13239,7 @@
         <p:spPr>
           <a:xfrm>
             <a:off x="4630320" y="3668760"/>
-            <a:ext cx="4189320" cy="658800"/>
+            <a:ext cx="4188960" cy="658440"/>
           </a:xfrm>
           <a:prstGeom prst="roundRect">
             <a:avLst>
@@ -13234,7 +13293,7 @@
         <p:spPr>
           <a:xfrm>
             <a:off x="4630320" y="4822560"/>
-            <a:ext cx="4189320" cy="658800"/>
+            <a:ext cx="4188960" cy="658440"/>
           </a:xfrm>
           <a:prstGeom prst="roundRect">
             <a:avLst>
@@ -13288,7 +13347,7 @@
         <p:spPr>
           <a:xfrm>
             <a:off x="3587040" y="2520000"/>
-            <a:ext cx="585000" cy="699120"/>
+            <a:ext cx="584640" cy="699120"/>
           </a:xfrm>
           <a:prstGeom prst="rect">
             <a:avLst/>
@@ -13345,7 +13404,7 @@
         <p:spPr>
           <a:xfrm>
             <a:off x="3594960" y="3687480"/>
-            <a:ext cx="585000" cy="699120"/>
+            <a:ext cx="584640" cy="699120"/>
           </a:xfrm>
           <a:prstGeom prst="rect">
             <a:avLst/>
@@ -13402,7 +13461,7 @@
         <p:spPr>
           <a:xfrm>
             <a:off x="3578040" y="4822560"/>
-            <a:ext cx="585000" cy="699120"/>
+            <a:ext cx="584640" cy="699120"/>
           </a:xfrm>
           <a:prstGeom prst="rect">
             <a:avLst/>
@@ -13459,7 +13518,7 @@
         <p:spPr>
           <a:xfrm>
             <a:off x="4815360" y="2582640"/>
-            <a:ext cx="3793320" cy="486360"/>
+            <a:ext cx="3792960" cy="485640"/>
           </a:xfrm>
           <a:prstGeom prst="rect">
             <a:avLst/>
@@ -13516,7 +13575,7 @@
         <p:spPr>
           <a:xfrm>
             <a:off x="4828320" y="3687480"/>
-            <a:ext cx="3793320" cy="455400"/>
+            <a:ext cx="3792960" cy="455400"/>
           </a:xfrm>
           <a:prstGeom prst="rect">
             <a:avLst/>
@@ -13573,7 +13632,7 @@
         <p:spPr>
           <a:xfrm>
             <a:off x="4862520" y="4844880"/>
-            <a:ext cx="3793320" cy="395280"/>
+            <a:ext cx="3792960" cy="394560"/>
           </a:xfrm>
           <a:prstGeom prst="rect">
             <a:avLst/>
@@ -13638,8 +13697,8 @@
         </p:nvCxnSpPr>
         <p:spPr>
           <a:xfrm>
-            <a:off x="3870360" y="3249720"/>
-            <a:ext cx="360" cy="354600"/>
+            <a:off x="3870360" y="3249360"/>
+            <a:ext cx="360" cy="354960"/>
           </a:xfrm>
           <a:prstGeom prst="straightConnector1">
             <a:avLst/>
@@ -13663,7 +13722,7 @@
         <p:spPr>
           <a:xfrm>
             <a:off x="3887280" y="4386600"/>
-            <a:ext cx="2880" cy="355320"/>
+            <a:ext cx="3240" cy="355680"/>
           </a:xfrm>
           <a:prstGeom prst="straightConnector1">
             <a:avLst/>
@@ -13685,9 +13744,9 @@
         <p:grpSpPr>
           <a:xfrm>
             <a:off x="626400" y="254520"/>
-            <a:ext cx="11249640" cy="981360"/>
+            <a:ext cx="11249280" cy="981000"/>
             <a:chOff x="626400" y="254520"/>
-            <a:chExt cx="11249640" cy="981360"/>
+            <a:chExt cx="11249280" cy="981000"/>
           </a:xfrm>
         </p:grpSpPr>
         <p:pic>
@@ -13703,7 +13762,7 @@
           <p:spPr>
             <a:xfrm>
               <a:off x="10059840" y="254520"/>
-              <a:ext cx="1816200" cy="981360"/>
+              <a:ext cx="1815840" cy="981000"/>
             </a:xfrm>
             <a:prstGeom prst="rect">
               <a:avLst/>
@@ -13726,7 +13785,7 @@
           <p:spPr>
             <a:xfrm>
               <a:off x="626400" y="484200"/>
-              <a:ext cx="1504080" cy="522720"/>
+              <a:ext cx="1503720" cy="522360"/>
             </a:xfrm>
             <a:prstGeom prst="rect">
               <a:avLst/>
@@ -13769,21 +13828,21 @@
       </p:grpSpPr>
       <p:grpSp>
         <p:nvGrpSpPr>
-          <p:cNvPr id="275" name="Google Shape;266;g1f213c8c16b_0_ 17"/>
+          <p:cNvPr id="278" name="Google Shape;266;g1f213c8c16b_0_ 17"/>
           <p:cNvGrpSpPr/>
           <p:nvPr/>
         </p:nvGrpSpPr>
         <p:grpSpPr>
           <a:xfrm>
             <a:off x="49320" y="0"/>
-            <a:ext cx="12190320" cy="6856200"/>
+            <a:ext cx="12189960" cy="6855840"/>
             <a:chOff x="49320" y="0"/>
-            <a:chExt cx="12190320" cy="6856200"/>
+            <a:chExt cx="12189960" cy="6855840"/>
           </a:xfrm>
         </p:grpSpPr>
         <p:pic>
           <p:nvPicPr>
-            <p:cNvPr id="276" name="Google Shape;267;g1f213c8c16b_0_ 17" descr=""/>
+            <p:cNvPr id="279" name="Google Shape;267;g1f213c8c16b_0_ 17" descr=""/>
             <p:cNvPicPr/>
             <p:nvPr/>
           </p:nvPicPr>
@@ -13795,7 +13854,7 @@
           <p:spPr>
             <a:xfrm>
               <a:off x="49320" y="0"/>
-              <a:ext cx="12190320" cy="6856200"/>
+              <a:ext cx="12189960" cy="6855840"/>
             </a:xfrm>
             <a:prstGeom prst="rect">
               <a:avLst/>
@@ -13807,7 +13866,7 @@
         </p:pic>
         <p:pic>
           <p:nvPicPr>
-            <p:cNvPr id="277" name="Google Shape;268;g1f213c8c16b_0_ 17" descr=""/>
+            <p:cNvPr id="280" name="Google Shape;268;g1f213c8c16b_0_ 17" descr=""/>
             <p:cNvPicPr/>
             <p:nvPr/>
           </p:nvPicPr>
@@ -13818,7 +13877,7 @@
           <p:spPr>
             <a:xfrm>
               <a:off x="49320" y="0"/>
-              <a:ext cx="12190320" cy="6856200"/>
+              <a:ext cx="12189960" cy="6855840"/>
             </a:xfrm>
             <a:prstGeom prst="rect">
               <a:avLst/>
@@ -13831,7 +13890,7 @@
       </p:grpSp>
       <p:pic>
         <p:nvPicPr>
-          <p:cNvPr id="278" name="Google Shape;269;g1f213c8c16b_0_ 17" descr=""/>
+          <p:cNvPr id="281" name="Google Shape;269;g1f213c8c16b_0_ 17" descr=""/>
           <p:cNvPicPr/>
           <p:nvPr/>
         </p:nvPicPr>
@@ -13842,7 +13901,7 @@
         <p:spPr>
           <a:xfrm>
             <a:off x="4815360" y="165600"/>
-            <a:ext cx="2337480" cy="1118880"/>
+            <a:ext cx="2337120" cy="1118520"/>
           </a:xfrm>
           <a:prstGeom prst="rect">
             <a:avLst/>
@@ -13854,21 +13913,21 @@
       </p:pic>
       <p:grpSp>
         <p:nvGrpSpPr>
-          <p:cNvPr id="279" name="Google Shape;287;g1f213c8c16b_0_ 17"/>
+          <p:cNvPr id="282" name="Google Shape;287;g1f213c8c16b_0_ 17"/>
           <p:cNvGrpSpPr/>
           <p:nvPr/>
         </p:nvGrpSpPr>
         <p:grpSpPr>
           <a:xfrm>
             <a:off x="626400" y="254520"/>
-            <a:ext cx="11249640" cy="981360"/>
+            <a:ext cx="11249280" cy="981000"/>
             <a:chOff x="626400" y="254520"/>
-            <a:chExt cx="11249640" cy="981360"/>
+            <a:chExt cx="11249280" cy="981000"/>
           </a:xfrm>
         </p:grpSpPr>
         <p:pic>
           <p:nvPicPr>
-            <p:cNvPr id="280" name="Google Shape;288;g1f213c8c16b_0_ 17" descr=""/>
+            <p:cNvPr id="283" name="Google Shape;288;g1f213c8c16b_0_ 17" descr=""/>
             <p:cNvPicPr/>
             <p:nvPr/>
           </p:nvPicPr>
@@ -13879,7 +13938,7 @@
           <p:spPr>
             <a:xfrm>
               <a:off x="10059840" y="254520"/>
-              <a:ext cx="1816200" cy="981360"/>
+              <a:ext cx="1815840" cy="981000"/>
             </a:xfrm>
             <a:prstGeom prst="rect">
               <a:avLst/>
@@ -13891,7 +13950,7 @@
         </p:pic>
         <p:pic>
           <p:nvPicPr>
-            <p:cNvPr id="281" name="Google Shape;289;g1f213c8c16b_0_ 17" descr=""/>
+            <p:cNvPr id="284" name="Google Shape;289;g1f213c8c16b_0_ 17" descr=""/>
             <p:cNvPicPr/>
             <p:nvPr/>
           </p:nvPicPr>
@@ -13902,7 +13961,7 @@
           <p:spPr>
             <a:xfrm>
               <a:off x="626400" y="484200"/>
-              <a:ext cx="1504080" cy="522720"/>
+              <a:ext cx="1503720" cy="522360"/>
             </a:xfrm>
             <a:prstGeom prst="rect">
               <a:avLst/>
@@ -13915,14 +13974,14 @@
       </p:grpSp>
       <p:sp>
         <p:nvSpPr>
-          <p:cNvPr id="282" name="Google Shape;253;g1f213c8c16b_0_ 17"/>
+          <p:cNvPr id="285" name="Google Shape;253;g1f213c8c16b_0_ 17"/>
           <p:cNvSpPr/>
           <p:nvPr/>
         </p:nvSpPr>
         <p:spPr>
           <a:xfrm>
             <a:off x="1440000" y="1080000"/>
-            <a:ext cx="9359280" cy="638280"/>
+            <a:ext cx="9358920" cy="638280"/>
           </a:xfrm>
           <a:prstGeom prst="rect">
             <a:avLst/>
@@ -13978,7 +14037,7 @@
       </p:sp>
       <p:pic>
         <p:nvPicPr>
-          <p:cNvPr id="283" name="" descr=""/>
+          <p:cNvPr id="286" name="" descr=""/>
           <p:cNvPicPr/>
           <p:nvPr/>
         </p:nvPicPr>
@@ -13989,7 +14048,7 @@
         <p:spPr>
           <a:xfrm>
             <a:off x="4320000" y="2160000"/>
-            <a:ext cx="3781080" cy="675360"/>
+            <a:ext cx="3780720" cy="675000"/>
           </a:xfrm>
           <a:prstGeom prst="rect">
             <a:avLst/>
@@ -14001,7 +14060,7 @@
       </p:pic>
       <p:pic>
         <p:nvPicPr>
-          <p:cNvPr id="284" name="" descr=""/>
+          <p:cNvPr id="287" name="" descr=""/>
           <p:cNvPicPr/>
           <p:nvPr/>
         </p:nvPicPr>
@@ -14012,7 +14071,7 @@
         <p:spPr>
           <a:xfrm>
             <a:off x="3849840" y="3192840"/>
-            <a:ext cx="4609800" cy="3466800"/>
+            <a:ext cx="4609440" cy="3466440"/>
           </a:xfrm>
           <a:prstGeom prst="rect">
             <a:avLst/>
@@ -14054,21 +14113,21 @@
       </p:grpSpPr>
       <p:grpSp>
         <p:nvGrpSpPr>
-          <p:cNvPr id="285" name="Google Shape;266;g1f213c8c16b_0_ 18"/>
+          <p:cNvPr id="288" name="Google Shape;266;g1f213c8c16b_0_ 18"/>
           <p:cNvGrpSpPr/>
           <p:nvPr/>
         </p:nvGrpSpPr>
         <p:grpSpPr>
           <a:xfrm>
             <a:off x="49320" y="0"/>
-            <a:ext cx="12190320" cy="6856200"/>
+            <a:ext cx="12189960" cy="6855840"/>
             <a:chOff x="49320" y="0"/>
-            <a:chExt cx="12190320" cy="6856200"/>
+            <a:chExt cx="12189960" cy="6855840"/>
           </a:xfrm>
         </p:grpSpPr>
         <p:pic>
           <p:nvPicPr>
-            <p:cNvPr id="286" name="Google Shape;267;g1f213c8c16b_0_ 18" descr=""/>
+            <p:cNvPr id="289" name="Google Shape;267;g1f213c8c16b_0_ 18" descr=""/>
             <p:cNvPicPr/>
             <p:nvPr/>
           </p:nvPicPr>
@@ -14080,7 +14139,7 @@
           <p:spPr>
             <a:xfrm>
               <a:off x="49320" y="0"/>
-              <a:ext cx="12190320" cy="6856200"/>
+              <a:ext cx="12189960" cy="6855840"/>
             </a:xfrm>
             <a:prstGeom prst="rect">
               <a:avLst/>
@@ -14092,7 +14151,7 @@
         </p:pic>
         <p:pic>
           <p:nvPicPr>
-            <p:cNvPr id="287" name="Google Shape;268;g1f213c8c16b_0_ 18" descr=""/>
+            <p:cNvPr id="290" name="Google Shape;268;g1f213c8c16b_0_ 18" descr=""/>
             <p:cNvPicPr/>
             <p:nvPr/>
           </p:nvPicPr>
@@ -14103,7 +14162,7 @@
           <p:spPr>
             <a:xfrm>
               <a:off x="49320" y="0"/>
-              <a:ext cx="12190320" cy="6856200"/>
+              <a:ext cx="12189960" cy="6855840"/>
             </a:xfrm>
             <a:prstGeom prst="rect">
               <a:avLst/>
@@ -14116,7 +14175,7 @@
       </p:grpSp>
       <p:pic>
         <p:nvPicPr>
-          <p:cNvPr id="288" name="Google Shape;269;g1f213c8c16b_0_ 18" descr=""/>
+          <p:cNvPr id="291" name="Google Shape;269;g1f213c8c16b_0_ 18" descr=""/>
           <p:cNvPicPr/>
           <p:nvPr/>
         </p:nvPicPr>
@@ -14127,7 +14186,7 @@
         <p:spPr>
           <a:xfrm>
             <a:off x="4815360" y="165600"/>
-            <a:ext cx="2337480" cy="1118880"/>
+            <a:ext cx="2337120" cy="1118520"/>
           </a:xfrm>
           <a:prstGeom prst="rect">
             <a:avLst/>
@@ -14139,21 +14198,21 @@
       </p:pic>
       <p:grpSp>
         <p:nvGrpSpPr>
-          <p:cNvPr id="289" name="Google Shape;287;g1f213c8c16b_0_ 18"/>
+          <p:cNvPr id="292" name="Google Shape;287;g1f213c8c16b_0_ 18"/>
           <p:cNvGrpSpPr/>
           <p:nvPr/>
         </p:nvGrpSpPr>
         <p:grpSpPr>
           <a:xfrm>
             <a:off x="626400" y="254520"/>
-            <a:ext cx="11249640" cy="981360"/>
+            <a:ext cx="11249280" cy="981000"/>
             <a:chOff x="626400" y="254520"/>
-            <a:chExt cx="11249640" cy="981360"/>
+            <a:chExt cx="11249280" cy="981000"/>
           </a:xfrm>
         </p:grpSpPr>
         <p:pic>
           <p:nvPicPr>
-            <p:cNvPr id="290" name="Google Shape;288;g1f213c8c16b_0_ 18" descr=""/>
+            <p:cNvPr id="293" name="Google Shape;288;g1f213c8c16b_0_ 18" descr=""/>
             <p:cNvPicPr/>
             <p:nvPr/>
           </p:nvPicPr>
@@ -14164,7 +14223,7 @@
           <p:spPr>
             <a:xfrm>
               <a:off x="10059840" y="254520"/>
-              <a:ext cx="1816200" cy="981360"/>
+              <a:ext cx="1815840" cy="981000"/>
             </a:xfrm>
             <a:prstGeom prst="rect">
               <a:avLst/>
@@ -14176,7 +14235,7 @@
         </p:pic>
         <p:pic>
           <p:nvPicPr>
-            <p:cNvPr id="291" name="Google Shape;289;g1f213c8c16b_0_ 18" descr=""/>
+            <p:cNvPr id="294" name="Google Shape;289;g1f213c8c16b_0_ 18" descr=""/>
             <p:cNvPicPr/>
             <p:nvPr/>
           </p:nvPicPr>
@@ -14187,7 +14246,7 @@
           <p:spPr>
             <a:xfrm>
               <a:off x="626400" y="484200"/>
-              <a:ext cx="1504080" cy="522720"/>
+              <a:ext cx="1503720" cy="522360"/>
             </a:xfrm>
             <a:prstGeom prst="rect">
               <a:avLst/>
@@ -14200,14 +14259,14 @@
       </p:grpSp>
       <p:sp>
         <p:nvSpPr>
-          <p:cNvPr id="292" name="Google Shape;253;g1f213c8c16b_0_ 18"/>
+          <p:cNvPr id="295" name="Google Shape;253;g1f213c8c16b_0_ 18"/>
           <p:cNvSpPr/>
           <p:nvPr/>
         </p:nvSpPr>
         <p:spPr>
           <a:xfrm>
             <a:off x="1440000" y="1080000"/>
-            <a:ext cx="9359280" cy="638280"/>
+            <a:ext cx="9358920" cy="638280"/>
           </a:xfrm>
           <a:prstGeom prst="rect">
             <a:avLst/>
@@ -14263,7 +14322,7 @@
       </p:sp>
       <p:pic>
         <p:nvPicPr>
-          <p:cNvPr id="293" name="" descr=""/>
+          <p:cNvPr id="296" name="" descr=""/>
           <p:cNvPicPr/>
           <p:nvPr/>
         </p:nvPicPr>
@@ -14274,7 +14333,7 @@
         <p:spPr>
           <a:xfrm>
             <a:off x="4005720" y="2418840"/>
-            <a:ext cx="4200120" cy="3514320"/>
+            <a:ext cx="4199760" cy="3513960"/>
           </a:xfrm>
           <a:prstGeom prst="rect">
             <a:avLst/>
@@ -14316,21 +14375,21 @@
       </p:grpSpPr>
       <p:grpSp>
         <p:nvGrpSpPr>
-          <p:cNvPr id="294" name="Google Shape;266;g1f213c8c16b_0_ 19"/>
+          <p:cNvPr id="297" name="Google Shape;266;g1f213c8c16b_0_ 19"/>
           <p:cNvGrpSpPr/>
           <p:nvPr/>
         </p:nvGrpSpPr>
         <p:grpSpPr>
           <a:xfrm>
             <a:off x="49320" y="0"/>
-            <a:ext cx="12190320" cy="6856200"/>
+            <a:ext cx="12189960" cy="6855840"/>
             <a:chOff x="49320" y="0"/>
-            <a:chExt cx="12190320" cy="6856200"/>
+            <a:chExt cx="12189960" cy="6855840"/>
           </a:xfrm>
         </p:grpSpPr>
         <p:pic>
           <p:nvPicPr>
-            <p:cNvPr id="295" name="Google Shape;267;g1f213c8c16b_0_ 19" descr=""/>
+            <p:cNvPr id="298" name="Google Shape;267;g1f213c8c16b_0_ 19" descr=""/>
             <p:cNvPicPr/>
             <p:nvPr/>
           </p:nvPicPr>
@@ -14342,7 +14401,7 @@
           <p:spPr>
             <a:xfrm>
               <a:off x="49320" y="0"/>
-              <a:ext cx="12190320" cy="6856200"/>
+              <a:ext cx="12189960" cy="6855840"/>
             </a:xfrm>
             <a:prstGeom prst="rect">
               <a:avLst/>
@@ -14354,7 +14413,7 @@
         </p:pic>
         <p:pic>
           <p:nvPicPr>
-            <p:cNvPr id="296" name="Google Shape;268;g1f213c8c16b_0_ 19" descr=""/>
+            <p:cNvPr id="299" name="Google Shape;268;g1f213c8c16b_0_ 19" descr=""/>
             <p:cNvPicPr/>
             <p:nvPr/>
           </p:nvPicPr>
@@ -14365,7 +14424,7 @@
           <p:spPr>
             <a:xfrm>
               <a:off x="49320" y="0"/>
-              <a:ext cx="12190320" cy="6856200"/>
+              <a:ext cx="12189960" cy="6855840"/>
             </a:xfrm>
             <a:prstGeom prst="rect">
               <a:avLst/>
@@ -14378,7 +14437,7 @@
       </p:grpSp>
       <p:pic>
         <p:nvPicPr>
-          <p:cNvPr id="297" name="Google Shape;269;g1f213c8c16b_0_ 19" descr=""/>
+          <p:cNvPr id="300" name="Google Shape;269;g1f213c8c16b_0_ 19" descr=""/>
           <p:cNvPicPr/>
           <p:nvPr/>
         </p:nvPicPr>
@@ -14389,7 +14448,7 @@
         <p:spPr>
           <a:xfrm>
             <a:off x="4815360" y="165600"/>
-            <a:ext cx="2337480" cy="1118880"/>
+            <a:ext cx="2337120" cy="1118520"/>
           </a:xfrm>
           <a:prstGeom prst="rect">
             <a:avLst/>
@@ -14401,21 +14460,21 @@
       </p:pic>
       <p:grpSp>
         <p:nvGrpSpPr>
-          <p:cNvPr id="298" name="Google Shape;287;g1f213c8c16b_0_ 19"/>
+          <p:cNvPr id="301" name="Google Shape;287;g1f213c8c16b_0_ 19"/>
           <p:cNvGrpSpPr/>
           <p:nvPr/>
         </p:nvGrpSpPr>
         <p:grpSpPr>
           <a:xfrm>
             <a:off x="626400" y="254520"/>
-            <a:ext cx="11249640" cy="981360"/>
+            <a:ext cx="11249280" cy="981000"/>
             <a:chOff x="626400" y="254520"/>
-            <a:chExt cx="11249640" cy="981360"/>
+            <a:chExt cx="11249280" cy="981000"/>
           </a:xfrm>
         </p:grpSpPr>
         <p:pic>
           <p:nvPicPr>
-            <p:cNvPr id="299" name="Google Shape;288;g1f213c8c16b_0_ 19" descr=""/>
+            <p:cNvPr id="302" name="Google Shape;288;g1f213c8c16b_0_ 19" descr=""/>
             <p:cNvPicPr/>
             <p:nvPr/>
           </p:nvPicPr>
@@ -14426,7 +14485,7 @@
           <p:spPr>
             <a:xfrm>
               <a:off x="10059840" y="254520"/>
-              <a:ext cx="1816200" cy="981360"/>
+              <a:ext cx="1815840" cy="981000"/>
             </a:xfrm>
             <a:prstGeom prst="rect">
               <a:avLst/>
@@ -14438,7 +14497,7 @@
         </p:pic>
         <p:pic>
           <p:nvPicPr>
-            <p:cNvPr id="300" name="Google Shape;289;g1f213c8c16b_0_ 19" descr=""/>
+            <p:cNvPr id="303" name="Google Shape;289;g1f213c8c16b_0_ 19" descr=""/>
             <p:cNvPicPr/>
             <p:nvPr/>
           </p:nvPicPr>
@@ -14449,7 +14508,7 @@
           <p:spPr>
             <a:xfrm>
               <a:off x="626400" y="484200"/>
-              <a:ext cx="1504080" cy="522720"/>
+              <a:ext cx="1503720" cy="522360"/>
             </a:xfrm>
             <a:prstGeom prst="rect">
               <a:avLst/>
@@ -14462,14 +14521,14 @@
       </p:grpSp>
       <p:sp>
         <p:nvSpPr>
-          <p:cNvPr id="301" name="Google Shape;253;g1f213c8c16b_0_ 19"/>
+          <p:cNvPr id="304" name="Google Shape;253;g1f213c8c16b_0_ 19"/>
           <p:cNvSpPr/>
           <p:nvPr/>
         </p:nvSpPr>
         <p:spPr>
           <a:xfrm>
             <a:off x="1440000" y="1080000"/>
-            <a:ext cx="9359280" cy="638280"/>
+            <a:ext cx="9358920" cy="638280"/>
           </a:xfrm>
           <a:prstGeom prst="rect">
             <a:avLst/>
@@ -14525,7 +14584,7 @@
       </p:sp>
       <p:pic>
         <p:nvPicPr>
-          <p:cNvPr id="302" name="" descr=""/>
+          <p:cNvPr id="305" name="" descr=""/>
           <p:cNvPicPr/>
           <p:nvPr/>
         </p:nvPicPr>
@@ -14535,8 +14594,8 @@
         </p:blipFill>
         <p:spPr>
           <a:xfrm>
-            <a:off x="6300000" y="2160000"/>
-            <a:ext cx="5467320" cy="3485880"/>
+            <a:off x="6120360" y="2160000"/>
+            <a:ext cx="5646600" cy="3600000"/>
           </a:xfrm>
           <a:prstGeom prst="rect">
             <a:avLst/>
@@ -14548,7 +14607,7 @@
       </p:pic>
       <p:pic>
         <p:nvPicPr>
-          <p:cNvPr id="303" name="" descr=""/>
+          <p:cNvPr id="306" name="" descr=""/>
           <p:cNvPicPr/>
           <p:nvPr/>
         </p:nvPicPr>
@@ -14559,7 +14618,7 @@
         <p:spPr>
           <a:xfrm>
             <a:off x="180000" y="2520000"/>
-            <a:ext cx="5759640" cy="2879640"/>
+            <a:ext cx="5759280" cy="2879280"/>
           </a:xfrm>
           <a:prstGeom prst="rect">
             <a:avLst/>
@@ -14601,21 +14660,21 @@
       </p:grpSpPr>
       <p:grpSp>
         <p:nvGrpSpPr>
-          <p:cNvPr id="304" name="Google Shape;266;g1f213c8c16b_0_ 20"/>
+          <p:cNvPr id="307" name="Google Shape;266;g1f213c8c16b_0_ 20"/>
           <p:cNvGrpSpPr/>
           <p:nvPr/>
         </p:nvGrpSpPr>
         <p:grpSpPr>
           <a:xfrm>
             <a:off x="49320" y="0"/>
-            <a:ext cx="12190320" cy="6856200"/>
+            <a:ext cx="12189960" cy="6855840"/>
             <a:chOff x="49320" y="0"/>
-            <a:chExt cx="12190320" cy="6856200"/>
+            <a:chExt cx="12189960" cy="6855840"/>
           </a:xfrm>
         </p:grpSpPr>
         <p:pic>
           <p:nvPicPr>
-            <p:cNvPr id="305" name="Google Shape;267;g1f213c8c16b_0_ 20" descr=""/>
+            <p:cNvPr id="308" name="Google Shape;267;g1f213c8c16b_0_ 20" descr=""/>
             <p:cNvPicPr/>
             <p:nvPr/>
           </p:nvPicPr>
@@ -14627,7 +14686,7 @@
           <p:spPr>
             <a:xfrm>
               <a:off x="49320" y="0"/>
-              <a:ext cx="12190320" cy="6856200"/>
+              <a:ext cx="12189960" cy="6855840"/>
             </a:xfrm>
             <a:prstGeom prst="rect">
               <a:avLst/>
@@ -14639,7 +14698,7 @@
         </p:pic>
         <p:pic>
           <p:nvPicPr>
-            <p:cNvPr id="306" name="Google Shape;268;g1f213c8c16b_0_ 20" descr=""/>
+            <p:cNvPr id="309" name="Google Shape;268;g1f213c8c16b_0_ 20" descr=""/>
             <p:cNvPicPr/>
             <p:nvPr/>
           </p:nvPicPr>
@@ -14650,7 +14709,7 @@
           <p:spPr>
             <a:xfrm>
               <a:off x="49320" y="0"/>
-              <a:ext cx="12190320" cy="6856200"/>
+              <a:ext cx="12189960" cy="6855840"/>
             </a:xfrm>
             <a:prstGeom prst="rect">
               <a:avLst/>
@@ -14663,7 +14722,7 @@
       </p:grpSp>
       <p:pic>
         <p:nvPicPr>
-          <p:cNvPr id="307" name="Google Shape;269;g1f213c8c16b_0_ 20" descr=""/>
+          <p:cNvPr id="310" name="Google Shape;269;g1f213c8c16b_0_ 20" descr=""/>
           <p:cNvPicPr/>
           <p:nvPr/>
         </p:nvPicPr>
@@ -14674,7 +14733,7 @@
         <p:spPr>
           <a:xfrm>
             <a:off x="4815360" y="165600"/>
-            <a:ext cx="2337480" cy="1118880"/>
+            <a:ext cx="2337120" cy="1118520"/>
           </a:xfrm>
           <a:prstGeom prst="rect">
             <a:avLst/>
@@ -14686,21 +14745,21 @@
       </p:pic>
       <p:grpSp>
         <p:nvGrpSpPr>
-          <p:cNvPr id="308" name="Google Shape;287;g1f213c8c16b_0_ 20"/>
+          <p:cNvPr id="311" name="Google Shape;287;g1f213c8c16b_0_ 20"/>
           <p:cNvGrpSpPr/>
           <p:nvPr/>
         </p:nvGrpSpPr>
         <p:grpSpPr>
           <a:xfrm>
             <a:off x="626400" y="254520"/>
-            <a:ext cx="11249640" cy="981360"/>
+            <a:ext cx="11249280" cy="981000"/>
             <a:chOff x="626400" y="254520"/>
-            <a:chExt cx="11249640" cy="981360"/>
+            <a:chExt cx="11249280" cy="981000"/>
           </a:xfrm>
         </p:grpSpPr>
         <p:pic>
           <p:nvPicPr>
-            <p:cNvPr id="309" name="Google Shape;288;g1f213c8c16b_0_ 20" descr=""/>
+            <p:cNvPr id="312" name="Google Shape;288;g1f213c8c16b_0_ 20" descr=""/>
             <p:cNvPicPr/>
             <p:nvPr/>
           </p:nvPicPr>
@@ -14711,7 +14770,7 @@
           <p:spPr>
             <a:xfrm>
               <a:off x="10059840" y="254520"/>
-              <a:ext cx="1816200" cy="981360"/>
+              <a:ext cx="1815840" cy="981000"/>
             </a:xfrm>
             <a:prstGeom prst="rect">
               <a:avLst/>
@@ -14723,7 +14782,7 @@
         </p:pic>
         <p:pic>
           <p:nvPicPr>
-            <p:cNvPr id="310" name="Google Shape;289;g1f213c8c16b_0_ 20" descr=""/>
+            <p:cNvPr id="313" name="Google Shape;289;g1f213c8c16b_0_ 20" descr=""/>
             <p:cNvPicPr/>
             <p:nvPr/>
           </p:nvPicPr>
@@ -14734,7 +14793,7 @@
           <p:spPr>
             <a:xfrm>
               <a:off x="626400" y="484200"/>
-              <a:ext cx="1504080" cy="522720"/>
+              <a:ext cx="1503720" cy="522360"/>
             </a:xfrm>
             <a:prstGeom prst="rect">
               <a:avLst/>
@@ -14747,14 +14806,14 @@
       </p:grpSp>
       <p:sp>
         <p:nvSpPr>
-          <p:cNvPr id="311" name="Google Shape;253;g1f213c8c16b_0_ 20"/>
+          <p:cNvPr id="314" name="Google Shape;253;g1f213c8c16b_0_ 20"/>
           <p:cNvSpPr/>
           <p:nvPr/>
         </p:nvSpPr>
         <p:spPr>
           <a:xfrm>
             <a:off x="1440000" y="1080000"/>
-            <a:ext cx="9359280" cy="638280"/>
+            <a:ext cx="9358920" cy="638280"/>
           </a:xfrm>
           <a:prstGeom prst="rect">
             <a:avLst/>
@@ -14840,21 +14899,21 @@
       </p:grpSpPr>
       <p:grpSp>
         <p:nvGrpSpPr>
-          <p:cNvPr id="312" name="Google Shape;266;g1f213c8c16b_0_ 21"/>
+          <p:cNvPr id="315" name="Google Shape;266;g1f213c8c16b_0_ 21"/>
           <p:cNvGrpSpPr/>
           <p:nvPr/>
         </p:nvGrpSpPr>
         <p:grpSpPr>
           <a:xfrm>
             <a:off x="49320" y="0"/>
-            <a:ext cx="12190320" cy="6856200"/>
+            <a:ext cx="12189960" cy="6855840"/>
             <a:chOff x="49320" y="0"/>
-            <a:chExt cx="12190320" cy="6856200"/>
+            <a:chExt cx="12189960" cy="6855840"/>
           </a:xfrm>
         </p:grpSpPr>
         <p:pic>
           <p:nvPicPr>
-            <p:cNvPr id="313" name="Google Shape;267;g1f213c8c16b_0_ 21" descr=""/>
+            <p:cNvPr id="316" name="Google Shape;267;g1f213c8c16b_0_ 21" descr=""/>
             <p:cNvPicPr/>
             <p:nvPr/>
           </p:nvPicPr>
@@ -14866,7 +14925,7 @@
           <p:spPr>
             <a:xfrm>
               <a:off x="49320" y="0"/>
-              <a:ext cx="12190320" cy="6856200"/>
+              <a:ext cx="12189960" cy="6855840"/>
             </a:xfrm>
             <a:prstGeom prst="rect">
               <a:avLst/>
@@ -14878,7 +14937,7 @@
         </p:pic>
         <p:pic>
           <p:nvPicPr>
-            <p:cNvPr id="314" name="Google Shape;268;g1f213c8c16b_0_ 21" descr=""/>
+            <p:cNvPr id="317" name="Google Shape;268;g1f213c8c16b_0_ 21" descr=""/>
             <p:cNvPicPr/>
             <p:nvPr/>
           </p:nvPicPr>
@@ -14889,7 +14948,7 @@
           <p:spPr>
             <a:xfrm>
               <a:off x="49320" y="0"/>
-              <a:ext cx="12190320" cy="6856200"/>
+              <a:ext cx="12189960" cy="6855840"/>
             </a:xfrm>
             <a:prstGeom prst="rect">
               <a:avLst/>
@@ -14902,7 +14961,7 @@
       </p:grpSp>
       <p:pic>
         <p:nvPicPr>
-          <p:cNvPr id="315" name="Google Shape;269;g1f213c8c16b_0_ 21" descr=""/>
+          <p:cNvPr id="318" name="Google Shape;269;g1f213c8c16b_0_ 21" descr=""/>
           <p:cNvPicPr/>
           <p:nvPr/>
         </p:nvPicPr>
@@ -14913,7 +14972,7 @@
         <p:spPr>
           <a:xfrm>
             <a:off x="4815360" y="165600"/>
-            <a:ext cx="2337480" cy="1118880"/>
+            <a:ext cx="2337120" cy="1118520"/>
           </a:xfrm>
           <a:prstGeom prst="rect">
             <a:avLst/>
@@ -14925,21 +14984,21 @@
       </p:pic>
       <p:grpSp>
         <p:nvGrpSpPr>
-          <p:cNvPr id="316" name="Google Shape;287;g1f213c8c16b_0_ 21"/>
+          <p:cNvPr id="319" name="Google Shape;287;g1f213c8c16b_0_ 21"/>
           <p:cNvGrpSpPr/>
           <p:nvPr/>
         </p:nvGrpSpPr>
         <p:grpSpPr>
           <a:xfrm>
             <a:off x="626400" y="254520"/>
-            <a:ext cx="11249640" cy="981360"/>
+            <a:ext cx="11249280" cy="981000"/>
             <a:chOff x="626400" y="254520"/>
-            <a:chExt cx="11249640" cy="981360"/>
+            <a:chExt cx="11249280" cy="981000"/>
           </a:xfrm>
         </p:grpSpPr>
         <p:pic>
           <p:nvPicPr>
-            <p:cNvPr id="317" name="Google Shape;288;g1f213c8c16b_0_ 21" descr=""/>
+            <p:cNvPr id="320" name="Google Shape;288;g1f213c8c16b_0_ 21" descr=""/>
             <p:cNvPicPr/>
             <p:nvPr/>
           </p:nvPicPr>
@@ -14950,7 +15009,7 @@
           <p:spPr>
             <a:xfrm>
               <a:off x="10059840" y="254520"/>
-              <a:ext cx="1816200" cy="981360"/>
+              <a:ext cx="1815840" cy="981000"/>
             </a:xfrm>
             <a:prstGeom prst="rect">
               <a:avLst/>
@@ -14962,7 +15021,7 @@
         </p:pic>
         <p:pic>
           <p:nvPicPr>
-            <p:cNvPr id="318" name="Google Shape;289;g1f213c8c16b_0_ 21" descr=""/>
+            <p:cNvPr id="321" name="Google Shape;289;g1f213c8c16b_0_ 21" descr=""/>
             <p:cNvPicPr/>
             <p:nvPr/>
           </p:nvPicPr>
@@ -14973,7 +15032,7 @@
           <p:spPr>
             <a:xfrm>
               <a:off x="626400" y="484200"/>
-              <a:ext cx="1504080" cy="522720"/>
+              <a:ext cx="1503720" cy="522360"/>
             </a:xfrm>
             <a:prstGeom prst="rect">
               <a:avLst/>
@@ -14986,14 +15045,14 @@
       </p:grpSp>
       <p:sp>
         <p:nvSpPr>
-          <p:cNvPr id="319" name="Google Shape;253;g1f213c8c16b_0_ 21"/>
+          <p:cNvPr id="322" name="Google Shape;253;g1f213c8c16b_0_ 21"/>
           <p:cNvSpPr/>
           <p:nvPr/>
         </p:nvSpPr>
         <p:spPr>
           <a:xfrm>
             <a:off x="1440000" y="1080000"/>
-            <a:ext cx="9359280" cy="638280"/>
+            <a:ext cx="9358920" cy="638280"/>
           </a:xfrm>
           <a:prstGeom prst="rect">
             <a:avLst/>
@@ -15049,14 +15108,14 @@
       </p:sp>
       <p:sp>
         <p:nvSpPr>
-          <p:cNvPr id="320" name=""/>
+          <p:cNvPr id="323" name=""/>
           <p:cNvSpPr/>
           <p:nvPr/>
         </p:nvSpPr>
         <p:spPr>
           <a:xfrm>
             <a:off x="1757880" y="2813040"/>
-            <a:ext cx="8717760" cy="1281960"/>
+            <a:ext cx="8717400" cy="1281600"/>
           </a:xfrm>
           <a:prstGeom prst="rect">
             <a:avLst/>
@@ -15134,7 +15193,7 @@
       </p:grpSpPr>
       <p:pic>
         <p:nvPicPr>
-          <p:cNvPr id="321" name="Google Shape;311;g1f213c8c16b_0_211" descr=""/>
+          <p:cNvPr id="324" name="Google Shape;311;g1f213c8c16b_0_211" descr=""/>
           <p:cNvPicPr/>
           <p:nvPr/>
         </p:nvPicPr>
@@ -15145,7 +15204,7 @@
         <p:spPr>
           <a:xfrm>
             <a:off x="3965040" y="4641120"/>
-            <a:ext cx="4088160" cy="1335600"/>
+            <a:ext cx="4087800" cy="1335240"/>
           </a:xfrm>
           <a:prstGeom prst="rect">
             <a:avLst/>
@@ -15157,14 +15216,14 @@
       </p:pic>
       <p:sp>
         <p:nvSpPr>
-          <p:cNvPr id="322" name="Google Shape;312;g1f213c8c16b_0_211"/>
+          <p:cNvPr id="325" name="Google Shape;312;g1f213c8c16b_0_211"/>
           <p:cNvSpPr/>
           <p:nvPr/>
         </p:nvSpPr>
         <p:spPr>
           <a:xfrm>
             <a:off x="1228680" y="585000"/>
-            <a:ext cx="9564840" cy="1186920"/>
+            <a:ext cx="9564480" cy="1186920"/>
           </a:xfrm>
           <a:prstGeom prst="rect">
             <a:avLst/>
@@ -15214,7 +15273,7 @@
       </p:sp>
       <p:pic>
         <p:nvPicPr>
-          <p:cNvPr id="323" name="Google Shape;313;g1f213c8c16b_0_211" descr=""/>
+          <p:cNvPr id="326" name="Google Shape;313;g1f213c8c16b_0_211" descr=""/>
           <p:cNvPicPr/>
           <p:nvPr/>
         </p:nvPicPr>
@@ -15226,7 +15285,7 @@
         <p:spPr>
           <a:xfrm>
             <a:off x="4869360" y="2808000"/>
-            <a:ext cx="2451240" cy="869760"/>
+            <a:ext cx="2450880" cy="869400"/>
           </a:xfrm>
           <a:prstGeom prst="rect">
             <a:avLst/>
@@ -15238,7 +15297,7 @@
       </p:pic>
       <p:pic>
         <p:nvPicPr>
-          <p:cNvPr id="324" name="Google Shape;314;g1f213c8c16b_0_211" descr=""/>
+          <p:cNvPr id="327" name="Google Shape;314;g1f213c8c16b_0_211" descr=""/>
           <p:cNvPicPr/>
           <p:nvPr/>
         </p:nvPicPr>
@@ -15249,7 +15308,7 @@
         <p:spPr>
           <a:xfrm>
             <a:off x="1228680" y="2808000"/>
-            <a:ext cx="1853280" cy="644760"/>
+            <a:ext cx="1852920" cy="644400"/>
           </a:xfrm>
           <a:prstGeom prst="rect">
             <a:avLst/>
@@ -15261,7 +15320,7 @@
       </p:pic>
       <p:pic>
         <p:nvPicPr>
-          <p:cNvPr id="325" name="Google Shape;315;g1f213c8c16b_0_211" descr=""/>
+          <p:cNvPr id="328" name="Google Shape;315;g1f213c8c16b_0_211" descr=""/>
           <p:cNvPicPr/>
           <p:nvPr/>
         </p:nvPicPr>
@@ -15272,7 +15331,7 @@
         <p:spPr>
           <a:xfrm>
             <a:off x="8579880" y="2695680"/>
-            <a:ext cx="2025720" cy="1094760"/>
+            <a:ext cx="2025360" cy="1094400"/>
           </a:xfrm>
           <a:prstGeom prst="rect">
             <a:avLst/>
@@ -15284,7 +15343,7 @@
       </p:pic>
       <p:pic>
         <p:nvPicPr>
-          <p:cNvPr id="326" name="Google Shape;316;g1f213c8c16b_0_211" descr=""/>
+          <p:cNvPr id="329" name="Google Shape;316;g1f213c8c16b_0_211" descr=""/>
           <p:cNvPicPr/>
           <p:nvPr/>
         </p:nvPicPr>
@@ -15295,7 +15354,7 @@
         <p:spPr>
           <a:xfrm>
             <a:off x="597600" y="398520"/>
-            <a:ext cx="1086120" cy="377640"/>
+            <a:ext cx="1085760" cy="377280"/>
           </a:xfrm>
           <a:prstGeom prst="rect">
             <a:avLst/>
@@ -15307,7 +15366,7 @@
       </p:pic>
       <p:pic>
         <p:nvPicPr>
-          <p:cNvPr id="327" name="Google Shape;317;g1f213c8c16b_0_211" descr=""/>
+          <p:cNvPr id="330" name="Google Shape;317;g1f213c8c16b_0_211" descr=""/>
           <p:cNvPicPr/>
           <p:nvPr/>
         </p:nvPicPr>
@@ -15318,7 +15377,7 @@
         <p:spPr>
           <a:xfrm>
             <a:off x="10002240" y="199800"/>
-            <a:ext cx="1422360" cy="768240"/>
+            <a:ext cx="1422000" cy="767880"/>
           </a:xfrm>
           <a:prstGeom prst="rect">
             <a:avLst/>
@@ -15360,21 +15419,21 @@
       </p:grpSpPr>
       <p:grpSp>
         <p:nvGrpSpPr>
-          <p:cNvPr id="328" name="Google Shape;323;g1f213c8c16b_0_222"/>
+          <p:cNvPr id="331" name="Google Shape;323;g1f213c8c16b_0_222"/>
           <p:cNvGrpSpPr/>
           <p:nvPr/>
         </p:nvGrpSpPr>
         <p:grpSpPr>
           <a:xfrm>
             <a:off x="0" y="0"/>
-            <a:ext cx="12190320" cy="6856200"/>
+            <a:ext cx="12189960" cy="6855840"/>
             <a:chOff x="0" y="0"/>
-            <a:chExt cx="12190320" cy="6856200"/>
+            <a:chExt cx="12189960" cy="6855840"/>
           </a:xfrm>
         </p:grpSpPr>
         <p:pic>
           <p:nvPicPr>
-            <p:cNvPr id="329" name="Google Shape;324;g1f213c8c16b_0_222" descr=""/>
+            <p:cNvPr id="332" name="Google Shape;324;g1f213c8c16b_0_222" descr=""/>
             <p:cNvPicPr/>
             <p:nvPr/>
           </p:nvPicPr>
@@ -15386,7 +15445,7 @@
           <p:spPr>
             <a:xfrm>
               <a:off x="0" y="0"/>
-              <a:ext cx="12190320" cy="6856200"/>
+              <a:ext cx="12189960" cy="6855840"/>
             </a:xfrm>
             <a:prstGeom prst="rect">
               <a:avLst/>
@@ -15398,7 +15457,7 @@
         </p:pic>
         <p:pic>
           <p:nvPicPr>
-            <p:cNvPr id="330" name="Google Shape;325;g1f213c8c16b_0_222" descr=""/>
+            <p:cNvPr id="333" name="Google Shape;325;g1f213c8c16b_0_222" descr=""/>
             <p:cNvPicPr/>
             <p:nvPr/>
           </p:nvPicPr>
@@ -15409,7 +15468,7 @@
           <p:spPr>
             <a:xfrm>
               <a:off x="0" y="0"/>
-              <a:ext cx="12190320" cy="6856200"/>
+              <a:ext cx="12189960" cy="6855840"/>
             </a:xfrm>
             <a:prstGeom prst="rect">
               <a:avLst/>
@@ -15422,7 +15481,7 @@
       </p:grpSp>
       <p:pic>
         <p:nvPicPr>
-          <p:cNvPr id="331" name="Google Shape;326;g1f213c8c16b_0_222" descr=""/>
+          <p:cNvPr id="334" name="Google Shape;326;g1f213c8c16b_0_222" descr=""/>
           <p:cNvPicPr/>
           <p:nvPr/>
         </p:nvPicPr>
@@ -15433,7 +15492,7 @@
         <p:spPr>
           <a:xfrm>
             <a:off x="2340720" y="1970640"/>
-            <a:ext cx="7509240" cy="2914560"/>
+            <a:ext cx="7508880" cy="2914200"/>
           </a:xfrm>
           <a:prstGeom prst="rect">
             <a:avLst/>
@@ -15445,7 +15504,7 @@
       </p:pic>
       <p:pic>
         <p:nvPicPr>
-          <p:cNvPr id="332" name="Google Shape;327;g1f213c8c16b_0_222" descr=""/>
+          <p:cNvPr id="335" name="Google Shape;327;g1f213c8c16b_0_222" descr=""/>
           <p:cNvPicPr/>
           <p:nvPr/>
         </p:nvPicPr>
@@ -15456,7 +15515,7 @@
         <p:spPr>
           <a:xfrm>
             <a:off x="4592160" y="324000"/>
-            <a:ext cx="3005640" cy="1439280"/>
+            <a:ext cx="3005280" cy="1438920"/>
           </a:xfrm>
           <a:prstGeom prst="rect">
             <a:avLst/>
@@ -15468,7 +15527,7 @@
       </p:pic>
       <p:pic>
         <p:nvPicPr>
-          <p:cNvPr id="333" name="Google Shape;328;g1f213c8c16b_0_222" descr=""/>
+          <p:cNvPr id="336" name="Google Shape;328;g1f213c8c16b_0_222" descr=""/>
           <p:cNvPicPr/>
           <p:nvPr/>
         </p:nvPicPr>
@@ -15479,7 +15538,7 @@
         <p:spPr>
           <a:xfrm>
             <a:off x="9712800" y="5933520"/>
-            <a:ext cx="2163240" cy="667800"/>
+            <a:ext cx="2162880" cy="667440"/>
           </a:xfrm>
           <a:prstGeom prst="rect">
             <a:avLst/>
@@ -15491,21 +15550,21 @@
       </p:pic>
       <p:grpSp>
         <p:nvGrpSpPr>
-          <p:cNvPr id="334" name="Google Shape;329;g1f213c8c16b_0_222"/>
+          <p:cNvPr id="337" name="Google Shape;329;g1f213c8c16b_0_222"/>
           <p:cNvGrpSpPr/>
           <p:nvPr/>
         </p:nvGrpSpPr>
         <p:grpSpPr>
           <a:xfrm>
             <a:off x="626400" y="254520"/>
-            <a:ext cx="11249640" cy="981360"/>
+            <a:ext cx="11249280" cy="981000"/>
             <a:chOff x="626400" y="254520"/>
-            <a:chExt cx="11249640" cy="981360"/>
+            <a:chExt cx="11249280" cy="981000"/>
           </a:xfrm>
         </p:grpSpPr>
         <p:pic>
           <p:nvPicPr>
-            <p:cNvPr id="335" name="Google Shape;330;g1f213c8c16b_0_222" descr=""/>
+            <p:cNvPr id="338" name="Google Shape;330;g1f213c8c16b_0_222" descr=""/>
             <p:cNvPicPr/>
             <p:nvPr/>
           </p:nvPicPr>
@@ -15516,7 +15575,7 @@
           <p:spPr>
             <a:xfrm>
               <a:off x="10059840" y="254520"/>
-              <a:ext cx="1816200" cy="981360"/>
+              <a:ext cx="1815840" cy="981000"/>
             </a:xfrm>
             <a:prstGeom prst="rect">
               <a:avLst/>
@@ -15528,7 +15587,7 @@
         </p:pic>
         <p:pic>
           <p:nvPicPr>
-            <p:cNvPr id="336" name="Google Shape;331;g1f213c8c16b_0_222" descr=""/>
+            <p:cNvPr id="339" name="Google Shape;331;g1f213c8c16b_0_222" descr=""/>
             <p:cNvPicPr/>
             <p:nvPr/>
           </p:nvPicPr>
@@ -15539,7 +15598,7 @@
           <p:spPr>
             <a:xfrm>
               <a:off x="626400" y="484200"/>
-              <a:ext cx="1504080" cy="522720"/>
+              <a:ext cx="1503720" cy="522360"/>
             </a:xfrm>
             <a:prstGeom prst="rect">
               <a:avLst/>
@@ -15589,9 +15648,9 @@
         <p:grpSpPr>
           <a:xfrm>
             <a:off x="49320" y="0"/>
-            <a:ext cx="12190320" cy="6856200"/>
+            <a:ext cx="12189960" cy="6855840"/>
             <a:chOff x="49320" y="0"/>
-            <a:chExt cx="12190320" cy="6856200"/>
+            <a:chExt cx="12189960" cy="6855840"/>
           </a:xfrm>
         </p:grpSpPr>
         <p:pic>
@@ -15608,7 +15667,7 @@
           <p:spPr>
             <a:xfrm>
               <a:off x="49320" y="0"/>
-              <a:ext cx="12190320" cy="6856200"/>
+              <a:ext cx="12189960" cy="6855840"/>
             </a:xfrm>
             <a:prstGeom prst="rect">
               <a:avLst/>
@@ -15631,7 +15690,7 @@
           <p:spPr>
             <a:xfrm>
               <a:off x="49320" y="0"/>
-              <a:ext cx="12190320" cy="6856200"/>
+              <a:ext cx="12189960" cy="6855840"/>
             </a:xfrm>
             <a:prstGeom prst="rect">
               <a:avLst/>
@@ -15655,7 +15714,7 @@
         <p:spPr>
           <a:xfrm>
             <a:off x="4815360" y="165600"/>
-            <a:ext cx="2337480" cy="1118880"/>
+            <a:ext cx="2337120" cy="1118520"/>
           </a:xfrm>
           <a:prstGeom prst="rect">
             <a:avLst/>
@@ -15674,9 +15733,9 @@
         <p:grpSpPr>
           <a:xfrm>
             <a:off x="626400" y="254520"/>
-            <a:ext cx="11249640" cy="981360"/>
+            <a:ext cx="11249280" cy="981000"/>
             <a:chOff x="626400" y="254520"/>
-            <a:chExt cx="11249640" cy="981360"/>
+            <a:chExt cx="11249280" cy="981000"/>
           </a:xfrm>
         </p:grpSpPr>
         <p:pic>
@@ -15692,7 +15751,7 @@
           <p:spPr>
             <a:xfrm>
               <a:off x="10059840" y="254520"/>
-              <a:ext cx="1816200" cy="981360"/>
+              <a:ext cx="1815840" cy="981000"/>
             </a:xfrm>
             <a:prstGeom prst="rect">
               <a:avLst/>
@@ -15715,7 +15774,7 @@
           <p:spPr>
             <a:xfrm>
               <a:off x="626400" y="484200"/>
-              <a:ext cx="1504080" cy="522720"/>
+              <a:ext cx="1503720" cy="522360"/>
             </a:xfrm>
             <a:prstGeom prst="rect">
               <a:avLst/>
@@ -15735,7 +15794,7 @@
         <p:spPr>
           <a:xfrm>
             <a:off x="1440000" y="1080000"/>
-            <a:ext cx="9359280" cy="638280"/>
+            <a:ext cx="9358920" cy="638280"/>
           </a:xfrm>
           <a:prstGeom prst="rect">
             <a:avLst/>
@@ -15803,7 +15862,7 @@
         <p:spPr>
           <a:xfrm>
             <a:off x="2340000" y="2520000"/>
-            <a:ext cx="3171240" cy="285480"/>
+            <a:ext cx="3170880" cy="285120"/>
           </a:xfrm>
           <a:prstGeom prst="rect">
             <a:avLst/>
@@ -15826,7 +15885,7 @@
         <p:spPr>
           <a:xfrm>
             <a:off x="6576480" y="2520000"/>
-            <a:ext cx="4943160" cy="332640"/>
+            <a:ext cx="4942800" cy="332280"/>
           </a:xfrm>
           <a:prstGeom prst="rect">
             <a:avLst/>
@@ -15845,7 +15904,7 @@
         <p:spPr>
           <a:xfrm>
             <a:off x="660240" y="2520000"/>
-            <a:ext cx="599400" cy="345960"/>
+            <a:ext cx="599040" cy="345600"/>
           </a:xfrm>
           <a:prstGeom prst="rect">
             <a:avLst/>
@@ -15898,7 +15957,7 @@
         <p:spPr>
           <a:xfrm>
             <a:off x="540000" y="3973680"/>
-            <a:ext cx="980640" cy="345960"/>
+            <a:ext cx="980280" cy="345600"/>
           </a:xfrm>
           <a:prstGeom prst="rect">
             <a:avLst/>
@@ -15955,7 +16014,7 @@
         <p:spPr>
           <a:xfrm>
             <a:off x="2275920" y="3420000"/>
-            <a:ext cx="3123720" cy="1428120"/>
+            <a:ext cx="3123360" cy="1427760"/>
           </a:xfrm>
           <a:prstGeom prst="rect">
             <a:avLst/>
@@ -15978,7 +16037,7 @@
         <p:spPr>
           <a:xfrm>
             <a:off x="8100000" y="3420000"/>
-            <a:ext cx="3943080" cy="3114360"/>
+            <a:ext cx="3942720" cy="3114000"/>
           </a:xfrm>
           <a:prstGeom prst="rect">
             <a:avLst/>
@@ -15997,7 +16056,7 @@
         <p:spPr>
           <a:xfrm>
             <a:off x="6300000" y="4860000"/>
-            <a:ext cx="1254960" cy="345960"/>
+            <a:ext cx="1254600" cy="345600"/>
           </a:xfrm>
           <a:prstGeom prst="rect">
             <a:avLst/>
@@ -16080,9 +16139,9 @@
         <p:grpSpPr>
           <a:xfrm>
             <a:off x="49320" y="0"/>
-            <a:ext cx="12190320" cy="6856200"/>
+            <a:ext cx="12189960" cy="6855840"/>
             <a:chOff x="49320" y="0"/>
-            <a:chExt cx="12190320" cy="6856200"/>
+            <a:chExt cx="12189960" cy="6855840"/>
           </a:xfrm>
         </p:grpSpPr>
         <p:pic>
@@ -16099,7 +16158,7 @@
           <p:spPr>
             <a:xfrm>
               <a:off x="49320" y="0"/>
-              <a:ext cx="12190320" cy="6856200"/>
+              <a:ext cx="12189960" cy="6855840"/>
             </a:xfrm>
             <a:prstGeom prst="rect">
               <a:avLst/>
@@ -16122,7 +16181,7 @@
           <p:spPr>
             <a:xfrm>
               <a:off x="49320" y="0"/>
-              <a:ext cx="12190320" cy="6856200"/>
+              <a:ext cx="12189960" cy="6855840"/>
             </a:xfrm>
             <a:prstGeom prst="rect">
               <a:avLst/>
@@ -16146,7 +16205,7 @@
         <p:spPr>
           <a:xfrm>
             <a:off x="4815360" y="165600"/>
-            <a:ext cx="2337480" cy="1118880"/>
+            <a:ext cx="2337120" cy="1118520"/>
           </a:xfrm>
           <a:prstGeom prst="rect">
             <a:avLst/>
@@ -16165,9 +16224,9 @@
         <p:grpSpPr>
           <a:xfrm>
             <a:off x="626400" y="254520"/>
-            <a:ext cx="11249640" cy="981360"/>
+            <a:ext cx="11249280" cy="981000"/>
             <a:chOff x="626400" y="254520"/>
-            <a:chExt cx="11249640" cy="981360"/>
+            <a:chExt cx="11249280" cy="981000"/>
           </a:xfrm>
         </p:grpSpPr>
         <p:pic>
@@ -16183,7 +16242,7 @@
           <p:spPr>
             <a:xfrm>
               <a:off x="10059840" y="254520"/>
-              <a:ext cx="1816200" cy="981360"/>
+              <a:ext cx="1815840" cy="981000"/>
             </a:xfrm>
             <a:prstGeom prst="rect">
               <a:avLst/>
@@ -16206,7 +16265,7 @@
           <p:spPr>
             <a:xfrm>
               <a:off x="626400" y="484200"/>
-              <a:ext cx="1504080" cy="522720"/>
+              <a:ext cx="1503720" cy="522360"/>
             </a:xfrm>
             <a:prstGeom prst="rect">
               <a:avLst/>
@@ -16226,7 +16285,7 @@
         <p:spPr>
           <a:xfrm>
             <a:off x="1440000" y="1080000"/>
-            <a:ext cx="9359280" cy="638280"/>
+            <a:ext cx="9358920" cy="638280"/>
           </a:xfrm>
           <a:prstGeom prst="rect">
             <a:avLst/>
@@ -16293,7 +16352,7 @@
         <p:spPr>
           <a:xfrm>
             <a:off x="2880000" y="2340000"/>
-            <a:ext cx="7559640" cy="3152160"/>
+            <a:ext cx="7559280" cy="3151800"/>
           </a:xfrm>
           <a:prstGeom prst="rect">
             <a:avLst/>
@@ -16303,6 +16362,48 @@
           </a:ln>
         </p:spPr>
       </p:pic>
+      <p:sp>
+        <p:nvSpPr>
+          <p:cNvPr id="113" name=""/>
+          <p:cNvSpPr txBox="1"/>
+          <p:nvPr/>
+        </p:nvSpPr>
+        <p:spPr>
+          <a:xfrm>
+            <a:off x="5400000" y="5804640"/>
+            <a:ext cx="3780000" cy="855360"/>
+          </a:xfrm>
+          <a:prstGeom prst="rect">
+            <a:avLst/>
+          </a:prstGeom>
+          <a:noFill/>
+          <a:ln w="0">
+            <a:noFill/>
+          </a:ln>
+        </p:spPr>
+        <p:txBody>
+          <a:bodyPr lIns="90000" rIns="90000" tIns="45000" bIns="45000" anchor="t">
+            <a:noAutofit/>
+          </a:bodyPr>
+          <a:p>
+            <a:r>
+              <a:rPr b="0" lang="es-CO" sz="5400" spc="-1" strike="noStrike">
+                <a:solidFill>
+                  <a:srgbClr val="ffffd7"/>
+                </a:solidFill>
+                <a:latin typeface="Arial"/>
+              </a:rPr>
+              <a:t>NVM</a:t>
+            </a:r>
+            <a:endParaRPr b="0" lang="es-CO" sz="5400" spc="-1" strike="noStrike">
+              <a:solidFill>
+                <a:srgbClr val="ffffd7"/>
+              </a:solidFill>
+              <a:latin typeface="Arial"/>
+            </a:endParaRPr>
+          </a:p>
+        </p:txBody>
+      </p:sp>
     </p:spTree>
   </p:cSld>
   <mc:AlternateContent>
@@ -16335,21 +16436,21 @@
       </p:grpSpPr>
       <p:grpSp>
         <p:nvGrpSpPr>
-          <p:cNvPr id="113" name="Google Shape;266;g1f213c8c16b_0_ 22"/>
+          <p:cNvPr id="114" name="Google Shape;266;g1f213c8c16b_0_ 22"/>
           <p:cNvGrpSpPr/>
           <p:nvPr/>
         </p:nvGrpSpPr>
         <p:grpSpPr>
           <a:xfrm>
-            <a:off x="49320" y="0"/>
-            <a:ext cx="12190320" cy="6856200"/>
-            <a:chOff x="49320" y="0"/>
-            <a:chExt cx="12190320" cy="6856200"/>
+            <a:off x="2160" y="2160"/>
+            <a:ext cx="12189960" cy="6855840"/>
+            <a:chOff x="2160" y="2160"/>
+            <a:chExt cx="12189960" cy="6855840"/>
           </a:xfrm>
         </p:grpSpPr>
         <p:pic>
           <p:nvPicPr>
-            <p:cNvPr id="114" name="Google Shape;267;g1f213c8c16b_0_ 22" descr=""/>
+            <p:cNvPr id="115" name="Google Shape;267;g1f213c8c16b_0_ 22" descr=""/>
             <p:cNvPicPr/>
             <p:nvPr/>
           </p:nvPicPr>
@@ -16360,8 +16461,8 @@
           </p:blipFill>
           <p:spPr>
             <a:xfrm>
-              <a:off x="49320" y="0"/>
-              <a:ext cx="12190320" cy="6856200"/>
+              <a:off x="2160" y="2160"/>
+              <a:ext cx="12189960" cy="6855840"/>
             </a:xfrm>
             <a:prstGeom prst="rect">
               <a:avLst/>
@@ -16373,7 +16474,7 @@
         </p:pic>
         <p:pic>
           <p:nvPicPr>
-            <p:cNvPr id="115" name="Google Shape;268;g1f213c8c16b_0_ 22" descr=""/>
+            <p:cNvPr id="116" name="Google Shape;268;g1f213c8c16b_0_ 22" descr=""/>
             <p:cNvPicPr/>
             <p:nvPr/>
           </p:nvPicPr>
@@ -16383,8 +16484,8 @@
           </p:blipFill>
           <p:spPr>
             <a:xfrm>
-              <a:off x="49320" y="0"/>
-              <a:ext cx="12190320" cy="6856200"/>
+              <a:off x="2160" y="2160"/>
+              <a:ext cx="12189960" cy="6855840"/>
             </a:xfrm>
             <a:prstGeom prst="rect">
               <a:avLst/>
@@ -16397,7 +16498,7 @@
       </p:grpSp>
       <p:pic>
         <p:nvPicPr>
-          <p:cNvPr id="116" name="Google Shape;269;g1f213c8c16b_0_ 22" descr=""/>
+          <p:cNvPr id="117" name="Google Shape;269;g1f213c8c16b_0_ 22" descr=""/>
           <p:cNvPicPr/>
           <p:nvPr/>
         </p:nvPicPr>
@@ -16408,7 +16509,7 @@
         <p:spPr>
           <a:xfrm>
             <a:off x="4815360" y="165600"/>
-            <a:ext cx="2337480" cy="1118880"/>
+            <a:ext cx="2337120" cy="1118520"/>
           </a:xfrm>
           <a:prstGeom prst="rect">
             <a:avLst/>
@@ -16420,21 +16521,21 @@
       </p:pic>
       <p:grpSp>
         <p:nvGrpSpPr>
-          <p:cNvPr id="117" name="Google Shape;287;g1f213c8c16b_0_ 22"/>
+          <p:cNvPr id="118" name="Google Shape;287;g1f213c8c16b_0_ 22"/>
           <p:cNvGrpSpPr/>
           <p:nvPr/>
         </p:nvGrpSpPr>
         <p:grpSpPr>
           <a:xfrm>
             <a:off x="626400" y="254520"/>
-            <a:ext cx="11249640" cy="981360"/>
+            <a:ext cx="11249280" cy="981000"/>
             <a:chOff x="626400" y="254520"/>
-            <a:chExt cx="11249640" cy="981360"/>
+            <a:chExt cx="11249280" cy="981000"/>
           </a:xfrm>
         </p:grpSpPr>
         <p:pic>
           <p:nvPicPr>
-            <p:cNvPr id="118" name="Google Shape;288;g1f213c8c16b_0_ 22" descr=""/>
+            <p:cNvPr id="119" name="Google Shape;288;g1f213c8c16b_0_ 22" descr=""/>
             <p:cNvPicPr/>
             <p:nvPr/>
           </p:nvPicPr>
@@ -16445,7 +16546,7 @@
           <p:spPr>
             <a:xfrm>
               <a:off x="10059840" y="254520"/>
-              <a:ext cx="1816200" cy="981360"/>
+              <a:ext cx="1815840" cy="981000"/>
             </a:xfrm>
             <a:prstGeom prst="rect">
               <a:avLst/>
@@ -16457,7 +16558,7 @@
         </p:pic>
         <p:pic>
           <p:nvPicPr>
-            <p:cNvPr id="119" name="Google Shape;289;g1f213c8c16b_0_ 22" descr=""/>
+            <p:cNvPr id="120" name="Google Shape;289;g1f213c8c16b_0_ 22" descr=""/>
             <p:cNvPicPr/>
             <p:nvPr/>
           </p:nvPicPr>
@@ -16468,7 +16569,7 @@
           <p:spPr>
             <a:xfrm>
               <a:off x="626400" y="484200"/>
-              <a:ext cx="1504080" cy="522720"/>
+              <a:ext cx="1503720" cy="522360"/>
             </a:xfrm>
             <a:prstGeom prst="rect">
               <a:avLst/>
@@ -16481,14 +16582,14 @@
       </p:grpSp>
       <p:sp>
         <p:nvSpPr>
-          <p:cNvPr id="120" name="Google Shape;253;g1f213c8c16b_0_ 22"/>
+          <p:cNvPr id="121" name="Google Shape;253;g1f213c8c16b_0_ 22"/>
           <p:cNvSpPr/>
           <p:nvPr/>
         </p:nvSpPr>
         <p:spPr>
           <a:xfrm>
             <a:off x="1440000" y="1080000"/>
-            <a:ext cx="9359280" cy="638280"/>
+            <a:ext cx="9358920" cy="638280"/>
           </a:xfrm>
           <a:prstGeom prst="rect">
             <a:avLst/>
@@ -16544,13 +16645,13 @@
       </p:sp>
       <p:graphicFrame>
         <p:nvGraphicFramePr>
-          <p:cNvPr id="121" name=""/>
+          <p:cNvPr id="122" name=""/>
           <p:cNvGraphicFramePr/>
           <p:nvPr/>
         </p:nvGraphicFramePr>
         <p:xfrm>
           <a:off x="7740720" y="2520720"/>
-          <a:ext cx="14283720" cy="2519280"/>
+          <a:ext cx="14283360" cy="2518920"/>
         </p:xfrm>
         <a:graphic>
           <a:graphicData uri="http://schemas.openxmlformats.org/presentationml/2006/ole">
@@ -16558,7 +16659,7 @@
               <p:embed/>
               <p:pic>
                 <p:nvPicPr>
-                  <p:cNvPr id="122" name="" descr=""/>
+                  <p:cNvPr id="123" name="" descr=""/>
                   <p:cNvPicPr/>
                   <p:nvPr/>
                 </p:nvPicPr>
@@ -16569,7 +16670,7 @@
                 <p:spPr>
                   <a:xfrm>
                     <a:off x="7740720" y="2520720"/>
-                    <a:ext cx="14283720" cy="2519280"/>
+                    <a:ext cx="14283360" cy="2518920"/>
                   </a:xfrm>
                   <a:prstGeom prst="rect">
                     <a:avLst/>
@@ -16585,7 +16686,7 @@
       </p:graphicFrame>
       <p:pic>
         <p:nvPicPr>
-          <p:cNvPr id="123" name="" descr=""/>
+          <p:cNvPr id="124" name="" descr=""/>
           <p:cNvPicPr/>
           <p:nvPr/>
         </p:nvPicPr>
@@ -16596,7 +16697,7 @@
         <p:spPr>
           <a:xfrm>
             <a:off x="8100000" y="4680000"/>
-            <a:ext cx="4038120" cy="608760"/>
+            <a:ext cx="4037760" cy="608400"/>
           </a:xfrm>
           <a:prstGeom prst="rect">
             <a:avLst/>
@@ -16608,7 +16709,7 @@
       </p:pic>
       <p:pic>
         <p:nvPicPr>
-          <p:cNvPr id="124" name="" descr=""/>
+          <p:cNvPr id="125" name="" descr=""/>
           <p:cNvPicPr/>
           <p:nvPr/>
         </p:nvPicPr>
@@ -16619,7 +16720,7 @@
         <p:spPr>
           <a:xfrm>
             <a:off x="1022760" y="2442960"/>
-            <a:ext cx="6536880" cy="3676680"/>
+            <a:ext cx="6536520" cy="3676320"/>
           </a:xfrm>
           <a:prstGeom prst="rect">
             <a:avLst/>
@@ -16631,14 +16732,14 @@
       </p:pic>
       <p:sp>
         <p:nvSpPr>
-          <p:cNvPr id="125" name=""/>
-          <p:cNvSpPr txBox="1"/>
+          <p:cNvPr id="126" name=""/>
+          <p:cNvSpPr/>
           <p:nvPr/>
         </p:nvSpPr>
         <p:spPr>
           <a:xfrm>
             <a:off x="8280000" y="3420000"/>
-            <a:ext cx="3420000" cy="540000"/>
+            <a:ext cx="3419640" cy="539640"/>
           </a:xfrm>
           <a:prstGeom prst="rect">
             <a:avLst/>
@@ -16648,16 +16749,28 @@
             <a:noFill/>
           </a:ln>
         </p:spPr>
+        <p:style>
+          <a:lnRef idx="0"/>
+          <a:fillRef idx="0"/>
+          <a:effectRef idx="0"/>
+          <a:fontRef idx="minor"/>
+        </p:style>
         <p:txBody>
           <a:bodyPr lIns="90000" rIns="90000" tIns="45000" bIns="45000" anchor="t">
             <a:noAutofit/>
           </a:bodyPr>
           <a:p>
+            <a:pPr>
+              <a:lnSpc>
+                <a:spcPct val="100000"/>
+              </a:lnSpc>
+            </a:pPr>
             <a:r>
-              <a:rPr b="0" lang="es-CO" sz="1800" spc="-1" strike="noStrike">
-                <a:solidFill>
-                  <a:srgbClr val="ffffff"/>
-                </a:solidFill>
+              <a:rPr b="0" lang="es-CO" sz="1800" spc="-1" strike="noStrike" u="sng">
+                <a:solidFill>
+                  <a:srgbClr val="0563c1"/>
+                </a:solidFill>
+                <a:uFillTx/>
                 <a:latin typeface="Arial"/>
                 <a:hlinkClick r:id="rId10"/>
               </a:rPr>
@@ -16671,6 +16784,48 @@
                 <a:latin typeface="Arial"/>
               </a:rPr>
               <a:t> </a:t>
+            </a:r>
+            <a:endParaRPr b="0" lang="es-CO" sz="1800" spc="-1" strike="noStrike">
+              <a:solidFill>
+                <a:srgbClr val="000000"/>
+              </a:solidFill>
+              <a:latin typeface="Arial"/>
+            </a:endParaRPr>
+          </a:p>
+        </p:txBody>
+      </p:sp>
+      <p:sp>
+        <p:nvSpPr>
+          <p:cNvPr id="127" name=""/>
+          <p:cNvSpPr txBox="1"/>
+          <p:nvPr/>
+        </p:nvSpPr>
+        <p:spPr>
+          <a:xfrm>
+            <a:off x="8460000" y="4140000"/>
+            <a:ext cx="2251800" cy="346320"/>
+          </a:xfrm>
+          <a:prstGeom prst="rect">
+            <a:avLst/>
+          </a:prstGeom>
+          <a:noFill/>
+          <a:ln w="0">
+            <a:noFill/>
+          </a:ln>
+        </p:spPr>
+        <p:txBody>
+          <a:bodyPr wrap="none" lIns="90000" rIns="90000" tIns="45000" bIns="45000" anchor="t">
+            <a:noAutofit/>
+          </a:bodyPr>
+          <a:p>
+            <a:r>
+              <a:rPr b="0" lang="es-CO" sz="1800" spc="-1" strike="noStrike">
+                <a:solidFill>
+                  <a:srgbClr val="ffffd7"/>
+                </a:solidFill>
+                <a:latin typeface="Arial"/>
+              </a:rPr>
+              <a:t>https://nodejs.org/en</a:t>
             </a:r>
             <a:endParaRPr b="0" lang="es-CO" sz="1800" spc="-1" strike="noStrike">
               <a:solidFill>
@@ -16713,21 +16868,21 @@
       </p:grpSpPr>
       <p:grpSp>
         <p:nvGrpSpPr>
-          <p:cNvPr id="126" name="Google Shape;266;g1f213c8c16b_0_ 1"/>
+          <p:cNvPr id="128" name="Google Shape;266;g1f213c8c16b_0_ 1"/>
           <p:cNvGrpSpPr/>
           <p:nvPr/>
         </p:nvGrpSpPr>
         <p:grpSpPr>
           <a:xfrm>
             <a:off x="1800" y="0"/>
-            <a:ext cx="12190320" cy="6856200"/>
+            <a:ext cx="12189960" cy="6855840"/>
             <a:chOff x="1800" y="0"/>
-            <a:chExt cx="12190320" cy="6856200"/>
+            <a:chExt cx="12189960" cy="6855840"/>
           </a:xfrm>
         </p:grpSpPr>
         <p:pic>
           <p:nvPicPr>
-            <p:cNvPr id="127" name="Google Shape;267;g1f213c8c16b_0_ 1" descr=""/>
+            <p:cNvPr id="129" name="Google Shape;267;g1f213c8c16b_0_ 1" descr=""/>
             <p:cNvPicPr/>
             <p:nvPr/>
           </p:nvPicPr>
@@ -16739,7 +16894,7 @@
           <p:spPr>
             <a:xfrm>
               <a:off x="1800" y="0"/>
-              <a:ext cx="12190320" cy="6856200"/>
+              <a:ext cx="12189960" cy="6855840"/>
             </a:xfrm>
             <a:prstGeom prst="rect">
               <a:avLst/>
@@ -16751,7 +16906,7 @@
         </p:pic>
         <p:pic>
           <p:nvPicPr>
-            <p:cNvPr id="128" name="Google Shape;268;g1f213c8c16b_0_ 1" descr=""/>
+            <p:cNvPr id="130" name="Google Shape;268;g1f213c8c16b_0_ 1" descr=""/>
             <p:cNvPicPr/>
             <p:nvPr/>
           </p:nvPicPr>
@@ -16762,7 +16917,7 @@
           <p:spPr>
             <a:xfrm>
               <a:off x="1800" y="0"/>
-              <a:ext cx="12190320" cy="6856200"/>
+              <a:ext cx="12189960" cy="6855840"/>
             </a:xfrm>
             <a:prstGeom prst="rect">
               <a:avLst/>
@@ -16775,7 +16930,7 @@
       </p:grpSp>
       <p:pic>
         <p:nvPicPr>
-          <p:cNvPr id="129" name="Google Shape;269;g1f213c8c16b_0_ 1" descr=""/>
+          <p:cNvPr id="131" name="Google Shape;269;g1f213c8c16b_0_ 1" descr=""/>
           <p:cNvPicPr/>
           <p:nvPr/>
         </p:nvPicPr>
@@ -16786,7 +16941,7 @@
         <p:spPr>
           <a:xfrm>
             <a:off x="4815360" y="165600"/>
-            <a:ext cx="2337480" cy="1118880"/>
+            <a:ext cx="2337120" cy="1118520"/>
           </a:xfrm>
           <a:prstGeom prst="rect">
             <a:avLst/>
@@ -16798,21 +16953,21 @@
       </p:pic>
       <p:grpSp>
         <p:nvGrpSpPr>
-          <p:cNvPr id="130" name="Google Shape;287;g1f213c8c16b_0_ 1"/>
+          <p:cNvPr id="132" name="Google Shape;287;g1f213c8c16b_0_ 1"/>
           <p:cNvGrpSpPr/>
           <p:nvPr/>
         </p:nvGrpSpPr>
         <p:grpSpPr>
           <a:xfrm>
             <a:off x="626400" y="254520"/>
-            <a:ext cx="11249640" cy="981360"/>
+            <a:ext cx="11249280" cy="981000"/>
             <a:chOff x="626400" y="254520"/>
-            <a:chExt cx="11249640" cy="981360"/>
+            <a:chExt cx="11249280" cy="981000"/>
           </a:xfrm>
         </p:grpSpPr>
         <p:pic>
           <p:nvPicPr>
-            <p:cNvPr id="131" name="Google Shape;288;g1f213c8c16b_0_ 1" descr=""/>
+            <p:cNvPr id="133" name="Google Shape;288;g1f213c8c16b_0_ 1" descr=""/>
             <p:cNvPicPr/>
             <p:nvPr/>
           </p:nvPicPr>
@@ -16823,7 +16978,7 @@
           <p:spPr>
             <a:xfrm>
               <a:off x="10059840" y="254520"/>
-              <a:ext cx="1816200" cy="981360"/>
+              <a:ext cx="1815840" cy="981000"/>
             </a:xfrm>
             <a:prstGeom prst="rect">
               <a:avLst/>
@@ -16835,7 +16990,7 @@
         </p:pic>
         <p:pic>
           <p:nvPicPr>
-            <p:cNvPr id="132" name="Google Shape;289;g1f213c8c16b_0_ 1" descr=""/>
+            <p:cNvPr id="134" name="Google Shape;289;g1f213c8c16b_0_ 1" descr=""/>
             <p:cNvPicPr/>
             <p:nvPr/>
           </p:nvPicPr>
@@ -16846,7 +17001,7 @@
           <p:spPr>
             <a:xfrm>
               <a:off x="626400" y="484200"/>
-              <a:ext cx="1504080" cy="522720"/>
+              <a:ext cx="1503720" cy="522360"/>
             </a:xfrm>
             <a:prstGeom prst="rect">
               <a:avLst/>
@@ -16859,14 +17014,14 @@
       </p:grpSp>
       <p:sp>
         <p:nvSpPr>
-          <p:cNvPr id="133" name="Google Shape;253;g1f213c8c16b_0_ 1"/>
+          <p:cNvPr id="135" name="Google Shape;253;g1f213c8c16b_0_ 1"/>
           <p:cNvSpPr/>
           <p:nvPr/>
         </p:nvSpPr>
         <p:spPr>
           <a:xfrm>
             <a:off x="1440000" y="1080000"/>
-            <a:ext cx="9359280" cy="638280"/>
+            <a:ext cx="9358920" cy="638280"/>
           </a:xfrm>
           <a:prstGeom prst="rect">
             <a:avLst/>
@@ -16922,7 +17077,7 @@
       </p:sp>
       <p:pic>
         <p:nvPicPr>
-          <p:cNvPr id="134" name="" descr=""/>
+          <p:cNvPr id="136" name="" descr=""/>
           <p:cNvPicPr/>
           <p:nvPr/>
         </p:nvPicPr>
@@ -16934,53 +17089,7 @@
         <p:spPr>
           <a:xfrm>
             <a:off x="2520000" y="3757320"/>
-            <a:ext cx="7199640" cy="382680"/>
-          </a:xfrm>
-          <a:prstGeom prst="rect">
-            <a:avLst/>
-          </a:prstGeom>
-          <a:ln w="0">
-            <a:noFill/>
-          </a:ln>
-        </p:spPr>
-      </p:pic>
-      <p:pic>
-        <p:nvPicPr>
-          <p:cNvPr id="135" name="" descr=""/>
-          <p:cNvPicPr/>
-          <p:nvPr/>
-        </p:nvPicPr>
-        <p:blipFill>
-          <a:blip r:embed="rId7"/>
-          <a:stretch/>
-        </p:blipFill>
-        <p:spPr>
-          <a:xfrm>
-            <a:off x="3026880" y="4320000"/>
-            <a:ext cx="6153120" cy="561240"/>
-          </a:xfrm>
-          <a:prstGeom prst="rect">
-            <a:avLst/>
-          </a:prstGeom>
-          <a:ln w="0">
-            <a:noFill/>
-          </a:ln>
-        </p:spPr>
-      </p:pic>
-      <p:pic>
-        <p:nvPicPr>
-          <p:cNvPr id="136" name="" descr=""/>
-          <p:cNvPicPr/>
-          <p:nvPr/>
-        </p:nvPicPr>
-        <p:blipFill>
-          <a:blip r:embed="rId8"/>
-          <a:stretch/>
-        </p:blipFill>
-        <p:spPr>
-          <a:xfrm>
-            <a:off x="720000" y="5040000"/>
-            <a:ext cx="10249560" cy="1351800"/>
+            <a:ext cx="7199280" cy="382320"/>
           </a:xfrm>
           <a:prstGeom prst="rect">
             <a:avLst/>
@@ -16997,13 +17106,13 @@
           <p:nvPr/>
         </p:nvPicPr>
         <p:blipFill>
-          <a:blip r:embed="rId9"/>
+          <a:blip r:embed="rId7"/>
           <a:stretch/>
         </p:blipFill>
         <p:spPr>
           <a:xfrm>
-            <a:off x="3240000" y="1800000"/>
-            <a:ext cx="6305760" cy="495000"/>
+            <a:off x="3026880" y="4320000"/>
+            <a:ext cx="6152760" cy="560880"/>
           </a:xfrm>
           <a:prstGeom prst="rect">
             <a:avLst/>
@@ -17020,13 +17129,59 @@
           <p:nvPr/>
         </p:nvPicPr>
         <p:blipFill>
+          <a:blip r:embed="rId8"/>
+          <a:stretch/>
+        </p:blipFill>
+        <p:spPr>
+          <a:xfrm>
+            <a:off x="720000" y="5040000"/>
+            <a:ext cx="10249200" cy="1351440"/>
+          </a:xfrm>
+          <a:prstGeom prst="rect">
+            <a:avLst/>
+          </a:prstGeom>
+          <a:ln w="0">
+            <a:noFill/>
+          </a:ln>
+        </p:spPr>
+      </p:pic>
+      <p:pic>
+        <p:nvPicPr>
+          <p:cNvPr id="139" name="" descr=""/>
+          <p:cNvPicPr/>
+          <p:nvPr/>
+        </p:nvPicPr>
+        <p:blipFill>
+          <a:blip r:embed="rId9"/>
+          <a:stretch/>
+        </p:blipFill>
+        <p:spPr>
+          <a:xfrm>
+            <a:off x="3240000" y="1800000"/>
+            <a:ext cx="6305400" cy="494640"/>
+          </a:xfrm>
+          <a:prstGeom prst="rect">
+            <a:avLst/>
+          </a:prstGeom>
+          <a:ln w="0">
+            <a:noFill/>
+          </a:ln>
+        </p:spPr>
+      </p:pic>
+      <p:pic>
+        <p:nvPicPr>
+          <p:cNvPr id="140" name="" descr=""/>
+          <p:cNvPicPr/>
+          <p:nvPr/>
+        </p:nvPicPr>
+        <p:blipFill>
           <a:blip r:embed="rId10"/>
           <a:stretch/>
         </p:blipFill>
         <p:spPr>
           <a:xfrm>
             <a:off x="2340000" y="2375640"/>
-            <a:ext cx="8173080" cy="504360"/>
+            <a:ext cx="8172720" cy="504000"/>
           </a:xfrm>
           <a:prstGeom prst="rect">
             <a:avLst/>
@@ -17038,22 +17193,22 @@
       </p:pic>
       <p:sp>
         <p:nvSpPr>
-          <p:cNvPr id="139" name=""/>
+          <p:cNvPr id="141" name=""/>
           <p:cNvSpPr/>
           <p:nvPr/>
         </p:nvSpPr>
         <p:spPr>
           <a:xfrm>
             <a:off x="1980000" y="1718280"/>
-            <a:ext cx="540000" cy="1341720"/>
+            <a:ext cx="539640" cy="1341360"/>
           </a:xfrm>
           <a:custGeom>
             <a:avLst/>
             <a:gdLst>
-              <a:gd name="textAreaLeft" fmla="*/ 344880 w 540000"/>
-              <a:gd name="textAreaRight" fmla="*/ 540360 w 540000"/>
-              <a:gd name="textAreaTop" fmla="*/ 34920 h 1341720"/>
-              <a:gd name="textAreaBottom" fmla="*/ 1306800 h 1341720"/>
+              <a:gd name="textAreaLeft" fmla="*/ 344880 w 539640"/>
+              <a:gd name="textAreaRight" fmla="*/ 540360 w 539640"/>
+              <a:gd name="textAreaTop" fmla="*/ 34920 h 1341360"/>
+              <a:gd name="textAreaBottom" fmla="*/ 1306800 h 1341360"/>
             </a:gdLst>
             <a:ahLst/>
             <a:rect l="textAreaLeft" t="textAreaTop" r="textAreaRight" b="textAreaBottom"/>
@@ -17109,6 +17264,11 @@
             <a:noAutofit/>
           </a:bodyPr>
           <a:p>
+            <a:pPr>
+              <a:lnSpc>
+                <a:spcPct val="100000"/>
+              </a:lnSpc>
+            </a:pPr>
             <a:endParaRPr b="0" lang="es-CO" sz="1800" spc="-1" strike="noStrike">
               <a:solidFill>
                 <a:srgbClr val="000000"/>
@@ -17120,14 +17280,14 @@
       </p:sp>
       <p:sp>
         <p:nvSpPr>
-          <p:cNvPr id="140" name=""/>
-          <p:cNvSpPr txBox="1"/>
+          <p:cNvPr id="142" name=""/>
+          <p:cNvSpPr/>
           <p:nvPr/>
         </p:nvSpPr>
         <p:spPr>
           <a:xfrm>
             <a:off x="360000" y="1841760"/>
-            <a:ext cx="1895400" cy="858240"/>
+            <a:ext cx="1895040" cy="857880"/>
           </a:xfrm>
           <a:prstGeom prst="rect">
             <a:avLst/>
@@ -17137,11 +17297,22 @@
             <a:noFill/>
           </a:ln>
         </p:spPr>
+        <p:style>
+          <a:lnRef idx="0"/>
+          <a:fillRef idx="0"/>
+          <a:effectRef idx="0"/>
+          <a:fontRef idx="minor"/>
+        </p:style>
         <p:txBody>
           <a:bodyPr wrap="none" lIns="90000" rIns="90000" tIns="45000" bIns="45000" anchor="t">
             <a:noAutofit/>
           </a:bodyPr>
           <a:p>
+            <a:pPr>
+              <a:lnSpc>
+                <a:spcPct val="100000"/>
+              </a:lnSpc>
+            </a:pPr>
             <a:r>
               <a:rPr b="0" lang="es-CO" sz="1800" spc="-1" strike="noStrike">
                 <a:solidFill>
@@ -17153,12 +17324,17 @@
             </a:r>
             <a:endParaRPr b="0" lang="es-CO" sz="1800" spc="-1" strike="noStrike">
               <a:solidFill>
-                <a:srgbClr val="ffffff"/>
+                <a:srgbClr val="000000"/>
               </a:solidFill>
               <a:latin typeface="Arial"/>
             </a:endParaRPr>
           </a:p>
           <a:p>
+            <a:pPr>
+              <a:lnSpc>
+                <a:spcPct val="100000"/>
+              </a:lnSpc>
+            </a:pPr>
             <a:r>
               <a:rPr b="0" lang="es-CO" sz="1800" spc="-1" strike="noStrike">
                 <a:solidFill>
@@ -17170,12 +17346,17 @@
             </a:r>
             <a:endParaRPr b="0" lang="es-CO" sz="1800" spc="-1" strike="noStrike">
               <a:solidFill>
-                <a:srgbClr val="ffffff"/>
+                <a:srgbClr val="000000"/>
               </a:solidFill>
               <a:latin typeface="Arial"/>
             </a:endParaRPr>
           </a:p>
           <a:p>
+            <a:pPr>
+              <a:lnSpc>
+                <a:spcPct val="100000"/>
+              </a:lnSpc>
+            </a:pPr>
             <a:r>
               <a:rPr b="0" lang="es-CO" sz="1800" spc="-1" strike="noStrike">
                 <a:solidFill>
@@ -17187,7 +17368,7 @@
             </a:r>
             <a:endParaRPr b="0" lang="es-CO" sz="1800" spc="-1" strike="noStrike">
               <a:solidFill>
-                <a:srgbClr val="ffffff"/>
+                <a:srgbClr val="000000"/>
               </a:solidFill>
               <a:latin typeface="Arial"/>
             </a:endParaRPr>
@@ -17226,21 +17407,21 @@
       </p:grpSpPr>
       <p:grpSp>
         <p:nvGrpSpPr>
-          <p:cNvPr id="141" name="Google Shape;266;g1f213c8c16b_0_ 10"/>
+          <p:cNvPr id="143" name="Google Shape;266;g1f213c8c16b_0_ 10"/>
           <p:cNvGrpSpPr/>
           <p:nvPr/>
         </p:nvGrpSpPr>
         <p:grpSpPr>
           <a:xfrm>
             <a:off x="49320" y="0"/>
-            <a:ext cx="12190320" cy="6856200"/>
+            <a:ext cx="12189960" cy="6855840"/>
             <a:chOff x="49320" y="0"/>
-            <a:chExt cx="12190320" cy="6856200"/>
+            <a:chExt cx="12189960" cy="6855840"/>
           </a:xfrm>
         </p:grpSpPr>
         <p:pic>
           <p:nvPicPr>
-            <p:cNvPr id="142" name="Google Shape;267;g1f213c8c16b_0_ 10" descr=""/>
+            <p:cNvPr id="144" name="Google Shape;267;g1f213c8c16b_0_ 10" descr=""/>
             <p:cNvPicPr/>
             <p:nvPr/>
           </p:nvPicPr>
@@ -17252,7 +17433,7 @@
           <p:spPr>
             <a:xfrm>
               <a:off x="49320" y="0"/>
-              <a:ext cx="12190320" cy="6856200"/>
+              <a:ext cx="12189960" cy="6855840"/>
             </a:xfrm>
             <a:prstGeom prst="rect">
               <a:avLst/>
@@ -17264,7 +17445,7 @@
         </p:pic>
         <p:pic>
           <p:nvPicPr>
-            <p:cNvPr id="143" name="Google Shape;268;g1f213c8c16b_0_ 10" descr=""/>
+            <p:cNvPr id="145" name="Google Shape;268;g1f213c8c16b_0_ 10" descr=""/>
             <p:cNvPicPr/>
             <p:nvPr/>
           </p:nvPicPr>
@@ -17275,7 +17456,7 @@
           <p:spPr>
             <a:xfrm>
               <a:off x="49320" y="0"/>
-              <a:ext cx="12190320" cy="6856200"/>
+              <a:ext cx="12189960" cy="6855840"/>
             </a:xfrm>
             <a:prstGeom prst="rect">
               <a:avLst/>
@@ -17288,7 +17469,7 @@
       </p:grpSp>
       <p:pic>
         <p:nvPicPr>
-          <p:cNvPr id="144" name="Google Shape;269;g1f213c8c16b_0_ 10" descr=""/>
+          <p:cNvPr id="146" name="Google Shape;269;g1f213c8c16b_0_ 10" descr=""/>
           <p:cNvPicPr/>
           <p:nvPr/>
         </p:nvPicPr>
@@ -17299,7 +17480,7 @@
         <p:spPr>
           <a:xfrm>
             <a:off x="4815360" y="165600"/>
-            <a:ext cx="2337480" cy="1118880"/>
+            <a:ext cx="2337120" cy="1118520"/>
           </a:xfrm>
           <a:prstGeom prst="rect">
             <a:avLst/>
@@ -17311,21 +17492,21 @@
       </p:pic>
       <p:grpSp>
         <p:nvGrpSpPr>
-          <p:cNvPr id="145" name="Google Shape;287;g1f213c8c16b_0_ 10"/>
+          <p:cNvPr id="147" name="Google Shape;287;g1f213c8c16b_0_ 10"/>
           <p:cNvGrpSpPr/>
           <p:nvPr/>
         </p:nvGrpSpPr>
         <p:grpSpPr>
           <a:xfrm>
             <a:off x="626400" y="254520"/>
-            <a:ext cx="11249640" cy="981360"/>
+            <a:ext cx="11249280" cy="981000"/>
             <a:chOff x="626400" y="254520"/>
-            <a:chExt cx="11249640" cy="981360"/>
+            <a:chExt cx="11249280" cy="981000"/>
           </a:xfrm>
         </p:grpSpPr>
         <p:pic>
           <p:nvPicPr>
-            <p:cNvPr id="146" name="Google Shape;288;g1f213c8c16b_0_ 10" descr=""/>
+            <p:cNvPr id="148" name="Google Shape;288;g1f213c8c16b_0_ 10" descr=""/>
             <p:cNvPicPr/>
             <p:nvPr/>
           </p:nvPicPr>
@@ -17336,7 +17517,7 @@
           <p:spPr>
             <a:xfrm>
               <a:off x="10059840" y="254520"/>
-              <a:ext cx="1816200" cy="981360"/>
+              <a:ext cx="1815840" cy="981000"/>
             </a:xfrm>
             <a:prstGeom prst="rect">
               <a:avLst/>
@@ -17348,7 +17529,7 @@
         </p:pic>
         <p:pic>
           <p:nvPicPr>
-            <p:cNvPr id="147" name="Google Shape;289;g1f213c8c16b_0_ 10" descr=""/>
+            <p:cNvPr id="149" name="Google Shape;289;g1f213c8c16b_0_ 10" descr=""/>
             <p:cNvPicPr/>
             <p:nvPr/>
           </p:nvPicPr>
@@ -17359,7 +17540,7 @@
           <p:spPr>
             <a:xfrm>
               <a:off x="626400" y="484200"/>
-              <a:ext cx="1504080" cy="522720"/>
+              <a:ext cx="1503720" cy="522360"/>
             </a:xfrm>
             <a:prstGeom prst="rect">
               <a:avLst/>
@@ -17372,14 +17553,14 @@
       </p:grpSp>
       <p:sp>
         <p:nvSpPr>
-          <p:cNvPr id="148" name="Google Shape;253;g1f213c8c16b_0_ 10"/>
+          <p:cNvPr id="150" name="Google Shape;253;g1f213c8c16b_0_ 10"/>
           <p:cNvSpPr/>
           <p:nvPr/>
         </p:nvSpPr>
         <p:spPr>
           <a:xfrm>
             <a:off x="1440000" y="1080000"/>
-            <a:ext cx="9359280" cy="638280"/>
+            <a:ext cx="9358920" cy="638280"/>
           </a:xfrm>
           <a:prstGeom prst="rect">
             <a:avLst/>
@@ -17435,7 +17616,7 @@
       </p:sp>
       <p:pic>
         <p:nvPicPr>
-          <p:cNvPr id="149" name="" descr=""/>
+          <p:cNvPr id="151" name="" descr=""/>
           <p:cNvPicPr/>
           <p:nvPr/>
         </p:nvPicPr>
@@ -17446,7 +17627,7 @@
         <p:spPr>
           <a:xfrm>
             <a:off x="720000" y="1872000"/>
-            <a:ext cx="11149560" cy="4787640"/>
+            <a:ext cx="11149200" cy="4787280"/>
           </a:xfrm>
           <a:prstGeom prst="rect">
             <a:avLst/>
@@ -17488,21 +17669,21 @@
       </p:grpSpPr>
       <p:grpSp>
         <p:nvGrpSpPr>
-          <p:cNvPr id="150" name="Google Shape;266;g1f213c8c16b_0_ 3"/>
+          <p:cNvPr id="152" name="Google Shape;266;g1f213c8c16b_0_ 3"/>
           <p:cNvGrpSpPr/>
           <p:nvPr/>
         </p:nvGrpSpPr>
         <p:grpSpPr>
           <a:xfrm>
             <a:off x="49320" y="0"/>
-            <a:ext cx="12190320" cy="6856200"/>
+            <a:ext cx="12189960" cy="6855840"/>
             <a:chOff x="49320" y="0"/>
-            <a:chExt cx="12190320" cy="6856200"/>
+            <a:chExt cx="12189960" cy="6855840"/>
           </a:xfrm>
         </p:grpSpPr>
         <p:pic>
           <p:nvPicPr>
-            <p:cNvPr id="151" name="Google Shape;267;g1f213c8c16b_0_ 3" descr=""/>
+            <p:cNvPr id="153" name="Google Shape;267;g1f213c8c16b_0_ 3" descr=""/>
             <p:cNvPicPr/>
             <p:nvPr/>
           </p:nvPicPr>
@@ -17514,7 +17695,7 @@
           <p:spPr>
             <a:xfrm>
               <a:off x="49320" y="0"/>
-              <a:ext cx="12190320" cy="6856200"/>
+              <a:ext cx="12189960" cy="6855840"/>
             </a:xfrm>
             <a:prstGeom prst="rect">
               <a:avLst/>
@@ -17526,7 +17707,7 @@
         </p:pic>
         <p:pic>
           <p:nvPicPr>
-            <p:cNvPr id="152" name="Google Shape;268;g1f213c8c16b_0_ 3" descr=""/>
+            <p:cNvPr id="154" name="Google Shape;268;g1f213c8c16b_0_ 3" descr=""/>
             <p:cNvPicPr/>
             <p:nvPr/>
           </p:nvPicPr>
@@ -17537,7 +17718,7 @@
           <p:spPr>
             <a:xfrm>
               <a:off x="49320" y="0"/>
-              <a:ext cx="12190320" cy="6856200"/>
+              <a:ext cx="12189960" cy="6855840"/>
             </a:xfrm>
             <a:prstGeom prst="rect">
               <a:avLst/>
@@ -17550,7 +17731,7 @@
       </p:grpSp>
       <p:pic>
         <p:nvPicPr>
-          <p:cNvPr id="153" name="Google Shape;269;g1f213c8c16b_0_ 3" descr=""/>
+          <p:cNvPr id="155" name="Google Shape;269;g1f213c8c16b_0_ 3" descr=""/>
           <p:cNvPicPr/>
           <p:nvPr/>
         </p:nvPicPr>
@@ -17561,7 +17742,7 @@
         <p:spPr>
           <a:xfrm>
             <a:off x="4815360" y="165600"/>
-            <a:ext cx="2337480" cy="1118880"/>
+            <a:ext cx="2337120" cy="1118520"/>
           </a:xfrm>
           <a:prstGeom prst="rect">
             <a:avLst/>
@@ -17573,21 +17754,21 @@
       </p:pic>
       <p:grpSp>
         <p:nvGrpSpPr>
-          <p:cNvPr id="154" name="Google Shape;287;g1f213c8c16b_0_ 3"/>
+          <p:cNvPr id="156" name="Google Shape;287;g1f213c8c16b_0_ 3"/>
           <p:cNvGrpSpPr/>
           <p:nvPr/>
         </p:nvGrpSpPr>
         <p:grpSpPr>
           <a:xfrm>
             <a:off x="626400" y="254520"/>
-            <a:ext cx="11249640" cy="981360"/>
+            <a:ext cx="11249280" cy="981000"/>
             <a:chOff x="626400" y="254520"/>
-            <a:chExt cx="11249640" cy="981360"/>
+            <a:chExt cx="11249280" cy="981000"/>
           </a:xfrm>
         </p:grpSpPr>
         <p:pic>
           <p:nvPicPr>
-            <p:cNvPr id="155" name="Google Shape;288;g1f213c8c16b_0_ 3" descr=""/>
+            <p:cNvPr id="157" name="Google Shape;288;g1f213c8c16b_0_ 3" descr=""/>
             <p:cNvPicPr/>
             <p:nvPr/>
           </p:nvPicPr>
@@ -17598,7 +17779,7 @@
           <p:spPr>
             <a:xfrm>
               <a:off x="10059840" y="254520"/>
-              <a:ext cx="1816200" cy="981360"/>
+              <a:ext cx="1815840" cy="981000"/>
             </a:xfrm>
             <a:prstGeom prst="rect">
               <a:avLst/>
@@ -17610,7 +17791,7 @@
         </p:pic>
         <p:pic>
           <p:nvPicPr>
-            <p:cNvPr id="156" name="Google Shape;289;g1f213c8c16b_0_ 3" descr=""/>
+            <p:cNvPr id="158" name="Google Shape;289;g1f213c8c16b_0_ 3" descr=""/>
             <p:cNvPicPr/>
             <p:nvPr/>
           </p:nvPicPr>
@@ -17621,7 +17802,7 @@
           <p:spPr>
             <a:xfrm>
               <a:off x="626400" y="484200"/>
-              <a:ext cx="1504080" cy="522720"/>
+              <a:ext cx="1503720" cy="522360"/>
             </a:xfrm>
             <a:prstGeom prst="rect">
               <a:avLst/>
@@ -17634,14 +17815,14 @@
       </p:grpSp>
       <p:sp>
         <p:nvSpPr>
-          <p:cNvPr id="157" name="Google Shape;253;g1f213c8c16b_0_ 3"/>
+          <p:cNvPr id="159" name="Google Shape;253;g1f213c8c16b_0_ 3"/>
           <p:cNvSpPr/>
           <p:nvPr/>
         </p:nvSpPr>
         <p:spPr>
           <a:xfrm>
             <a:off x="1440000" y="1080000"/>
-            <a:ext cx="9359280" cy="638280"/>
+            <a:ext cx="9358920" cy="638280"/>
           </a:xfrm>
           <a:prstGeom prst="rect">
             <a:avLst/>
@@ -17697,7 +17878,7 @@
       </p:sp>
       <p:pic>
         <p:nvPicPr>
-          <p:cNvPr id="158" name="" descr=""/>
+          <p:cNvPr id="160" name="" descr=""/>
           <p:cNvPicPr/>
           <p:nvPr/>
         </p:nvPicPr>
@@ -17708,7 +17889,7 @@
         <p:spPr>
           <a:xfrm>
             <a:off x="2520000" y="2991960"/>
-            <a:ext cx="7009560" cy="3667680"/>
+            <a:ext cx="7009200" cy="3667320"/>
           </a:xfrm>
           <a:prstGeom prst="rect">
             <a:avLst/>
@@ -17720,7 +17901,7 @@
       </p:pic>
       <p:pic>
         <p:nvPicPr>
-          <p:cNvPr id="159" name="" descr=""/>
+          <p:cNvPr id="161" name="" descr=""/>
           <p:cNvPicPr/>
           <p:nvPr/>
         </p:nvPicPr>
@@ -17731,7 +17912,7 @@
         <p:spPr>
           <a:xfrm>
             <a:off x="2520000" y="2744280"/>
-            <a:ext cx="4562280" cy="675360"/>
+            <a:ext cx="4561920" cy="675000"/>
           </a:xfrm>
           <a:prstGeom prst="rect">
             <a:avLst/>
@@ -17743,7 +17924,7 @@
       </p:pic>
       <p:pic>
         <p:nvPicPr>
-          <p:cNvPr id="160" name="" descr=""/>
+          <p:cNvPr id="162" name="" descr=""/>
           <p:cNvPicPr/>
           <p:nvPr/>
         </p:nvPicPr>
@@ -17754,7 +17935,7 @@
         <p:spPr>
           <a:xfrm>
             <a:off x="8680680" y="3960000"/>
-            <a:ext cx="3018960" cy="1561320"/>
+            <a:ext cx="3018600" cy="1560960"/>
           </a:xfrm>
           <a:prstGeom prst="rect">
             <a:avLst/>
@@ -17796,21 +17977,21 @@
       </p:grpSpPr>
       <p:grpSp>
         <p:nvGrpSpPr>
-          <p:cNvPr id="161" name="Google Shape;266;g1f213c8c16b_0_ 4"/>
+          <p:cNvPr id="163" name="Google Shape;266;g1f213c8c16b_0_ 4"/>
           <p:cNvGrpSpPr/>
           <p:nvPr/>
         </p:nvGrpSpPr>
         <p:grpSpPr>
           <a:xfrm>
             <a:off x="49320" y="0"/>
-            <a:ext cx="12190320" cy="6856200"/>
+            <a:ext cx="12189960" cy="6855840"/>
             <a:chOff x="49320" y="0"/>
-            <a:chExt cx="12190320" cy="6856200"/>
+            <a:chExt cx="12189960" cy="6855840"/>
           </a:xfrm>
         </p:grpSpPr>
         <p:pic>
           <p:nvPicPr>
-            <p:cNvPr id="162" name="Google Shape;267;g1f213c8c16b_0_ 4" descr=""/>
+            <p:cNvPr id="164" name="Google Shape;267;g1f213c8c16b_0_ 4" descr=""/>
             <p:cNvPicPr/>
             <p:nvPr/>
           </p:nvPicPr>
@@ -17822,7 +18003,7 @@
           <p:spPr>
             <a:xfrm>
               <a:off x="49320" y="0"/>
-              <a:ext cx="12190320" cy="6856200"/>
+              <a:ext cx="12189960" cy="6855840"/>
             </a:xfrm>
             <a:prstGeom prst="rect">
               <a:avLst/>
@@ -17834,7 +18015,7 @@
         </p:pic>
         <p:pic>
           <p:nvPicPr>
-            <p:cNvPr id="163" name="Google Shape;268;g1f213c8c16b_0_ 4" descr=""/>
+            <p:cNvPr id="165" name="Google Shape;268;g1f213c8c16b_0_ 4" descr=""/>
             <p:cNvPicPr/>
             <p:nvPr/>
           </p:nvPicPr>
@@ -17845,7 +18026,7 @@
           <p:spPr>
             <a:xfrm>
               <a:off x="49320" y="0"/>
-              <a:ext cx="12190320" cy="6856200"/>
+              <a:ext cx="12189960" cy="6855840"/>
             </a:xfrm>
             <a:prstGeom prst="rect">
               <a:avLst/>
@@ -17858,7 +18039,7 @@
       </p:grpSp>
       <p:pic>
         <p:nvPicPr>
-          <p:cNvPr id="164" name="Google Shape;269;g1f213c8c16b_0_ 4" descr=""/>
+          <p:cNvPr id="166" name="Google Shape;269;g1f213c8c16b_0_ 4" descr=""/>
           <p:cNvPicPr/>
           <p:nvPr/>
         </p:nvPicPr>
@@ -17869,7 +18050,7 @@
         <p:spPr>
           <a:xfrm>
             <a:off x="4815360" y="165600"/>
-            <a:ext cx="2337480" cy="1118880"/>
+            <a:ext cx="2337120" cy="1118520"/>
           </a:xfrm>
           <a:prstGeom prst="rect">
             <a:avLst/>
@@ -17881,21 +18062,21 @@
       </p:pic>
       <p:grpSp>
         <p:nvGrpSpPr>
-          <p:cNvPr id="165" name="Google Shape;287;g1f213c8c16b_0_ 4"/>
+          <p:cNvPr id="167" name="Google Shape;287;g1f213c8c16b_0_ 4"/>
           <p:cNvGrpSpPr/>
           <p:nvPr/>
         </p:nvGrpSpPr>
         <p:grpSpPr>
           <a:xfrm>
             <a:off x="626400" y="254520"/>
-            <a:ext cx="11249640" cy="981360"/>
+            <a:ext cx="11249280" cy="981000"/>
             <a:chOff x="626400" y="254520"/>
-            <a:chExt cx="11249640" cy="981360"/>
+            <a:chExt cx="11249280" cy="981000"/>
           </a:xfrm>
         </p:grpSpPr>
         <p:pic>
           <p:nvPicPr>
-            <p:cNvPr id="166" name="Google Shape;288;g1f213c8c16b_0_ 4" descr=""/>
+            <p:cNvPr id="168" name="Google Shape;288;g1f213c8c16b_0_ 4" descr=""/>
             <p:cNvPicPr/>
             <p:nvPr/>
           </p:nvPicPr>
@@ -17906,7 +18087,7 @@
           <p:spPr>
             <a:xfrm>
               <a:off x="10059840" y="254520"/>
-              <a:ext cx="1816200" cy="981360"/>
+              <a:ext cx="1815840" cy="981000"/>
             </a:xfrm>
             <a:prstGeom prst="rect">
               <a:avLst/>
@@ -17918,7 +18099,7 @@
         </p:pic>
         <p:pic>
           <p:nvPicPr>
-            <p:cNvPr id="167" name="Google Shape;289;g1f213c8c16b_0_ 4" descr=""/>
+            <p:cNvPr id="169" name="Google Shape;289;g1f213c8c16b_0_ 4" descr=""/>
             <p:cNvPicPr/>
             <p:nvPr/>
           </p:nvPicPr>
@@ -17929,7 +18110,7 @@
           <p:spPr>
             <a:xfrm>
               <a:off x="626400" y="484200"/>
-              <a:ext cx="1504080" cy="522720"/>
+              <a:ext cx="1503720" cy="522360"/>
             </a:xfrm>
             <a:prstGeom prst="rect">
               <a:avLst/>
@@ -17942,14 +18123,14 @@
       </p:grpSp>
       <p:sp>
         <p:nvSpPr>
-          <p:cNvPr id="168" name="Google Shape;253;g1f213c8c16b_0_ 4"/>
+          <p:cNvPr id="170" name="Google Shape;253;g1f213c8c16b_0_ 4"/>
           <p:cNvSpPr/>
           <p:nvPr/>
         </p:nvSpPr>
         <p:spPr>
           <a:xfrm>
             <a:off x="1440000" y="1080000"/>
-            <a:ext cx="9359280" cy="638280"/>
+            <a:ext cx="9358920" cy="638280"/>
           </a:xfrm>
           <a:prstGeom prst="rect">
             <a:avLst/>
@@ -18005,7 +18186,7 @@
       </p:sp>
       <p:pic>
         <p:nvPicPr>
-          <p:cNvPr id="169" name="" descr=""/>
+          <p:cNvPr id="171" name="" descr=""/>
           <p:cNvPicPr/>
           <p:nvPr/>
         </p:nvPicPr>
@@ -18016,53 +18197,7 @@
         <p:spPr>
           <a:xfrm>
             <a:off x="2520000" y="2991960"/>
-            <a:ext cx="7009560" cy="3667680"/>
-          </a:xfrm>
-          <a:prstGeom prst="rect">
-            <a:avLst/>
-          </a:prstGeom>
-          <a:ln w="0">
-            <a:noFill/>
-          </a:ln>
-        </p:spPr>
-      </p:pic>
-      <p:pic>
-        <p:nvPicPr>
-          <p:cNvPr id="170" name="" descr=""/>
-          <p:cNvPicPr/>
-          <p:nvPr/>
-        </p:nvPicPr>
-        <p:blipFill>
-          <a:blip r:embed="rId7"/>
-          <a:stretch/>
-        </p:blipFill>
-        <p:spPr>
-          <a:xfrm>
-            <a:off x="2520000" y="2744280"/>
-            <a:ext cx="4562280" cy="675360"/>
-          </a:xfrm>
-          <a:prstGeom prst="rect">
-            <a:avLst/>
-          </a:prstGeom>
-          <a:ln w="0">
-            <a:noFill/>
-          </a:ln>
-        </p:spPr>
-      </p:pic>
-      <p:pic>
-        <p:nvPicPr>
-          <p:cNvPr id="171" name="" descr=""/>
-          <p:cNvPicPr/>
-          <p:nvPr/>
-        </p:nvPicPr>
-        <p:blipFill>
-          <a:blip r:embed="rId8"/>
-          <a:stretch/>
-        </p:blipFill>
-        <p:spPr>
-          <a:xfrm>
-            <a:off x="8680680" y="3960000"/>
-            <a:ext cx="3018960" cy="1561320"/>
+            <a:ext cx="7009200" cy="3667320"/>
           </a:xfrm>
           <a:prstGeom prst="rect">
             <a:avLst/>
@@ -18079,13 +18214,13 @@
           <p:nvPr/>
         </p:nvPicPr>
         <p:blipFill>
-          <a:blip r:embed="rId9"/>
+          <a:blip r:embed="rId7"/>
           <a:stretch/>
         </p:blipFill>
         <p:spPr>
           <a:xfrm>
-            <a:off x="3420000" y="3420000"/>
-            <a:ext cx="5125680" cy="3085920"/>
+            <a:off x="2520000" y="2744280"/>
+            <a:ext cx="4561920" cy="675000"/>
           </a:xfrm>
           <a:prstGeom prst="rect">
             <a:avLst/>
@@ -18102,13 +18237,59 @@
           <p:nvPr/>
         </p:nvPicPr>
         <p:blipFill>
+          <a:blip r:embed="rId8"/>
+          <a:stretch/>
+        </p:blipFill>
+        <p:spPr>
+          <a:xfrm>
+            <a:off x="8680680" y="3960000"/>
+            <a:ext cx="3018600" cy="1560960"/>
+          </a:xfrm>
+          <a:prstGeom prst="rect">
+            <a:avLst/>
+          </a:prstGeom>
+          <a:ln w="0">
+            <a:noFill/>
+          </a:ln>
+        </p:spPr>
+      </p:pic>
+      <p:pic>
+        <p:nvPicPr>
+          <p:cNvPr id="174" name="" descr=""/>
+          <p:cNvPicPr/>
+          <p:nvPr/>
+        </p:nvPicPr>
+        <p:blipFill>
+          <a:blip r:embed="rId9"/>
+          <a:stretch/>
+        </p:blipFill>
+        <p:spPr>
+          <a:xfrm>
+            <a:off x="3420000" y="3420000"/>
+            <a:ext cx="5125320" cy="3085560"/>
+          </a:xfrm>
+          <a:prstGeom prst="rect">
+            <a:avLst/>
+          </a:prstGeom>
+          <a:ln w="0">
+            <a:noFill/>
+          </a:ln>
+        </p:spPr>
+      </p:pic>
+      <p:pic>
+        <p:nvPicPr>
+          <p:cNvPr id="175" name="" descr=""/>
+          <p:cNvPicPr/>
+          <p:nvPr/>
+        </p:nvPicPr>
+        <p:blipFill>
           <a:blip r:embed="rId10"/>
           <a:stretch/>
         </p:blipFill>
         <p:spPr>
           <a:xfrm>
             <a:off x="606240" y="1260000"/>
-            <a:ext cx="4208760" cy="1911240"/>
+            <a:ext cx="4208400" cy="1910880"/>
           </a:xfrm>
           <a:prstGeom prst="rect">
             <a:avLst/>
